--- a/Documentation/reports/Presentation.pptx
+++ b/Documentation/reports/Presentation.pptx
@@ -5,20 +5,21 @@
     <p:sldMasterId id="2147483648" r:id="rId4"/>
   </p:sldMasterIdLst>
   <p:notesMasterIdLst>
-    <p:notesMasterId r:id="rId13"/>
+    <p:notesMasterId r:id="rId14"/>
   </p:notesMasterIdLst>
   <p:handoutMasterIdLst>
-    <p:handoutMasterId r:id="rId14"/>
+    <p:handoutMasterId r:id="rId15"/>
   </p:handoutMasterIdLst>
   <p:sldIdLst>
     <p:sldId id="256" r:id="rId5"/>
     <p:sldId id="269" r:id="rId6"/>
     <p:sldId id="270" r:id="rId7"/>
     <p:sldId id="271" r:id="rId8"/>
-    <p:sldId id="272" r:id="rId9"/>
-    <p:sldId id="273" r:id="rId10"/>
-    <p:sldId id="268" r:id="rId11"/>
-    <p:sldId id="267" r:id="rId12"/>
+    <p:sldId id="274" r:id="rId9"/>
+    <p:sldId id="272" r:id="rId10"/>
+    <p:sldId id="273" r:id="rId11"/>
+    <p:sldId id="268" r:id="rId12"/>
+    <p:sldId id="267" r:id="rId13"/>
   </p:sldIdLst>
   <p:sldSz cx="12192000" cy="6858000"/>
   <p:notesSz cx="6858000" cy="9144000"/>
@@ -151,8 +152,8 @@
 <pc:chgInfo xmlns:a="http://schemas.openxmlformats.org/drawingml/2006/main" xmlns:r="http://schemas.openxmlformats.org/officeDocument/2006/relationships" xmlns:ac="http://schemas.microsoft.com/office/drawing/2013/main/command" xmlns:pc="http://schemas.microsoft.com/office/powerpoint/2013/main/command">
   <pc:docChgLst>
     <pc:chgData name="Jack Johnston" userId="c56e8f5f32bf7d06" providerId="LiveId" clId="{9739205B-C9CF-43A0-B314-E4F28AC02816}"/>
-    <pc:docChg chg="custSel modSld">
-      <pc:chgData name="Jack Johnston" userId="c56e8f5f32bf7d06" providerId="LiveId" clId="{9739205B-C9CF-43A0-B314-E4F28AC02816}" dt="2023-05-01T12:55:54.529" v="541" actId="14826"/>
+    <pc:docChg chg="custSel addSld modSld">
+      <pc:chgData name="Jack Johnston" userId="c56e8f5f32bf7d06" providerId="LiveId" clId="{9739205B-C9CF-43A0-B314-E4F28AC02816}" dt="2023-05-01T13:22:09.268" v="571" actId="20577"/>
       <pc:docMkLst>
         <pc:docMk/>
       </pc:docMkLst>
@@ -232,14 +233,22 @@
           </ac:spMkLst>
         </pc:spChg>
       </pc:sldChg>
-      <pc:sldChg chg="modSp mod">
-        <pc:chgData name="Jack Johnston" userId="c56e8f5f32bf7d06" providerId="LiveId" clId="{9739205B-C9CF-43A0-B314-E4F28AC02816}" dt="2023-04-27T16:39:05.835" v="522"/>
+      <pc:sldChg chg="modSp mod modNotesTx">
+        <pc:chgData name="Jack Johnston" userId="c56e8f5f32bf7d06" providerId="LiveId" clId="{9739205B-C9CF-43A0-B314-E4F28AC02816}" dt="2023-05-01T13:22:09.268" v="571" actId="20577"/>
         <pc:sldMkLst>
           <pc:docMk/>
           <pc:sldMk cId="1094296895" sldId="271"/>
         </pc:sldMkLst>
         <pc:spChg chg="mod">
-          <ac:chgData name="Jack Johnston" userId="c56e8f5f32bf7d06" providerId="LiveId" clId="{9739205B-C9CF-43A0-B314-E4F28AC02816}" dt="2023-04-27T16:39:05.835" v="522"/>
+          <ac:chgData name="Jack Johnston" userId="c56e8f5f32bf7d06" providerId="LiveId" clId="{9739205B-C9CF-43A0-B314-E4F28AC02816}" dt="2023-05-01T13:20:31.192" v="553" actId="404"/>
+          <ac:spMkLst>
+            <pc:docMk/>
+            <pc:sldMk cId="1094296895" sldId="271"/>
+            <ac:spMk id="2" creationId="{9825BEA8-EB12-54B8-F573-2AC3777EA1AF}"/>
+          </ac:spMkLst>
+        </pc:spChg>
+        <pc:spChg chg="mod">
+          <ac:chgData name="Jack Johnston" userId="c56e8f5f32bf7d06" providerId="LiveId" clId="{9739205B-C9CF-43A0-B314-E4F28AC02816}" dt="2023-05-01T13:22:09.268" v="571" actId="20577"/>
           <ac:spMkLst>
             <pc:docMk/>
             <pc:sldMk cId="1094296895" sldId="271"/>
@@ -259,6 +268,21 @@
             <pc:docMk/>
             <pc:sldMk cId="2507800528" sldId="273"/>
             <ac:spMk id="3" creationId="{C36FE974-56CC-CB5C-90A1-F0024A1DA4F9}"/>
+          </ac:spMkLst>
+        </pc:spChg>
+      </pc:sldChg>
+      <pc:sldChg chg="modSp new mod">
+        <pc:chgData name="Jack Johnston" userId="c56e8f5f32bf7d06" providerId="LiveId" clId="{9739205B-C9CF-43A0-B314-E4F28AC02816}" dt="2023-05-01T13:20:52.305" v="570" actId="6549"/>
+        <pc:sldMkLst>
+          <pc:docMk/>
+          <pc:sldMk cId="663107331" sldId="274"/>
+        </pc:sldMkLst>
+        <pc:spChg chg="mod">
+          <ac:chgData name="Jack Johnston" userId="c56e8f5f32bf7d06" providerId="LiveId" clId="{9739205B-C9CF-43A0-B314-E4F28AC02816}" dt="2023-05-01T13:20:52.305" v="570" actId="6549"/>
+          <ac:spMkLst>
+            <pc:docMk/>
+            <pc:sldMk cId="663107331" sldId="274"/>
+            <ac:spMk id="2" creationId="{EE7A9A43-22E6-3D3F-74E2-1FC1F3F61DDE}"/>
           </ac:spMkLst>
         </pc:spChg>
       </pc:sldChg>
@@ -9581,11 +9605,13 @@
         </p:nvSpPr>
         <p:spPr/>
         <p:txBody>
-          <a:bodyPr rtlCol="0"/>
+          <a:bodyPr/>
           <a:lstStyle/>
           <a:p>
-            <a:pPr rtl="0"/>
-            <a:endParaRPr lang="en-GB"/>
+            <a:r>
+              <a:rPr lang="en-GB" dirty="0"/>
+              <a:t>F</a:t>
+            </a:r>
           </a:p>
         </p:txBody>
       </p:sp>
@@ -9601,22 +9627,22 @@
         </p:nvSpPr>
         <p:spPr/>
         <p:txBody>
-          <a:bodyPr rtlCol="0"/>
+          <a:bodyPr/>
           <a:lstStyle/>
           <a:p>
             <a:pPr rtl="0"/>
             <a:fld id="{EE000EEB-8338-48D7-8EE8-EE0082EF7602}" type="slidenum">
-              <a:rPr lang="en-GB" smtClean="0"/>
-              <a:t>7</a:t>
+              <a:rPr lang="en-GB" noProof="0" smtClean="0"/>
+              <a:t>4</a:t>
             </a:fld>
-            <a:endParaRPr lang="en-GB"/>
+            <a:endParaRPr lang="en-GB" noProof="0"/>
           </a:p>
         </p:txBody>
       </p:sp>
     </p:spTree>
     <p:extLst>
       <p:ext uri="{BB962C8B-B14F-4D97-AF65-F5344CB8AC3E}">
-        <p14:creationId xmlns:p14="http://schemas.microsoft.com/office/powerpoint/2010/main" val="224970122"/>
+        <p14:creationId xmlns:p14="http://schemas.microsoft.com/office/powerpoint/2010/main" val="1307625688"/>
       </p:ext>
     </p:extLst>
   </p:cSld>
@@ -9694,6 +9720,92 @@
             <a:fld id="{EE000EEB-8338-48D7-8EE8-EE0082EF7602}" type="slidenum">
               <a:rPr lang="en-GB" smtClean="0"/>
               <a:t>8</a:t>
+            </a:fld>
+            <a:endParaRPr lang="en-GB"/>
+          </a:p>
+        </p:txBody>
+      </p:sp>
+    </p:spTree>
+    <p:extLst>
+      <p:ext uri="{BB962C8B-B14F-4D97-AF65-F5344CB8AC3E}">
+        <p14:creationId xmlns:p14="http://schemas.microsoft.com/office/powerpoint/2010/main" val="224970122"/>
+      </p:ext>
+    </p:extLst>
+  </p:cSld>
+  <p:clrMapOvr>
+    <a:masterClrMapping/>
+  </p:clrMapOvr>
+</p:notes>
+</file>
+
+<file path=ppt/notesSlides/notesSlide5.xml><?xml version="1.0" encoding="utf-8"?>
+<p:notes xmlns:a="http://schemas.openxmlformats.org/drawingml/2006/main" xmlns:r="http://schemas.openxmlformats.org/officeDocument/2006/relationships" xmlns:p="http://schemas.openxmlformats.org/presentationml/2006/main">
+  <p:cSld>
+    <p:spTree>
+      <p:nvGrpSpPr>
+        <p:cNvPr id="1" name=""/>
+        <p:cNvGrpSpPr/>
+        <p:nvPr/>
+      </p:nvGrpSpPr>
+      <p:grpSpPr>
+        <a:xfrm>
+          <a:off x="0" y="0"/>
+          <a:ext cx="0" cy="0"/>
+          <a:chOff x="0" y="0"/>
+          <a:chExt cx="0" cy="0"/>
+        </a:xfrm>
+      </p:grpSpPr>
+      <p:sp>
+        <p:nvSpPr>
+          <p:cNvPr id="2" name="Slide Image Placeholder 1"/>
+          <p:cNvSpPr>
+            <a:spLocks noGrp="1" noRot="1" noChangeAspect="1"/>
+          </p:cNvSpPr>
+          <p:nvPr>
+            <p:ph type="sldImg"/>
+          </p:nvPr>
+        </p:nvSpPr>
+        <p:spPr/>
+      </p:sp>
+      <p:sp>
+        <p:nvSpPr>
+          <p:cNvPr id="3" name="Notes Placeholder 2"/>
+          <p:cNvSpPr>
+            <a:spLocks noGrp="1"/>
+          </p:cNvSpPr>
+          <p:nvPr>
+            <p:ph type="body" idx="1"/>
+          </p:nvPr>
+        </p:nvSpPr>
+        <p:spPr/>
+        <p:txBody>
+          <a:bodyPr rtlCol="0"/>
+          <a:lstStyle/>
+          <a:p>
+            <a:pPr rtl="0"/>
+            <a:endParaRPr lang="en-GB"/>
+          </a:p>
+        </p:txBody>
+      </p:sp>
+      <p:sp>
+        <p:nvSpPr>
+          <p:cNvPr id="4" name="Slide Number Placeholder 3"/>
+          <p:cNvSpPr>
+            <a:spLocks noGrp="1"/>
+          </p:cNvSpPr>
+          <p:nvPr>
+            <p:ph type="sldNum" sz="quarter" idx="5"/>
+          </p:nvPr>
+        </p:nvSpPr>
+        <p:spPr/>
+        <p:txBody>
+          <a:bodyPr rtlCol="0"/>
+          <a:lstStyle/>
+          <a:p>
+            <a:pPr rtl="0"/>
+            <a:fld id="{EE000EEB-8338-48D7-8EE8-EE0082EF7602}" type="slidenum">
+              <a:rPr lang="en-GB" smtClean="0"/>
+              <a:t>9</a:t>
             </a:fld>
             <a:endParaRPr lang="en-GB"/>
           </a:p>
@@ -16233,6 +16345,10 @@
             <a:br>
               <a:rPr lang="en-GB" noProof="0" dirty="0"/>
             </a:br>
+            <a:r>
+              <a:rPr lang="en-GB" sz="3200" noProof="0" dirty="0"/>
+              <a:t>Backend</a:t>
+            </a:r>
             <a:endParaRPr lang="en-GB" dirty="0"/>
           </a:p>
         </p:txBody>
@@ -16394,70 +16510,6 @@
             </a:r>
           </a:p>
           <a:p>
-            <a:r>
-              <a:rPr lang="en-GB" sz="1800" dirty="0">
-                <a:effectLst/>
-                <a:latin typeface="Arial" panose="020B0604020202020204" pitchFamily="34" charset="0"/>
-                <a:ea typeface="Calibri" panose="020F0502020204030204" pitchFamily="34" charset="0"/>
-                <a:cs typeface="Times New Roman" panose="02020603050405020304" pitchFamily="18" charset="0"/>
-              </a:rPr>
-              <a:t>The Booking function currently implemented within the Mens Shed web app is currently just a prototype to give the owners of the Dunfermline Mens Shed branch an example of how they could book equipment using </a:t>
-            </a:r>
-            <a:r>
-              <a:rPr lang="en-GB" sz="1800" dirty="0">
-                <a:solidFill>
-                  <a:srgbClr val="FF0000"/>
-                </a:solidFill>
-                <a:effectLst/>
-                <a:latin typeface="Arial" panose="020B0604020202020204" pitchFamily="34" charset="0"/>
-                <a:ea typeface="Calibri" panose="020F0502020204030204" pitchFamily="34" charset="0"/>
-                <a:cs typeface="Times New Roman" panose="02020603050405020304" pitchFamily="18" charset="0"/>
-              </a:rPr>
-              <a:t>SQLite queries</a:t>
-            </a:r>
-            <a:r>
-              <a:rPr lang="en-GB" sz="1800" dirty="0">
-                <a:effectLst/>
-                <a:latin typeface="Arial" panose="020B0604020202020204" pitchFamily="34" charset="0"/>
-                <a:ea typeface="Calibri" panose="020F0502020204030204" pitchFamily="34" charset="0"/>
-                <a:cs typeface="Times New Roman" panose="02020603050405020304" pitchFamily="18" charset="0"/>
-              </a:rPr>
-              <a:t>.</a:t>
-            </a:r>
-          </a:p>
-          <a:p>
-            <a:r>
-              <a:rPr lang="en-GB" sz="1800" dirty="0">
-                <a:effectLst/>
-                <a:latin typeface="Arial" panose="020B0604020202020204" pitchFamily="34" charset="0"/>
-                <a:ea typeface="Calibri" panose="020F0502020204030204" pitchFamily="34" charset="0"/>
-                <a:cs typeface="Times New Roman" panose="02020603050405020304" pitchFamily="18" charset="0"/>
-              </a:rPr>
-              <a:t>The admin access-only function uses a decorator to check whether a user has the admin access column within the Users table using </a:t>
-            </a:r>
-            <a:r>
-              <a:rPr lang="en-GB" sz="1800" dirty="0">
-                <a:solidFill>
-                  <a:srgbClr val="FF0000"/>
-                </a:solidFill>
-                <a:effectLst/>
-                <a:latin typeface="Arial" panose="020B0604020202020204" pitchFamily="34" charset="0"/>
-                <a:ea typeface="Calibri" panose="020F0502020204030204" pitchFamily="34" charset="0"/>
-                <a:cs typeface="Times New Roman" panose="02020603050405020304" pitchFamily="18" charset="0"/>
-              </a:rPr>
-              <a:t>SQLite queries</a:t>
-            </a:r>
-            <a:r>
-              <a:rPr lang="en-GB" sz="1800" dirty="0">
-                <a:effectLst/>
-                <a:latin typeface="Arial" panose="020B0604020202020204" pitchFamily="34" charset="0"/>
-                <a:ea typeface="Calibri" panose="020F0502020204030204" pitchFamily="34" charset="0"/>
-                <a:cs typeface="Times New Roman" panose="02020603050405020304" pitchFamily="18" charset="0"/>
-              </a:rPr>
-              <a:t>.</a:t>
-            </a:r>
-          </a:p>
-          <a:p>
             <a:endParaRPr lang="en-GB" sz="1800" b="1" dirty="0">
               <a:effectLst/>
               <a:latin typeface="Arial" panose="020B0604020202020204" pitchFamily="34" charset="0"/>
@@ -16505,7 +16557,7 @@
           <p:cNvPr id="2" name="Title 1">
             <a:extLst>
               <a:ext uri="{FF2B5EF4-FFF2-40B4-BE49-F238E27FC236}">
-                <a16:creationId xmlns:a16="http://schemas.microsoft.com/office/drawing/2014/main" id="{9825BEA8-EB12-54B8-F573-2AC3777EA1AF}"/>
+                <a16:creationId xmlns:a16="http://schemas.microsoft.com/office/drawing/2014/main" id="{EE7A9A43-22E6-3D3F-74E2-1FC1F3F61DDE}"/>
               </a:ext>
             </a:extLst>
           </p:cNvPr>
@@ -16516,26 +16568,22 @@
             <p:ph type="title"/>
           </p:nvPr>
         </p:nvSpPr>
-        <p:spPr>
-          <a:xfrm>
-            <a:off x="646111" y="452718"/>
-            <a:ext cx="9404723" cy="888028"/>
-          </a:xfrm>
-        </p:spPr>
+        <p:spPr/>
         <p:txBody>
           <a:bodyPr/>
           <a:lstStyle/>
           <a:p>
             <a:r>
               <a:rPr lang="en-GB" b="0" i="0" dirty="0"/>
-              <a:t>Demonstration of Work</a:t>
+              <a:t>Technical Approach</a:t>
             </a:r>
             <a:br>
               <a:rPr lang="en-GB" noProof="0" dirty="0"/>
             </a:br>
-            <a:br>
-              <a:rPr lang="en-GB" noProof="0" dirty="0"/>
-            </a:br>
+            <a:r>
+              <a:rPr lang="en-GB" sz="3200" dirty="0"/>
+              <a:t>Front end</a:t>
+            </a:r>
             <a:endParaRPr lang="en-GB" dirty="0"/>
           </a:p>
         </p:txBody>
@@ -16545,7 +16593,7 @@
           <p:cNvPr id="3" name="Content Placeholder 2">
             <a:extLst>
               <a:ext uri="{FF2B5EF4-FFF2-40B4-BE49-F238E27FC236}">
-                <a16:creationId xmlns:a16="http://schemas.microsoft.com/office/drawing/2014/main" id="{C36FE974-56CC-CB5C-90A1-F0024A1DA4F9}"/>
+                <a16:creationId xmlns:a16="http://schemas.microsoft.com/office/drawing/2014/main" id="{F3B97F41-6A26-29D4-42F0-EE3ABB4E3D72}"/>
               </a:ext>
             </a:extLst>
           </p:cNvPr>
@@ -16556,24 +16604,19 @@
             <p:ph idx="1"/>
           </p:nvPr>
         </p:nvSpPr>
-        <p:spPr>
-          <a:xfrm>
-            <a:off x="746954" y="1419284"/>
-            <a:ext cx="10444628" cy="4829116"/>
-          </a:xfrm>
-        </p:spPr>
+        <p:spPr/>
         <p:txBody>
           <a:bodyPr/>
           <a:lstStyle/>
           <a:p>
-            <a:endParaRPr lang="en-GB"/>
+            <a:endParaRPr lang="en-GB" dirty="0"/>
           </a:p>
         </p:txBody>
       </p:sp>
     </p:spTree>
     <p:extLst>
       <p:ext uri="{BB962C8B-B14F-4D97-AF65-F5344CB8AC3E}">
-        <p14:creationId xmlns:p14="http://schemas.microsoft.com/office/powerpoint/2010/main" val="1811381967"/>
+        <p14:creationId xmlns:p14="http://schemas.microsoft.com/office/powerpoint/2010/main" val="663107331"/>
       </p:ext>
     </p:extLst>
   </p:cSld>
@@ -16628,11 +16671,8 @@
           <a:p>
             <a:r>
               <a:rPr lang="en-GB" b="0" i="0" dirty="0"/>
-              <a:t>Limitations</a:t>
+              <a:t>Demonstration of Work</a:t>
             </a:r>
-            <a:br>
-              <a:rPr lang="en-GB" dirty="0"/>
-            </a:br>
             <a:br>
               <a:rPr lang="en-GB" noProof="0" dirty="0"/>
             </a:br>
@@ -16669,6 +16709,109 @@
           <a:bodyPr/>
           <a:lstStyle/>
           <a:p>
+            <a:endParaRPr lang="en-GB"/>
+          </a:p>
+        </p:txBody>
+      </p:sp>
+    </p:spTree>
+    <p:extLst>
+      <p:ext uri="{BB962C8B-B14F-4D97-AF65-F5344CB8AC3E}">
+        <p14:creationId xmlns:p14="http://schemas.microsoft.com/office/powerpoint/2010/main" val="1811381967"/>
+      </p:ext>
+    </p:extLst>
+  </p:cSld>
+  <p:clrMapOvr>
+    <a:masterClrMapping/>
+  </p:clrMapOvr>
+</p:sld>
+</file>
+
+<file path=ppt/slides/slide7.xml><?xml version="1.0" encoding="utf-8"?>
+<p:sld xmlns:a="http://schemas.openxmlformats.org/drawingml/2006/main" xmlns:r="http://schemas.openxmlformats.org/officeDocument/2006/relationships" xmlns:p="http://schemas.openxmlformats.org/presentationml/2006/main">
+  <p:cSld>
+    <p:spTree>
+      <p:nvGrpSpPr>
+        <p:cNvPr id="1" name=""/>
+        <p:cNvGrpSpPr/>
+        <p:nvPr/>
+      </p:nvGrpSpPr>
+      <p:grpSpPr>
+        <a:xfrm>
+          <a:off x="0" y="0"/>
+          <a:ext cx="0" cy="0"/>
+          <a:chOff x="0" y="0"/>
+          <a:chExt cx="0" cy="0"/>
+        </a:xfrm>
+      </p:grpSpPr>
+      <p:sp>
+        <p:nvSpPr>
+          <p:cNvPr id="2" name="Title 1">
+            <a:extLst>
+              <a:ext uri="{FF2B5EF4-FFF2-40B4-BE49-F238E27FC236}">
+                <a16:creationId xmlns:a16="http://schemas.microsoft.com/office/drawing/2014/main" id="{9825BEA8-EB12-54B8-F573-2AC3777EA1AF}"/>
+              </a:ext>
+            </a:extLst>
+          </p:cNvPr>
+          <p:cNvSpPr>
+            <a:spLocks noGrp="1"/>
+          </p:cNvSpPr>
+          <p:nvPr>
+            <p:ph type="title"/>
+          </p:nvPr>
+        </p:nvSpPr>
+        <p:spPr>
+          <a:xfrm>
+            <a:off x="646111" y="452718"/>
+            <a:ext cx="9404723" cy="888028"/>
+          </a:xfrm>
+        </p:spPr>
+        <p:txBody>
+          <a:bodyPr/>
+          <a:lstStyle/>
+          <a:p>
+            <a:r>
+              <a:rPr lang="en-GB" b="0" i="0" dirty="0"/>
+              <a:t>Limitations</a:t>
+            </a:r>
+            <a:br>
+              <a:rPr lang="en-GB" dirty="0"/>
+            </a:br>
+            <a:br>
+              <a:rPr lang="en-GB" noProof="0" dirty="0"/>
+            </a:br>
+            <a:br>
+              <a:rPr lang="en-GB" noProof="0" dirty="0"/>
+            </a:br>
+            <a:endParaRPr lang="en-GB" dirty="0"/>
+          </a:p>
+        </p:txBody>
+      </p:sp>
+      <p:sp>
+        <p:nvSpPr>
+          <p:cNvPr id="3" name="Content Placeholder 2">
+            <a:extLst>
+              <a:ext uri="{FF2B5EF4-FFF2-40B4-BE49-F238E27FC236}">
+                <a16:creationId xmlns:a16="http://schemas.microsoft.com/office/drawing/2014/main" id="{C36FE974-56CC-CB5C-90A1-F0024A1DA4F9}"/>
+              </a:ext>
+            </a:extLst>
+          </p:cNvPr>
+          <p:cNvSpPr>
+            <a:spLocks noGrp="1"/>
+          </p:cNvSpPr>
+          <p:nvPr>
+            <p:ph idx="1"/>
+          </p:nvPr>
+        </p:nvSpPr>
+        <p:spPr>
+          <a:xfrm>
+            <a:off x="746954" y="1419284"/>
+            <a:ext cx="10444628" cy="4829116"/>
+          </a:xfrm>
+        </p:spPr>
+        <p:txBody>
+          <a:bodyPr/>
+          <a:lstStyle/>
+          <a:p>
             <a:r>
               <a:rPr lang="en-GB" sz="2000" dirty="0">
                 <a:effectLst/>
@@ -16707,7 +16850,7 @@
 </p:sld>
 </file>
 
-<file path=ppt/slides/slide7.xml><?xml version="1.0" encoding="utf-8"?>
+<file path=ppt/slides/slide8.xml><?xml version="1.0" encoding="utf-8"?>
 <p:sld xmlns:a="http://schemas.openxmlformats.org/drawingml/2006/main" xmlns:r="http://schemas.openxmlformats.org/officeDocument/2006/relationships" xmlns:p="http://schemas.openxmlformats.org/presentationml/2006/main">
   <p:cSld>
     <p:bg>
@@ -17164,7 +17307,7 @@
 </p:sld>
 </file>
 
-<file path=ppt/slides/slide8.xml><?xml version="1.0" encoding="utf-8"?>
+<file path=ppt/slides/slide9.xml><?xml version="1.0" encoding="utf-8"?>
 <p:sld xmlns:a="http://schemas.openxmlformats.org/drawingml/2006/main" xmlns:r="http://schemas.openxmlformats.org/officeDocument/2006/relationships" xmlns:p="http://schemas.openxmlformats.org/presentationml/2006/main">
   <p:cSld>
     <p:bg>
@@ -18208,24 +18351,6 @@
 </file>
 
 <file path=customXml/item1.xml><?xml version="1.0" encoding="utf-8"?>
-<?mso-contentType ?>
-<FormTemplates xmlns="http://schemas.microsoft.com/sharepoint/v3/contenttype/forms">
-  <Display>DocumentLibraryForm</Display>
-  <Edit>DocumentLibraryForm</Edit>
-  <New>DocumentLibraryForm</New>
-</FormTemplates>
-</file>
-
-<file path=customXml/item2.xml><?xml version="1.0" encoding="utf-8"?>
-<p:properties xmlns:p="http://schemas.microsoft.com/office/2006/metadata/properties" xmlns:xsi="http://www.w3.org/2001/XMLSchema-instance" xmlns:pc="http://schemas.microsoft.com/office/infopath/2007/PartnerControls">
-  <documentManagement>
-    <Status xmlns="71af3243-3dd4-4a8d-8c0d-dd76da1f02a5">Not started</Status>
-    <MediaServiceKeyPoints xmlns="71af3243-3dd4-4a8d-8c0d-dd76da1f02a5" xsi:nil="true"/>
-  </documentManagement>
-</p:properties>
-</file>
-
-<file path=customXml/item3.xml><?xml version="1.0" encoding="utf-8"?>
 <ct:contentTypeSchema xmlns:ct="http://schemas.microsoft.com/office/2006/metadata/contentType" xmlns:ma="http://schemas.microsoft.com/office/2006/metadata/properties/metaAttributes" ct:_="" ma:_="" ma:contentTypeName="Document" ma:contentTypeID="0x01010079F111ED35F8CC479449609E8A0923A6" ma:contentTypeVersion="12" ma:contentTypeDescription="Create a new document." ma:contentTypeScope="" ma:versionID="93813dd7ca6ad654711aa0ab317e03a3">
   <xsd:schema xmlns:xsd="http://www.w3.org/2001/XMLSchema" xmlns:xs="http://www.w3.org/2001/XMLSchema" xmlns:p="http://schemas.microsoft.com/office/2006/metadata/properties" xmlns:ns2="71af3243-3dd4-4a8d-8c0d-dd76da1f02a5" xmlns:ns3="16c05727-aa75-4e4a-9b5f-8a80a1165891" targetNamespace="http://schemas.microsoft.com/office/2006/metadata/properties" ma:root="true" ma:fieldsID="f11dc0ce689dd3925e84e4e35398c6e7" ns2:_="" ns3:_="">
     <xsd:import namespace="71af3243-3dd4-4a8d-8c0d-dd76da1f02a5"/>
@@ -18446,25 +18571,25 @@
 </ct:contentTypeSchema>
 </file>
 
-<file path=customXml/itemProps1.xml><?xml version="1.0" encoding="utf-8"?>
-<ds:datastoreItem xmlns:ds="http://schemas.openxmlformats.org/officeDocument/2006/customXml" ds:itemID="{0D16958A-754B-4396-9457-FD7A427A37DD}">
-  <ds:schemaRefs>
-    <ds:schemaRef ds:uri="http://schemas.microsoft.com/sharepoint/v3/contenttype/forms"/>
-  </ds:schemaRefs>
-</ds:datastoreItem>
+<file path=customXml/item2.xml><?xml version="1.0" encoding="utf-8"?>
+<p:properties xmlns:p="http://schemas.microsoft.com/office/2006/metadata/properties" xmlns:xsi="http://www.w3.org/2001/XMLSchema-instance" xmlns:pc="http://schemas.microsoft.com/office/infopath/2007/PartnerControls">
+  <documentManagement>
+    <Status xmlns="71af3243-3dd4-4a8d-8c0d-dd76da1f02a5">Not started</Status>
+    <MediaServiceKeyPoints xmlns="71af3243-3dd4-4a8d-8c0d-dd76da1f02a5" xsi:nil="true"/>
+  </documentManagement>
+</p:properties>
 </file>
 
-<file path=customXml/itemProps2.xml><?xml version="1.0" encoding="utf-8"?>
-<ds:datastoreItem xmlns:ds="http://schemas.openxmlformats.org/officeDocument/2006/customXml" ds:itemID="{048C88F1-1664-415F-AFCE-F6CF45809817}">
-  <ds:schemaRefs>
-    <ds:schemaRef ds:uri="http://schemas.microsoft.com/office/2006/metadata/properties"/>
-    <ds:schemaRef ds:uri="http://schemas.microsoft.com/office/infopath/2007/PartnerControls"/>
-    <ds:schemaRef ds:uri="71af3243-3dd4-4a8d-8c0d-dd76da1f02a5"/>
-  </ds:schemaRefs>
-</ds:datastoreItem>
+<file path=customXml/item3.xml><?xml version="1.0" encoding="utf-8"?>
+<?mso-contentType ?>
+<FormTemplates xmlns="http://schemas.microsoft.com/sharepoint/v3/contenttype/forms">
+  <Display>DocumentLibraryForm</Display>
+  <Edit>DocumentLibraryForm</Edit>
+  <New>DocumentLibraryForm</New>
+</FormTemplates>
 </file>
 
-<file path=customXml/itemProps3.xml><?xml version="1.0" encoding="utf-8"?>
+<file path=customXml/itemProps1.xml><?xml version="1.0" encoding="utf-8"?>
 <ds:datastoreItem xmlns:ds="http://schemas.openxmlformats.org/officeDocument/2006/customXml" ds:itemID="{CC30393A-FEC6-4A44-9E4A-6EA49F1F7DC0}">
   <ds:schemaRefs>
     <ds:schemaRef ds:uri="http://schemas.microsoft.com/office/2006/metadata/contentType"/>
@@ -18481,4 +18606,22 @@
     <ds:schemaRef ds:uri="http://schemas.microsoft.com/internal/obd"/>
   </ds:schemaRefs>
 </ds:datastoreItem>
+</file>
+
+<file path=customXml/itemProps2.xml><?xml version="1.0" encoding="utf-8"?>
+<ds:datastoreItem xmlns:ds="http://schemas.openxmlformats.org/officeDocument/2006/customXml" ds:itemID="{048C88F1-1664-415F-AFCE-F6CF45809817}">
+  <ds:schemaRefs>
+    <ds:schemaRef ds:uri="http://schemas.microsoft.com/office/2006/metadata/properties"/>
+    <ds:schemaRef ds:uri="http://schemas.microsoft.com/office/infopath/2007/PartnerControls"/>
+    <ds:schemaRef ds:uri="71af3243-3dd4-4a8d-8c0d-dd76da1f02a5"/>
+  </ds:schemaRefs>
+</ds:datastoreItem>
+</file>
+
+<file path=customXml/itemProps3.xml><?xml version="1.0" encoding="utf-8"?>
+<ds:datastoreItem xmlns:ds="http://schemas.openxmlformats.org/officeDocument/2006/customXml" ds:itemID="{0D16958A-754B-4396-9457-FD7A427A37DD}">
+  <ds:schemaRefs>
+    <ds:schemaRef ds:uri="http://schemas.microsoft.com/sharepoint/v3/contenttype/forms"/>
+  </ds:schemaRefs>
+</ds:datastoreItem>
 </file>
--- a/Documentation/reports/Presentation.pptx
+++ b/Documentation/reports/Presentation.pptx
@@ -294,7 +294,7 @@
 <file path=ppt/charts/chart1.xml><?xml version="1.0" encoding="utf-8"?>
 <c:chartSpace xmlns:c="http://schemas.openxmlformats.org/drawingml/2006/chart" xmlns:a="http://schemas.openxmlformats.org/drawingml/2006/main" xmlns:r="http://schemas.openxmlformats.org/officeDocument/2006/relationships" xmlns:c16r2="http://schemas.microsoft.com/office/drawing/2015/06/chart">
   <c:date1904 val="0"/>
-  <c:lang val="en-GB"/>
+  <c:lang val="en-US"/>
   <c:roundedCorners val="0"/>
   <mc:AlternateContent xmlns:mc="http://schemas.openxmlformats.org/markup-compatibility/2006">
     <mc:Choice xmlns:c14="http://schemas.microsoft.com/office/drawing/2007/8/2/chart" Requires="c14">
@@ -8939,7 +8939,7 @@
             <a:pPr rtl="0"/>
             <a:fld id="{D34942C2-9BB4-485B-BAA9-2B22AB8C8143}" type="datetime1">
               <a:rPr lang="en-GB" smtClean="0"/>
-              <a:t>01/05/2023</a:t>
+              <a:t>03/05/2023</a:t>
             </a:fld>
             <a:endParaRPr lang="en-GB"/>
           </a:p>
@@ -9121,7 +9121,7 @@
             <a:pPr rtl="0"/>
             <a:fld id="{C46B0483-5E48-4989-812C-4FF58E3186C6}" type="datetime1">
               <a:rPr lang="en-GB" noProof="0" smtClean="0"/>
-              <a:t>01/05/2023</a:t>
+              <a:t>03/05/2023</a:t>
             </a:fld>
             <a:endParaRPr lang="en-GB" noProof="0"/>
           </a:p>
@@ -10008,7 +10008,7 @@
             <a:pPr rtl="0"/>
             <a:fld id="{6829274C-2AF6-43C6-BE37-6B723526AB66}" type="datetime1">
               <a:rPr lang="en-GB" noProof="0" smtClean="0"/>
-              <a:t>01/05/2023</a:t>
+              <a:t>03/05/2023</a:t>
             </a:fld>
             <a:endParaRPr lang="en-GB" noProof="0"/>
           </a:p>
@@ -10281,7 +10281,7 @@
             <a:pPr rtl="0"/>
             <a:fld id="{AC3B16FD-AF9A-4B37-B857-ABF0C7FEB2C0}" type="datetime1">
               <a:rPr lang="en-GB" noProof="0" smtClean="0"/>
-              <a:t>01/05/2023</a:t>
+              <a:t>03/05/2023</a:t>
             </a:fld>
             <a:endParaRPr lang="en-GB" noProof="0"/>
           </a:p>
@@ -10473,7 +10473,7 @@
             <a:pPr rtl="0"/>
             <a:fld id="{E8D02A09-1629-4FE8-9008-2360C6AF6524}" type="datetime1">
               <a:rPr lang="en-GB" noProof="0" smtClean="0"/>
-              <a:t>01/05/2023</a:t>
+              <a:t>03/05/2023</a:t>
             </a:fld>
             <a:endParaRPr lang="en-GB" noProof="0"/>
           </a:p>
@@ -10739,7 +10739,7 @@
             <a:pPr rtl="0"/>
             <a:fld id="{ACBF031D-5EAA-4834-BC4C-6B8D41D2A31A}" type="datetime1">
               <a:rPr lang="en-GB" noProof="0" smtClean="0"/>
-              <a:t>01/05/2023</a:t>
+              <a:t>03/05/2023</a:t>
             </a:fld>
             <a:endParaRPr lang="en-GB" noProof="0"/>
           </a:p>
@@ -11069,7 +11069,7 @@
             <a:pPr rtl="0"/>
             <a:fld id="{0C153F27-CCB5-42A9-917D-A5C19EF4A37A}" type="datetime1">
               <a:rPr lang="en-GB" noProof="0" smtClean="0"/>
-              <a:t>01/05/2023</a:t>
+              <a:t>03/05/2023</a:t>
             </a:fld>
             <a:endParaRPr lang="en-GB" noProof="0"/>
           </a:p>
@@ -11677,7 +11677,7 @@
             <a:pPr rtl="0"/>
             <a:fld id="{C22FEF4C-3D16-4233-ACC2-6B3BE0338E94}" type="datetime1">
               <a:rPr lang="en-GB" noProof="0" smtClean="0"/>
-              <a:t>01/05/2023</a:t>
+              <a:t>03/05/2023</a:t>
             </a:fld>
             <a:endParaRPr lang="en-GB" noProof="0"/>
           </a:p>
@@ -12522,7 +12522,7 @@
             <a:pPr rtl="0"/>
             <a:fld id="{236F4546-A12E-4834-AE1D-19A2BD9FE491}" type="datetime1">
               <a:rPr lang="en-GB" noProof="0" smtClean="0"/>
-              <a:t>01/05/2023</a:t>
+              <a:t>03/05/2023</a:t>
             </a:fld>
             <a:endParaRPr lang="en-GB" noProof="0"/>
           </a:p>
@@ -12689,7 +12689,7 @@
             <a:pPr rtl="0"/>
             <a:fld id="{FBFC8BA5-C8F4-44E9-81D3-9993FAFC2548}" type="datetime1">
               <a:rPr lang="en-GB" noProof="0" smtClean="0"/>
-              <a:t>01/05/2023</a:t>
+              <a:t>03/05/2023</a:t>
             </a:fld>
             <a:endParaRPr lang="en-GB" noProof="0"/>
           </a:p>
@@ -12866,7 +12866,7 @@
             <a:pPr rtl="0"/>
             <a:fld id="{A164976D-C0DD-4100-93A1-CFA745D94DB1}" type="datetime1">
               <a:rPr lang="en-GB" noProof="0" smtClean="0"/>
-              <a:t>01/05/2023</a:t>
+              <a:t>03/05/2023</a:t>
             </a:fld>
             <a:endParaRPr lang="en-GB" noProof="0"/>
           </a:p>
@@ -13033,7 +13033,7 @@
             <a:pPr rtl="0"/>
             <a:fld id="{2288F526-2C2E-4DB7-8655-C1E08D2E237C}" type="datetime1">
               <a:rPr lang="en-GB" noProof="0" smtClean="0"/>
-              <a:t>01/05/2023</a:t>
+              <a:t>03/05/2023</a:t>
             </a:fld>
             <a:endParaRPr lang="en-GB" noProof="0"/>
           </a:p>
@@ -13275,7 +13275,7 @@
             <a:pPr rtl="0"/>
             <a:fld id="{2FF95D3A-6098-4E79-BE61-296F9A23A1CB}" type="datetime1">
               <a:rPr lang="en-GB" noProof="0" smtClean="0"/>
-              <a:t>01/05/2023</a:t>
+              <a:t>03/05/2023</a:t>
             </a:fld>
             <a:endParaRPr lang="en-GB" noProof="0"/>
           </a:p>
@@ -13563,7 +13563,7 @@
             <a:pPr rtl="0"/>
             <a:fld id="{03CF9A9B-64FA-486B-B1C4-20B3C2842FAF}" type="datetime1">
               <a:rPr lang="en-GB" noProof="0" smtClean="0"/>
-              <a:t>01/05/2023</a:t>
+              <a:t>03/05/2023</a:t>
             </a:fld>
             <a:endParaRPr lang="en-GB" noProof="0"/>
           </a:p>
@@ -13997,7 +13997,7 @@
             <a:pPr rtl="0"/>
             <a:fld id="{8B9A1C3B-3411-4F1E-9257-FBE0BF08E35E}" type="datetime1">
               <a:rPr lang="en-GB" noProof="0" smtClean="0"/>
-              <a:t>01/05/2023</a:t>
+              <a:t>03/05/2023</a:t>
             </a:fld>
             <a:endParaRPr lang="en-GB" noProof="0"/>
           </a:p>
@@ -14113,7 +14113,7 @@
             <a:pPr rtl="0"/>
             <a:fld id="{6E7AE7EA-47F8-43A2-A0A9-1464253F1FF5}" type="datetime1">
               <a:rPr lang="en-GB" noProof="0" smtClean="0"/>
-              <a:t>01/05/2023</a:t>
+              <a:t>03/05/2023</a:t>
             </a:fld>
             <a:endParaRPr lang="en-GB" noProof="0"/>
           </a:p>
@@ -14206,7 +14206,7 @@
             <a:pPr rtl="0"/>
             <a:fld id="{8F3FAFEF-9964-4E62-A619-7F95A52237F8}" type="datetime1">
               <a:rPr lang="en-GB" noProof="0" smtClean="0"/>
-              <a:t>01/05/2023</a:t>
+              <a:t>03/05/2023</a:t>
             </a:fld>
             <a:endParaRPr lang="en-GB" noProof="0"/>
           </a:p>
@@ -14482,7 +14482,7 @@
             <a:pPr rtl="0"/>
             <a:fld id="{2583AF05-3F56-48E3-A521-2AA72E075177}" type="datetime1">
               <a:rPr lang="en-GB" noProof="0" smtClean="0"/>
-              <a:t>01/05/2023</a:t>
+              <a:t>03/05/2023</a:t>
             </a:fld>
             <a:endParaRPr lang="en-GB" noProof="0"/>
           </a:p>
@@ -14755,7 +14755,7 @@
             <a:pPr rtl="0"/>
             <a:fld id="{DC9ABC9C-6733-4B3C-8D3C-F33F0A5CEBCB}" type="datetime1">
               <a:rPr lang="en-GB" noProof="0" smtClean="0"/>
-              <a:t>01/05/2023</a:t>
+              <a:t>03/05/2023</a:t>
             </a:fld>
             <a:endParaRPr lang="en-GB" noProof="0"/>
           </a:p>
@@ -15181,7 +15181,7 @@
             <a:pPr rtl="0"/>
             <a:fld id="{05BD160B-B06D-4D6D-8099-7D9F4028ABFA}" type="datetime1">
               <a:rPr lang="en-GB" noProof="0" smtClean="0"/>
-              <a:t>01/05/2023</a:t>
+              <a:t>03/05/2023</a:t>
             </a:fld>
             <a:endParaRPr lang="en-GB" noProof="0"/>
           </a:p>
@@ -16819,21 +16819,24 @@
                 <a:ea typeface="Calibri" panose="020F0502020204030204" pitchFamily="34" charset="0"/>
                 <a:cs typeface="Times New Roman" panose="02020603050405020304" pitchFamily="18" charset="0"/>
               </a:rPr>
-              <a:t>The Booking function currently implemented within the Mens Shed web app is currently just </a:t>
+              <a:t>The Booking function currently implemented within the Mens Shed web app is currently just a prototype.</a:t>
             </a:r>
+          </a:p>
+          <a:p>
             <a:r>
-              <a:rPr lang="en-GB" sz="2000">
-                <a:effectLst/>
+              <a:rPr lang="en-GB" dirty="0">
                 <a:latin typeface="Arial" panose="020B0604020202020204" pitchFamily="34" charset="0"/>
                 <a:ea typeface="Calibri" panose="020F0502020204030204" pitchFamily="34" charset="0"/>
                 <a:cs typeface="Times New Roman" panose="02020603050405020304" pitchFamily="18" charset="0"/>
               </a:rPr>
-              <a:t>a prototype.</a:t>
+              <a:t>The database itself can not store graphic images</a:t>
             </a:r>
-          </a:p>
-          <a:p>
-            <a:pPr lvl="1"/>
-            <a:endParaRPr lang="en-GB" dirty="0"/>
+            <a:endParaRPr lang="en-GB" sz="2000" dirty="0">
+              <a:effectLst/>
+              <a:latin typeface="Arial" panose="020B0604020202020204" pitchFamily="34" charset="0"/>
+              <a:ea typeface="Calibri" panose="020F0502020204030204" pitchFamily="34" charset="0"/>
+              <a:cs typeface="Times New Roman" panose="02020603050405020304" pitchFamily="18" charset="0"/>
+            </a:endParaRPr>
           </a:p>
         </p:txBody>
       </p:sp>
@@ -18351,6 +18354,24 @@
 </file>
 
 <file path=customXml/item1.xml><?xml version="1.0" encoding="utf-8"?>
+<?mso-contentType ?>
+<FormTemplates xmlns="http://schemas.microsoft.com/sharepoint/v3/contenttype/forms">
+  <Display>DocumentLibraryForm</Display>
+  <Edit>DocumentLibraryForm</Edit>
+  <New>DocumentLibraryForm</New>
+</FormTemplates>
+</file>
+
+<file path=customXml/item2.xml><?xml version="1.0" encoding="utf-8"?>
+<p:properties xmlns:p="http://schemas.microsoft.com/office/2006/metadata/properties" xmlns:xsi="http://www.w3.org/2001/XMLSchema-instance" xmlns:pc="http://schemas.microsoft.com/office/infopath/2007/PartnerControls">
+  <documentManagement>
+    <Status xmlns="71af3243-3dd4-4a8d-8c0d-dd76da1f02a5">Not started</Status>
+    <MediaServiceKeyPoints xmlns="71af3243-3dd4-4a8d-8c0d-dd76da1f02a5" xsi:nil="true"/>
+  </documentManagement>
+</p:properties>
+</file>
+
+<file path=customXml/item3.xml><?xml version="1.0" encoding="utf-8"?>
 <ct:contentTypeSchema xmlns:ct="http://schemas.microsoft.com/office/2006/metadata/contentType" xmlns:ma="http://schemas.microsoft.com/office/2006/metadata/properties/metaAttributes" ct:_="" ma:_="" ma:contentTypeName="Document" ma:contentTypeID="0x01010079F111ED35F8CC479449609E8A0923A6" ma:contentTypeVersion="12" ma:contentTypeDescription="Create a new document." ma:contentTypeScope="" ma:versionID="93813dd7ca6ad654711aa0ab317e03a3">
   <xsd:schema xmlns:xsd="http://www.w3.org/2001/XMLSchema" xmlns:xs="http://www.w3.org/2001/XMLSchema" xmlns:p="http://schemas.microsoft.com/office/2006/metadata/properties" xmlns:ns2="71af3243-3dd4-4a8d-8c0d-dd76da1f02a5" xmlns:ns3="16c05727-aa75-4e4a-9b5f-8a80a1165891" targetNamespace="http://schemas.microsoft.com/office/2006/metadata/properties" ma:root="true" ma:fieldsID="f11dc0ce689dd3925e84e4e35398c6e7" ns2:_="" ns3:_="">
     <xsd:import namespace="71af3243-3dd4-4a8d-8c0d-dd76da1f02a5"/>
@@ -18571,25 +18592,25 @@
 </ct:contentTypeSchema>
 </file>
 
-<file path=customXml/item2.xml><?xml version="1.0" encoding="utf-8"?>
-<p:properties xmlns:p="http://schemas.microsoft.com/office/2006/metadata/properties" xmlns:xsi="http://www.w3.org/2001/XMLSchema-instance" xmlns:pc="http://schemas.microsoft.com/office/infopath/2007/PartnerControls">
-  <documentManagement>
-    <Status xmlns="71af3243-3dd4-4a8d-8c0d-dd76da1f02a5">Not started</Status>
-    <MediaServiceKeyPoints xmlns="71af3243-3dd4-4a8d-8c0d-dd76da1f02a5" xsi:nil="true"/>
-  </documentManagement>
-</p:properties>
+<file path=customXml/itemProps1.xml><?xml version="1.0" encoding="utf-8"?>
+<ds:datastoreItem xmlns:ds="http://schemas.openxmlformats.org/officeDocument/2006/customXml" ds:itemID="{0D16958A-754B-4396-9457-FD7A427A37DD}">
+  <ds:schemaRefs>
+    <ds:schemaRef ds:uri="http://schemas.microsoft.com/sharepoint/v3/contenttype/forms"/>
+  </ds:schemaRefs>
+</ds:datastoreItem>
 </file>
 
-<file path=customXml/item3.xml><?xml version="1.0" encoding="utf-8"?>
-<?mso-contentType ?>
-<FormTemplates xmlns="http://schemas.microsoft.com/sharepoint/v3/contenttype/forms">
-  <Display>DocumentLibraryForm</Display>
-  <Edit>DocumentLibraryForm</Edit>
-  <New>DocumentLibraryForm</New>
-</FormTemplates>
+<file path=customXml/itemProps2.xml><?xml version="1.0" encoding="utf-8"?>
+<ds:datastoreItem xmlns:ds="http://schemas.openxmlformats.org/officeDocument/2006/customXml" ds:itemID="{048C88F1-1664-415F-AFCE-F6CF45809817}">
+  <ds:schemaRefs>
+    <ds:schemaRef ds:uri="http://schemas.microsoft.com/office/2006/metadata/properties"/>
+    <ds:schemaRef ds:uri="http://schemas.microsoft.com/office/infopath/2007/PartnerControls"/>
+    <ds:schemaRef ds:uri="71af3243-3dd4-4a8d-8c0d-dd76da1f02a5"/>
+  </ds:schemaRefs>
+</ds:datastoreItem>
 </file>
 
-<file path=customXml/itemProps1.xml><?xml version="1.0" encoding="utf-8"?>
+<file path=customXml/itemProps3.xml><?xml version="1.0" encoding="utf-8"?>
 <ds:datastoreItem xmlns:ds="http://schemas.openxmlformats.org/officeDocument/2006/customXml" ds:itemID="{CC30393A-FEC6-4A44-9E4A-6EA49F1F7DC0}">
   <ds:schemaRefs>
     <ds:schemaRef ds:uri="http://schemas.microsoft.com/office/2006/metadata/contentType"/>
@@ -18606,22 +18627,4 @@
     <ds:schemaRef ds:uri="http://schemas.microsoft.com/internal/obd"/>
   </ds:schemaRefs>
 </ds:datastoreItem>
-</file>
-
-<file path=customXml/itemProps2.xml><?xml version="1.0" encoding="utf-8"?>
-<ds:datastoreItem xmlns:ds="http://schemas.openxmlformats.org/officeDocument/2006/customXml" ds:itemID="{048C88F1-1664-415F-AFCE-F6CF45809817}">
-  <ds:schemaRefs>
-    <ds:schemaRef ds:uri="http://schemas.microsoft.com/office/2006/metadata/properties"/>
-    <ds:schemaRef ds:uri="http://schemas.microsoft.com/office/infopath/2007/PartnerControls"/>
-    <ds:schemaRef ds:uri="71af3243-3dd4-4a8d-8c0d-dd76da1f02a5"/>
-  </ds:schemaRefs>
-</ds:datastoreItem>
-</file>
-
-<file path=customXml/itemProps3.xml><?xml version="1.0" encoding="utf-8"?>
-<ds:datastoreItem xmlns:ds="http://schemas.openxmlformats.org/officeDocument/2006/customXml" ds:itemID="{0D16958A-754B-4396-9457-FD7A427A37DD}">
-  <ds:schemaRefs>
-    <ds:schemaRef ds:uri="http://schemas.microsoft.com/sharepoint/v3/contenttype/forms"/>
-  </ds:schemaRefs>
-</ds:datastoreItem>
 </file>
--- a/Documentation/reports/Presentation.pptx
+++ b/Documentation/reports/Presentation.pptx
@@ -143,13 +143,67 @@
 <file path=ppt/revisionInfo.xml><?xml version="1.0" encoding="utf-8"?>
 <p1510:revInfo xmlns:a="http://schemas.openxmlformats.org/drawingml/2006/main" xmlns:r="http://schemas.openxmlformats.org/officeDocument/2006/relationships" xmlns:p1510="http://schemas.microsoft.com/office/powerpoint/2015/10/main">
   <p1510:revLst>
-    <p1510:client id="{9739205B-C9CF-43A0-B314-E4F28AC02816}" v="14" dt="2023-05-01T12:55:54.529"/>
+    <p1510:client id="{177B5933-113E-4AB9-96A8-DA2B9B27EF29}" v="2" dt="2023-05-03T13:10:06.942"/>
   </p1510:revLst>
 </p1510:revInfo>
 </file>
 
 <file path=ppt/changesInfos/changesInfo1.xml><?xml version="1.0" encoding="utf-8"?>
 <pc:chgInfo xmlns:a="http://schemas.openxmlformats.org/drawingml/2006/main" xmlns:r="http://schemas.openxmlformats.org/officeDocument/2006/relationships" xmlns:ac="http://schemas.microsoft.com/office/drawing/2013/main/command" xmlns:pc="http://schemas.microsoft.com/office/powerpoint/2013/main/command">
+  <pc:docChgLst>
+    <pc:chgData name="Mackintosh, Rory" userId="d813eed5-cbfb-4fdb-9eb6-0da9910ba1ef" providerId="ADAL" clId="{177B5933-113E-4AB9-96A8-DA2B9B27EF29}"/>
+    <pc:docChg chg="custSel modSld">
+      <pc:chgData name="Mackintosh, Rory" userId="d813eed5-cbfb-4fdb-9eb6-0da9910ba1ef" providerId="ADAL" clId="{177B5933-113E-4AB9-96A8-DA2B9B27EF29}" dt="2023-05-03T15:24:15.770" v="1581" actId="20577"/>
+      <pc:docMkLst>
+        <pc:docMk/>
+      </pc:docMkLst>
+      <pc:sldChg chg="modSp mod modNotesTx">
+        <pc:chgData name="Mackintosh, Rory" userId="d813eed5-cbfb-4fdb-9eb6-0da9910ba1ef" providerId="ADAL" clId="{177B5933-113E-4AB9-96A8-DA2B9B27EF29}" dt="2023-05-03T15:22:53.968" v="1326" actId="20577"/>
+        <pc:sldMkLst>
+          <pc:docMk/>
+          <pc:sldMk cId="1094296895" sldId="271"/>
+        </pc:sldMkLst>
+        <pc:spChg chg="mod">
+          <ac:chgData name="Mackintosh, Rory" userId="d813eed5-cbfb-4fdb-9eb6-0da9910ba1ef" providerId="ADAL" clId="{177B5933-113E-4AB9-96A8-DA2B9B27EF29}" dt="2023-05-03T12:42:04.893" v="605" actId="207"/>
+          <ac:spMkLst>
+            <pc:docMk/>
+            <pc:sldMk cId="1094296895" sldId="271"/>
+            <ac:spMk id="3" creationId="{C36FE974-56CC-CB5C-90A1-F0024A1DA4F9}"/>
+          </ac:spMkLst>
+        </pc:spChg>
+      </pc:sldChg>
+      <pc:sldChg chg="modSp mod">
+        <pc:chgData name="Mackintosh, Rory" userId="d813eed5-cbfb-4fdb-9eb6-0da9910ba1ef" providerId="ADAL" clId="{177B5933-113E-4AB9-96A8-DA2B9B27EF29}" dt="2023-05-03T13:10:07.895" v="690" actId="5793"/>
+        <pc:sldMkLst>
+          <pc:docMk/>
+          <pc:sldMk cId="1811381967" sldId="272"/>
+        </pc:sldMkLst>
+        <pc:spChg chg="mod">
+          <ac:chgData name="Mackintosh, Rory" userId="d813eed5-cbfb-4fdb-9eb6-0da9910ba1ef" providerId="ADAL" clId="{177B5933-113E-4AB9-96A8-DA2B9B27EF29}" dt="2023-05-03T13:10:07.895" v="690" actId="5793"/>
+          <ac:spMkLst>
+            <pc:docMk/>
+            <pc:sldMk cId="1811381967" sldId="272"/>
+            <ac:spMk id="3" creationId="{C36FE974-56CC-CB5C-90A1-F0024A1DA4F9}"/>
+          </ac:spMkLst>
+        </pc:spChg>
+      </pc:sldChg>
+      <pc:sldChg chg="modSp mod modNotesTx">
+        <pc:chgData name="Mackintosh, Rory" userId="d813eed5-cbfb-4fdb-9eb6-0da9910ba1ef" providerId="ADAL" clId="{177B5933-113E-4AB9-96A8-DA2B9B27EF29}" dt="2023-05-03T15:24:15.770" v="1581" actId="20577"/>
+        <pc:sldMkLst>
+          <pc:docMk/>
+          <pc:sldMk cId="2507800528" sldId="273"/>
+        </pc:sldMkLst>
+        <pc:spChg chg="mod">
+          <ac:chgData name="Mackintosh, Rory" userId="d813eed5-cbfb-4fdb-9eb6-0da9910ba1ef" providerId="ADAL" clId="{177B5933-113E-4AB9-96A8-DA2B9B27EF29}" dt="2023-05-03T14:25:08.163" v="935" actId="20577"/>
+          <ac:spMkLst>
+            <pc:docMk/>
+            <pc:sldMk cId="2507800528" sldId="273"/>
+            <ac:spMk id="3" creationId="{C36FE974-56CC-CB5C-90A1-F0024A1DA4F9}"/>
+          </ac:spMkLst>
+        </pc:spChg>
+      </pc:sldChg>
+    </pc:docChg>
+  </pc:docChgLst>
   <pc:docChgLst>
     <pc:chgData name="Jack Johnston" userId="c56e8f5f32bf7d06" providerId="LiveId" clId="{9739205B-C9CF-43A0-B314-E4F28AC02816}"/>
     <pc:docChg chg="custSel addSld modSld">
@@ -9610,7 +9664,38 @@
           <a:p>
             <a:r>
               <a:rPr lang="en-GB" dirty="0"/>
-              <a:t>F</a:t>
+              <a:t>SQLite is a database engine library that can be embedded in apps.</a:t>
+            </a:r>
+          </a:p>
+          <a:p>
+            <a:endParaRPr lang="en-GB" dirty="0"/>
+          </a:p>
+          <a:p>
+            <a:r>
+              <a:rPr lang="en-GB" dirty="0"/>
+              <a:t>Flask is a micro web framework written in Python. It is classified as a microframework because it does not require particular tools or libraries.</a:t>
+            </a:r>
+          </a:p>
+          <a:p>
+            <a:endParaRPr lang="en-GB" dirty="0"/>
+          </a:p>
+          <a:p>
+            <a:r>
+              <a:rPr lang="en-GB" dirty="0" err="1"/>
+              <a:t>Bcrypt</a:t>
+            </a:r>
+            <a:r>
+              <a:rPr lang="en-GB" dirty="0"/>
+              <a:t> hashing is used to encrypt users passwords within the database to ensure each users password is secure</a:t>
+            </a:r>
+          </a:p>
+          <a:p>
+            <a:endParaRPr lang="en-GB" dirty="0"/>
+          </a:p>
+          <a:p>
+            <a:r>
+              <a:rPr lang="en-GB" dirty="0"/>
+              <a:t>The SQLite command line can be used to make changes to the SQLite database via the command line e.g. querying the database or giving a user admin access</a:t>
             </a:r>
           </a:p>
         </p:txBody>
@@ -9693,6 +9778,188 @@
         </p:nvSpPr>
         <p:spPr/>
         <p:txBody>
+          <a:bodyPr/>
+          <a:lstStyle/>
+          <a:p>
+            <a:endParaRPr lang="en-GB" dirty="0"/>
+          </a:p>
+        </p:txBody>
+      </p:sp>
+      <p:sp>
+        <p:nvSpPr>
+          <p:cNvPr id="4" name="Slide Number Placeholder 3"/>
+          <p:cNvSpPr>
+            <a:spLocks noGrp="1"/>
+          </p:cNvSpPr>
+          <p:nvPr>
+            <p:ph type="sldNum" sz="quarter" idx="5"/>
+          </p:nvPr>
+        </p:nvSpPr>
+        <p:spPr/>
+        <p:txBody>
+          <a:bodyPr/>
+          <a:lstStyle/>
+          <a:p>
+            <a:pPr rtl="0"/>
+            <a:fld id="{EE000EEB-8338-48D7-8EE8-EE0082EF7602}" type="slidenum">
+              <a:rPr lang="en-GB" noProof="0" smtClean="0"/>
+              <a:t>6</a:t>
+            </a:fld>
+            <a:endParaRPr lang="en-GB" noProof="0"/>
+          </a:p>
+        </p:txBody>
+      </p:sp>
+    </p:spTree>
+    <p:extLst>
+      <p:ext uri="{BB962C8B-B14F-4D97-AF65-F5344CB8AC3E}">
+        <p14:creationId xmlns:p14="http://schemas.microsoft.com/office/powerpoint/2010/main" val="3924257567"/>
+      </p:ext>
+    </p:extLst>
+  </p:cSld>
+  <p:clrMapOvr>
+    <a:masterClrMapping/>
+  </p:clrMapOvr>
+</p:notes>
+</file>
+
+<file path=ppt/notesSlides/notesSlide5.xml><?xml version="1.0" encoding="utf-8"?>
+<p:notes xmlns:a="http://schemas.openxmlformats.org/drawingml/2006/main" xmlns:r="http://schemas.openxmlformats.org/officeDocument/2006/relationships" xmlns:p="http://schemas.openxmlformats.org/presentationml/2006/main">
+  <p:cSld>
+    <p:spTree>
+      <p:nvGrpSpPr>
+        <p:cNvPr id="1" name=""/>
+        <p:cNvGrpSpPr/>
+        <p:nvPr/>
+      </p:nvGrpSpPr>
+      <p:grpSpPr>
+        <a:xfrm>
+          <a:off x="0" y="0"/>
+          <a:ext cx="0" cy="0"/>
+          <a:chOff x="0" y="0"/>
+          <a:chExt cx="0" cy="0"/>
+        </a:xfrm>
+      </p:grpSpPr>
+      <p:sp>
+        <p:nvSpPr>
+          <p:cNvPr id="2" name="Slide Image Placeholder 1"/>
+          <p:cNvSpPr>
+            <a:spLocks noGrp="1" noRot="1" noChangeAspect="1"/>
+          </p:cNvSpPr>
+          <p:nvPr>
+            <p:ph type="sldImg"/>
+          </p:nvPr>
+        </p:nvSpPr>
+        <p:spPr/>
+      </p:sp>
+      <p:sp>
+        <p:nvSpPr>
+          <p:cNvPr id="3" name="Notes Placeholder 2"/>
+          <p:cNvSpPr>
+            <a:spLocks noGrp="1"/>
+          </p:cNvSpPr>
+          <p:nvPr>
+            <p:ph type="body" idx="1"/>
+          </p:nvPr>
+        </p:nvSpPr>
+        <p:spPr/>
+        <p:txBody>
+          <a:bodyPr/>
+          <a:lstStyle/>
+          <a:p>
+            <a:r>
+              <a:rPr lang="en-GB" dirty="0"/>
+              <a:t>The booking function using item ID is only temporary and can be changed later in development.</a:t>
+            </a:r>
+          </a:p>
+          <a:p>
+            <a:endParaRPr lang="en-GB" dirty="0"/>
+          </a:p>
+          <a:p>
+            <a:r>
+              <a:rPr lang="en-GB" dirty="0"/>
+              <a:t>The tool search function can either remove the column for the images or find a way to display the images from the links later in development.</a:t>
+            </a:r>
+          </a:p>
+        </p:txBody>
+      </p:sp>
+      <p:sp>
+        <p:nvSpPr>
+          <p:cNvPr id="4" name="Slide Number Placeholder 3"/>
+          <p:cNvSpPr>
+            <a:spLocks noGrp="1"/>
+          </p:cNvSpPr>
+          <p:nvPr>
+            <p:ph type="sldNum" sz="quarter" idx="5"/>
+          </p:nvPr>
+        </p:nvSpPr>
+        <p:spPr/>
+        <p:txBody>
+          <a:bodyPr/>
+          <a:lstStyle/>
+          <a:p>
+            <a:pPr rtl="0"/>
+            <a:fld id="{EE000EEB-8338-48D7-8EE8-EE0082EF7602}" type="slidenum">
+              <a:rPr lang="en-GB" noProof="0" smtClean="0"/>
+              <a:t>7</a:t>
+            </a:fld>
+            <a:endParaRPr lang="en-GB" noProof="0"/>
+          </a:p>
+        </p:txBody>
+      </p:sp>
+    </p:spTree>
+    <p:extLst>
+      <p:ext uri="{BB962C8B-B14F-4D97-AF65-F5344CB8AC3E}">
+        <p14:creationId xmlns:p14="http://schemas.microsoft.com/office/powerpoint/2010/main" val="3516834243"/>
+      </p:ext>
+    </p:extLst>
+  </p:cSld>
+  <p:clrMapOvr>
+    <a:masterClrMapping/>
+  </p:clrMapOvr>
+</p:notes>
+</file>
+
+<file path=ppt/notesSlides/notesSlide6.xml><?xml version="1.0" encoding="utf-8"?>
+<p:notes xmlns:a="http://schemas.openxmlformats.org/drawingml/2006/main" xmlns:r="http://schemas.openxmlformats.org/officeDocument/2006/relationships" xmlns:p="http://schemas.openxmlformats.org/presentationml/2006/main">
+  <p:cSld>
+    <p:spTree>
+      <p:nvGrpSpPr>
+        <p:cNvPr id="1" name=""/>
+        <p:cNvGrpSpPr/>
+        <p:nvPr/>
+      </p:nvGrpSpPr>
+      <p:grpSpPr>
+        <a:xfrm>
+          <a:off x="0" y="0"/>
+          <a:ext cx="0" cy="0"/>
+          <a:chOff x="0" y="0"/>
+          <a:chExt cx="0" cy="0"/>
+        </a:xfrm>
+      </p:grpSpPr>
+      <p:sp>
+        <p:nvSpPr>
+          <p:cNvPr id="2" name="Slide Image Placeholder 1"/>
+          <p:cNvSpPr>
+            <a:spLocks noGrp="1" noRot="1" noChangeAspect="1"/>
+          </p:cNvSpPr>
+          <p:nvPr>
+            <p:ph type="sldImg"/>
+          </p:nvPr>
+        </p:nvSpPr>
+        <p:spPr/>
+      </p:sp>
+      <p:sp>
+        <p:nvSpPr>
+          <p:cNvPr id="3" name="Notes Placeholder 2"/>
+          <p:cNvSpPr>
+            <a:spLocks noGrp="1"/>
+          </p:cNvSpPr>
+          <p:nvPr>
+            <p:ph type="body" idx="1"/>
+          </p:nvPr>
+        </p:nvSpPr>
+        <p:spPr/>
+        <p:txBody>
           <a:bodyPr rtlCol="0"/>
           <a:lstStyle/>
           <a:p>
@@ -9738,7 +10005,7 @@
 </p:notes>
 </file>
 
-<file path=ppt/notesSlides/notesSlide5.xml><?xml version="1.0" encoding="utf-8"?>
+<file path=ppt/notesSlides/notesSlide7.xml><?xml version="1.0" encoding="utf-8"?>
 <p:notes xmlns:a="http://schemas.openxmlformats.org/drawingml/2006/main" xmlns:r="http://schemas.openxmlformats.org/officeDocument/2006/relationships" xmlns:p="http://schemas.openxmlformats.org/presentationml/2006/main">
   <p:cSld>
     <p:spTree>
@@ -16376,7 +16643,9 @@
           </a:xfrm>
         </p:spPr>
         <p:txBody>
-          <a:bodyPr/>
+          <a:bodyPr>
+            <a:normAutofit lnSpcReduction="10000"/>
+          </a:bodyPr>
           <a:lstStyle/>
           <a:p>
             <a:r>
@@ -16508,6 +16777,112 @@
               </a:rPr>
               <a:t>.</a:t>
             </a:r>
+          </a:p>
+          <a:p>
+            <a:r>
+              <a:rPr lang="en-GB" sz="1800" dirty="0">
+                <a:latin typeface="Arial" panose="020B0604020202020204" pitchFamily="34" charset="0"/>
+                <a:ea typeface="Calibri" panose="020F0502020204030204" pitchFamily="34" charset="0"/>
+                <a:cs typeface="Times New Roman" panose="02020603050405020304" pitchFamily="18" charset="0"/>
+              </a:rPr>
+              <a:t>The Booking function allows users to Book items held within the database for a certain period of time by adding the users booking to the bookings table in the </a:t>
+            </a:r>
+            <a:r>
+              <a:rPr lang="en-GB" sz="1800" dirty="0">
+                <a:solidFill>
+                  <a:srgbClr val="FF0000"/>
+                </a:solidFill>
+                <a:latin typeface="Arial" panose="020B0604020202020204" pitchFamily="34" charset="0"/>
+                <a:ea typeface="Calibri" panose="020F0502020204030204" pitchFamily="34" charset="0"/>
+                <a:cs typeface="Times New Roman" panose="02020603050405020304" pitchFamily="18" charset="0"/>
+              </a:rPr>
+              <a:t>SQLite</a:t>
+            </a:r>
+            <a:r>
+              <a:rPr lang="en-GB" sz="1800" dirty="0">
+                <a:latin typeface="Arial" panose="020B0604020202020204" pitchFamily="34" charset="0"/>
+                <a:ea typeface="Calibri" panose="020F0502020204030204" pitchFamily="34" charset="0"/>
+                <a:cs typeface="Times New Roman" panose="02020603050405020304" pitchFamily="18" charset="0"/>
+              </a:rPr>
+              <a:t> database. The users booking will then be deleted from the </a:t>
+            </a:r>
+            <a:r>
+              <a:rPr lang="en-GB" sz="1800" dirty="0">
+                <a:solidFill>
+                  <a:srgbClr val="FF0000"/>
+                </a:solidFill>
+                <a:latin typeface="Arial" panose="020B0604020202020204" pitchFamily="34" charset="0"/>
+                <a:ea typeface="Calibri" panose="020F0502020204030204" pitchFamily="34" charset="0"/>
+                <a:cs typeface="Times New Roman" panose="02020603050405020304" pitchFamily="18" charset="0"/>
+              </a:rPr>
+              <a:t>SQLite</a:t>
+            </a:r>
+            <a:r>
+              <a:rPr lang="en-GB" sz="1800" dirty="0">
+                <a:latin typeface="Arial" panose="020B0604020202020204" pitchFamily="34" charset="0"/>
+                <a:ea typeface="Calibri" panose="020F0502020204030204" pitchFamily="34" charset="0"/>
+                <a:cs typeface="Times New Roman" panose="02020603050405020304" pitchFamily="18" charset="0"/>
+              </a:rPr>
+              <a:t> database once their booking time ends.</a:t>
+            </a:r>
+          </a:p>
+          <a:p>
+            <a:r>
+              <a:rPr lang="en-GB" sz="1800" dirty="0">
+                <a:effectLst/>
+                <a:latin typeface="Arial" panose="020B0604020202020204" pitchFamily="34" charset="0"/>
+                <a:ea typeface="Calibri" panose="020F0502020204030204" pitchFamily="34" charset="0"/>
+                <a:cs typeface="Times New Roman" panose="02020603050405020304" pitchFamily="18" charset="0"/>
+              </a:rPr>
+              <a:t>The Admin </a:t>
+            </a:r>
+            <a:r>
+              <a:rPr lang="en-GB" sz="1800" dirty="0">
+                <a:latin typeface="Arial" panose="020B0604020202020204" pitchFamily="34" charset="0"/>
+                <a:ea typeface="Calibri" panose="020F0502020204030204" pitchFamily="34" charset="0"/>
+                <a:cs typeface="Times New Roman" panose="02020603050405020304" pitchFamily="18" charset="0"/>
+              </a:rPr>
+              <a:t>access only function allows users who have admin access to enter pages that other users cannot. This is done by setting a users admin access column to true in the </a:t>
+            </a:r>
+            <a:r>
+              <a:rPr lang="en-GB" sz="1800" dirty="0">
+                <a:solidFill>
+                  <a:srgbClr val="FF0000"/>
+                </a:solidFill>
+                <a:latin typeface="Arial" panose="020B0604020202020204" pitchFamily="34" charset="0"/>
+                <a:ea typeface="Calibri" panose="020F0502020204030204" pitchFamily="34" charset="0"/>
+                <a:cs typeface="Times New Roman" panose="02020603050405020304" pitchFamily="18" charset="0"/>
+              </a:rPr>
+              <a:t>SQLite</a:t>
+            </a:r>
+            <a:r>
+              <a:rPr lang="en-GB" sz="1800" dirty="0">
+                <a:latin typeface="Arial" panose="020B0604020202020204" pitchFamily="34" charset="0"/>
+                <a:ea typeface="Calibri" panose="020F0502020204030204" pitchFamily="34" charset="0"/>
+                <a:cs typeface="Times New Roman" panose="02020603050405020304" pitchFamily="18" charset="0"/>
+              </a:rPr>
+              <a:t> database via the </a:t>
+            </a:r>
+            <a:r>
+              <a:rPr lang="en-GB" sz="1800" dirty="0">
+                <a:solidFill>
+                  <a:srgbClr val="FF0000"/>
+                </a:solidFill>
+                <a:latin typeface="Arial" panose="020B0604020202020204" pitchFamily="34" charset="0"/>
+                <a:ea typeface="Calibri" panose="020F0502020204030204" pitchFamily="34" charset="0"/>
+                <a:cs typeface="Times New Roman" panose="02020603050405020304" pitchFamily="18" charset="0"/>
+              </a:rPr>
+              <a:t>SQLite command line.</a:t>
+            </a:r>
+            <a:endParaRPr lang="en-GB" sz="1800" dirty="0">
+              <a:solidFill>
+                <a:srgbClr val="FF0000"/>
+              </a:solidFill>
+              <a:effectLst/>
+              <a:latin typeface="Arial" panose="020B0604020202020204" pitchFamily="34" charset="0"/>
+              <a:ea typeface="Calibri" panose="020F0502020204030204" pitchFamily="34" charset="0"/>
+              <a:cs typeface="Times New Roman" panose="02020603050405020304" pitchFamily="18" charset="0"/>
+            </a:endParaRPr>
           </a:p>
           <a:p>
             <a:endParaRPr lang="en-GB" sz="1800" b="1" dirty="0">
@@ -16709,7 +17084,66 @@
           <a:bodyPr/>
           <a:lstStyle/>
           <a:p>
-            <a:endParaRPr lang="en-GB"/>
+            <a:pPr algn="ctr"/>
+            <a:endParaRPr lang="en-GB" dirty="0"/>
+          </a:p>
+          <a:p>
+            <a:pPr algn="ctr"/>
+            <a:endParaRPr lang="en-GB" dirty="0"/>
+          </a:p>
+          <a:p>
+            <a:pPr algn="ctr"/>
+            <a:endParaRPr lang="en-GB" dirty="0"/>
+          </a:p>
+          <a:p>
+            <a:pPr algn="ctr"/>
+            <a:r>
+              <a:rPr lang="en-GB" dirty="0"/>
+              <a:t>Virtual Environment Deployment: </a:t>
+            </a:r>
+            <a:r>
+              <a:rPr lang="en-GB" dirty="0">
+                <a:hlinkClick r:id="rId3"/>
+              </a:rPr>
+              <a:t>http://127.0.0.1:5000/</a:t>
+            </a:r>
+            <a:endParaRPr lang="en-GB" dirty="0"/>
+          </a:p>
+          <a:p>
+            <a:pPr algn="ctr"/>
+            <a:endParaRPr lang="en-GB" dirty="0"/>
+          </a:p>
+          <a:p>
+            <a:pPr algn="ctr"/>
+            <a:endParaRPr lang="en-GB" dirty="0"/>
+          </a:p>
+          <a:p>
+            <a:pPr algn="ctr"/>
+            <a:endParaRPr lang="en-GB" dirty="0"/>
+          </a:p>
+          <a:p>
+            <a:pPr algn="ctr"/>
+            <a:r>
+              <a:rPr lang="en-GB" dirty="0" err="1"/>
+              <a:t>Pythonanywhere</a:t>
+            </a:r>
+            <a:r>
+              <a:rPr lang="en-GB" dirty="0"/>
+              <a:t> Deployment: </a:t>
+            </a:r>
+            <a:r>
+              <a:rPr lang="en-GB" dirty="0">
+                <a:hlinkClick r:id="rId4"/>
+              </a:rPr>
+              <a:t>http://mensshed.pythonanywhere.com/</a:t>
+            </a:r>
+            <a:endParaRPr lang="en-GB" dirty="0"/>
+          </a:p>
+          <a:p>
+            <a:pPr marL="0" indent="0" algn="ctr">
+              <a:buNone/>
+            </a:pPr>
+            <a:endParaRPr lang="en-GB" dirty="0"/>
           </a:p>
         </p:txBody>
       </p:sp>
@@ -16829,6 +17263,35 @@
                 <a:ea typeface="Calibri" panose="020F0502020204030204" pitchFamily="34" charset="0"/>
                 <a:cs typeface="Times New Roman" panose="02020603050405020304" pitchFamily="18" charset="0"/>
               </a:rPr>
+              <a:t>The Booking function has the user choose an item by item ID which makes it hard to choose the correct item.</a:t>
+            </a:r>
+          </a:p>
+          <a:p>
+            <a:r>
+              <a:rPr lang="en-GB" sz="2000" dirty="0">
+                <a:effectLst/>
+                <a:latin typeface="Arial" panose="020B0604020202020204" pitchFamily="34" charset="0"/>
+                <a:ea typeface="Calibri" panose="020F0502020204030204" pitchFamily="34" charset="0"/>
+                <a:cs typeface="Times New Roman" panose="02020603050405020304" pitchFamily="18" charset="0"/>
+              </a:rPr>
+              <a:t>The tool search function displays the link to pictures rather than the actual ima</a:t>
+            </a:r>
+            <a:r>
+              <a:rPr lang="en-GB" dirty="0">
+                <a:latin typeface="Arial" panose="020B0604020202020204" pitchFamily="34" charset="0"/>
+                <a:ea typeface="Calibri" panose="020F0502020204030204" pitchFamily="34" charset="0"/>
+                <a:cs typeface="Times New Roman" panose="02020603050405020304" pitchFamily="18" charset="0"/>
+              </a:rPr>
+              <a:t>ge.</a:t>
+            </a:r>
+          </a:p>
+          <a:p>
+            <a:r>
+              <a:rPr lang="en-GB" dirty="0">
+                <a:latin typeface="Arial" panose="020B0604020202020204" pitchFamily="34" charset="0"/>
+                <a:ea typeface="Calibri" panose="020F0502020204030204" pitchFamily="34" charset="0"/>
+                <a:cs typeface="Times New Roman" panose="02020603050405020304" pitchFamily="18" charset="0"/>
+              </a:rPr>
               <a:t>The database itself can not store graphic images</a:t>
             </a:r>
             <a:endParaRPr lang="en-GB" sz="2000" dirty="0">
@@ -16837,6 +17300,10 @@
               <a:ea typeface="Calibri" panose="020F0502020204030204" pitchFamily="34" charset="0"/>
               <a:cs typeface="Times New Roman" panose="02020603050405020304" pitchFamily="18" charset="0"/>
             </a:endParaRPr>
+          </a:p>
+          <a:p>
+            <a:pPr lvl="1"/>
+            <a:endParaRPr lang="en-GB" dirty="0"/>
           </a:p>
         </p:txBody>
       </p:sp>

--- a/Documentation/reports/Presentation.pptx
+++ b/Documentation/reports/Presentation.pptx
@@ -140,14 +140,6 @@
 </p:presentation>
 </file>
 
-<file path=ppt/revisionInfo.xml><?xml version="1.0" encoding="utf-8"?>
-<p1510:revInfo xmlns:a="http://schemas.openxmlformats.org/drawingml/2006/main" xmlns:r="http://schemas.openxmlformats.org/officeDocument/2006/relationships" xmlns:p1510="http://schemas.microsoft.com/office/powerpoint/2015/10/main">
-  <p1510:revLst>
-    <p1510:client id="{177B5933-113E-4AB9-96A8-DA2B9B27EF29}" v="2" dt="2023-05-03T13:10:06.942"/>
-  </p1510:revLst>
-</p1510:revInfo>
-</file>
-
 <file path=ppt/changesInfos/changesInfo1.xml><?xml version="1.0" encoding="utf-8"?>
 <pc:chgInfo xmlns:a="http://schemas.openxmlformats.org/drawingml/2006/main" xmlns:r="http://schemas.openxmlformats.org/officeDocument/2006/relationships" xmlns:ac="http://schemas.microsoft.com/office/drawing/2013/main/command" xmlns:pc="http://schemas.microsoft.com/office/powerpoint/2013/main/command">
   <pc:docChgLst>
@@ -199,6 +191,45 @@
             <pc:docMk/>
             <pc:sldMk cId="2507800528" sldId="273"/>
             <ac:spMk id="3" creationId="{C36FE974-56CC-CB5C-90A1-F0024A1DA4F9}"/>
+          </ac:spMkLst>
+        </pc:spChg>
+      </pc:sldChg>
+    </pc:docChg>
+  </pc:docChgLst>
+  <pc:docChgLst>
+    <pc:chgData name="Jack Johnston" userId="c56e8f5f32bf7d06" providerId="LiveId" clId="{3997E1A2-7DDC-4DA9-A02F-EAD115860097}"/>
+    <pc:docChg chg="custSel modSld">
+      <pc:chgData name="Jack Johnston" userId="c56e8f5f32bf7d06" providerId="LiveId" clId="{3997E1A2-7DDC-4DA9-A02F-EAD115860097}" dt="2023-05-05T09:29:53.214" v="550" actId="20577"/>
+      <pc:docMkLst>
+        <pc:docMk/>
+      </pc:docMkLst>
+      <pc:sldChg chg="modSp mod">
+        <pc:chgData name="Jack Johnston" userId="c56e8f5f32bf7d06" providerId="LiveId" clId="{3997E1A2-7DDC-4DA9-A02F-EAD115860097}" dt="2023-05-05T09:29:53.214" v="550" actId="20577"/>
+        <pc:sldMkLst>
+          <pc:docMk/>
+          <pc:sldMk cId="193000927" sldId="256"/>
+        </pc:sldMkLst>
+        <pc:spChg chg="mod">
+          <ac:chgData name="Jack Johnston" userId="c56e8f5f32bf7d06" providerId="LiveId" clId="{3997E1A2-7DDC-4DA9-A02F-EAD115860097}" dt="2023-05-05T09:29:53.214" v="550" actId="20577"/>
+          <ac:spMkLst>
+            <pc:docMk/>
+            <pc:sldMk cId="193000927" sldId="256"/>
+            <ac:spMk id="3" creationId="{B4CA222A-88BC-48F4-9AE8-2115B7D1E6DC}"/>
+          </ac:spMkLst>
+        </pc:spChg>
+      </pc:sldChg>
+      <pc:sldChg chg="modSp mod modNotesTx">
+        <pc:chgData name="Jack Johnston" userId="c56e8f5f32bf7d06" providerId="LiveId" clId="{3997E1A2-7DDC-4DA9-A02F-EAD115860097}" dt="2023-05-05T09:29:25.993" v="541" actId="20577"/>
+        <pc:sldMkLst>
+          <pc:docMk/>
+          <pc:sldMk cId="1985986454" sldId="270"/>
+        </pc:sldMkLst>
+        <pc:spChg chg="mod">
+          <ac:chgData name="Jack Johnston" userId="c56e8f5f32bf7d06" providerId="LiveId" clId="{3997E1A2-7DDC-4DA9-A02F-EAD115860097}" dt="2023-05-05T09:29:25.993" v="541" actId="20577"/>
+          <ac:spMkLst>
+            <pc:docMk/>
+            <pc:sldMk cId="1985986454" sldId="270"/>
+            <ac:spMk id="3" creationId="{42195445-4654-0CE6-6F11-ACC999513B62}"/>
           </ac:spMkLst>
         </pc:spChg>
       </pc:sldChg>
@@ -8993,7 +9024,7 @@
             <a:pPr rtl="0"/>
             <a:fld id="{D34942C2-9BB4-485B-BAA9-2B22AB8C8143}" type="datetime1">
               <a:rPr lang="en-GB" smtClean="0"/>
-              <a:t>03/05/2023</a:t>
+              <a:t>05/05/2023</a:t>
             </a:fld>
             <a:endParaRPr lang="en-GB"/>
           </a:p>
@@ -9175,7 +9206,7 @@
             <a:pPr rtl="0"/>
             <a:fld id="{C46B0483-5E48-4989-812C-4FF58E3186C6}" type="datetime1">
               <a:rPr lang="en-GB" noProof="0" smtClean="0"/>
-              <a:t>03/05/2023</a:t>
+              <a:t>05/05/2023</a:t>
             </a:fld>
             <a:endParaRPr lang="en-GB" noProof="0"/>
           </a:p>
@@ -9664,7 +9695,7 @@
           <a:p>
             <a:r>
               <a:rPr lang="en-GB" dirty="0"/>
-              <a:t>SQLite is a database engine library that can be embedded in apps.</a:t>
+              <a:t>The Men’s Shed project </a:t>
             </a:r>
           </a:p>
           <a:p>
@@ -9673,29 +9704,344 @@
           <a:p>
             <a:r>
               <a:rPr lang="en-GB" dirty="0"/>
-              <a:t>Flask is a micro web framework written in Python. It is classified as a microframework because it does not require particular tools or libraries.</a:t>
+              <a:t>The aim of the project was to build a base application that could be picked up and enhanced by future university groups.</a:t>
             </a:r>
           </a:p>
           <a:p>
             <a:endParaRPr lang="en-GB" dirty="0"/>
           </a:p>
           <a:p>
-            <a:r>
-              <a:rPr lang="en-GB" dirty="0" err="1"/>
-              <a:t>Bcrypt</a:t>
-            </a:r>
             <a:r>
               <a:rPr lang="en-GB" dirty="0"/>
-              <a:t> hashing is used to encrypt users passwords within the database to ensure each users password is secure</a:t>
+              <a:t>The reasons why this was decided:</a:t>
             </a:r>
           </a:p>
           <a:p>
-            <a:endParaRPr lang="en-GB" dirty="0"/>
-          </a:p>
-          <a:p>
+            <a:pPr marL="228600" indent="-228600">
+              <a:buFont typeface="+mj-lt"/>
+              <a:buAutoNum type="arabicPeriod"/>
+            </a:pPr>
             <a:r>
               <a:rPr lang="en-GB" dirty="0"/>
-              <a:t>The SQLite command line can be used to make changes to the SQLite database via the command line e.g. querying the database or giving a user admin access</a:t>
+              <a:t>The application in its entirety was too big for a single trimester with competing learning.</a:t>
+            </a:r>
+          </a:p>
+          <a:p>
+            <a:pPr marL="228600" indent="-228600">
+              <a:buFont typeface="+mj-lt"/>
+              <a:buAutoNum type="arabicPeriod"/>
+            </a:pPr>
+            <a:r>
+              <a:rPr lang="en-GB" dirty="0"/>
+              <a:t>Some of the elements in the big picture such as:</a:t>
+            </a:r>
+          </a:p>
+          <a:p>
+            <a:pPr marL="457200" lvl="1" indent="0" algn="just">
+              <a:lnSpc>
+                <a:spcPct val="107000"/>
+              </a:lnSpc>
+              <a:buFont typeface="Symbol" panose="05050102010706020507" pitchFamily="18" charset="2"/>
+              <a:buNone/>
+            </a:pPr>
+            <a:r>
+              <a:rPr lang="en-GB" sz="1800" dirty="0">
+                <a:effectLst/>
+                <a:latin typeface="Arial" panose="020B0604020202020204" pitchFamily="34" charset="0"/>
+                <a:ea typeface="Calibri" panose="020F0502020204030204" pitchFamily="34" charset="0"/>
+                <a:cs typeface="Arial" panose="020B0604020202020204" pitchFamily="34" charset="0"/>
+              </a:rPr>
+              <a:t>The app should provide borrowing/reserving features. This shows when something is in use and when it will be available again. This requires the following database and app features:</a:t>
+            </a:r>
+            <a:endParaRPr lang="en-GB" sz="1800" dirty="0">
+              <a:effectLst/>
+              <a:latin typeface="Arial" panose="020B0604020202020204" pitchFamily="34" charset="0"/>
+              <a:ea typeface="Calibri" panose="020F0502020204030204" pitchFamily="34" charset="0"/>
+              <a:cs typeface="Times New Roman" panose="02020603050405020304" pitchFamily="18" charset="0"/>
+            </a:endParaRPr>
+          </a:p>
+          <a:p>
+            <a:pPr marL="457200" lvl="1" indent="0" algn="just">
+              <a:lnSpc>
+                <a:spcPct val="107000"/>
+              </a:lnSpc>
+              <a:buFont typeface="Symbol" panose="05050102010706020507" pitchFamily="18" charset="2"/>
+              <a:buNone/>
+            </a:pPr>
+            <a:r>
+              <a:rPr lang="en-GB" sz="1800" dirty="0">
+                <a:solidFill>
+                  <a:srgbClr val="C00000"/>
+                </a:solidFill>
+                <a:effectLst/>
+                <a:latin typeface="Arial" panose="020B0604020202020204" pitchFamily="34" charset="0"/>
+                <a:ea typeface="Calibri" panose="020F0502020204030204" pitchFamily="34" charset="0"/>
+                <a:cs typeface="Arial" panose="020B0604020202020204" pitchFamily="34" charset="0"/>
+              </a:rPr>
+              <a:t>Data administrator portal</a:t>
+            </a:r>
+            <a:endParaRPr lang="en-GB" sz="1800" dirty="0">
+              <a:solidFill>
+                <a:srgbClr val="C00000"/>
+              </a:solidFill>
+              <a:effectLst/>
+              <a:latin typeface="Arial" panose="020B0604020202020204" pitchFamily="34" charset="0"/>
+              <a:ea typeface="Calibri" panose="020F0502020204030204" pitchFamily="34" charset="0"/>
+              <a:cs typeface="Times New Roman" panose="02020603050405020304" pitchFamily="18" charset="0"/>
+            </a:endParaRPr>
+          </a:p>
+          <a:p>
+            <a:pPr marL="457200" lvl="1" indent="0" algn="just">
+              <a:lnSpc>
+                <a:spcPct val="107000"/>
+              </a:lnSpc>
+              <a:buFont typeface="Symbol" panose="05050102010706020507" pitchFamily="18" charset="2"/>
+              <a:buNone/>
+            </a:pPr>
+            <a:r>
+              <a:rPr lang="en-GB" sz="1800" dirty="0">
+                <a:effectLst/>
+                <a:latin typeface="Arial" panose="020B0604020202020204" pitchFamily="34" charset="0"/>
+                <a:ea typeface="Calibri" panose="020F0502020204030204" pitchFamily="34" charset="0"/>
+                <a:cs typeface="Arial" panose="020B0604020202020204" pitchFamily="34" charset="0"/>
+              </a:rPr>
+              <a:t>Add/update/retire resources.</a:t>
+            </a:r>
+            <a:endParaRPr lang="en-GB" sz="1800" dirty="0">
+              <a:effectLst/>
+              <a:latin typeface="Arial" panose="020B0604020202020204" pitchFamily="34" charset="0"/>
+              <a:ea typeface="Calibri" panose="020F0502020204030204" pitchFamily="34" charset="0"/>
+              <a:cs typeface="Times New Roman" panose="02020603050405020304" pitchFamily="18" charset="0"/>
+            </a:endParaRPr>
+          </a:p>
+          <a:p>
+            <a:pPr marL="457200" lvl="1" indent="0" algn="just">
+              <a:lnSpc>
+                <a:spcPct val="107000"/>
+              </a:lnSpc>
+              <a:buFont typeface="Symbol" panose="05050102010706020507" pitchFamily="18" charset="2"/>
+              <a:buNone/>
+            </a:pPr>
+            <a:r>
+              <a:rPr lang="en-GB" sz="1800" dirty="0">
+                <a:effectLst/>
+                <a:latin typeface="Arial" panose="020B0604020202020204" pitchFamily="34" charset="0"/>
+                <a:ea typeface="Calibri" panose="020F0502020204030204" pitchFamily="34" charset="0"/>
+                <a:cs typeface="Arial" panose="020B0604020202020204" pitchFamily="34" charset="0"/>
+              </a:rPr>
+              <a:t>User Registration </a:t>
+            </a:r>
+          </a:p>
+          <a:p>
+            <a:pPr marL="457200" lvl="1" indent="0" algn="just">
+              <a:lnSpc>
+                <a:spcPct val="107000"/>
+              </a:lnSpc>
+              <a:buFont typeface="Symbol" panose="05050102010706020507" pitchFamily="18" charset="2"/>
+              <a:buNone/>
+            </a:pPr>
+            <a:r>
+              <a:rPr lang="en-GB" sz="1800" dirty="0">
+                <a:effectLst/>
+                <a:latin typeface="Arial" panose="020B0604020202020204" pitchFamily="34" charset="0"/>
+                <a:ea typeface="Calibri" panose="020F0502020204030204" pitchFamily="34" charset="0"/>
+                <a:cs typeface="Arial" panose="020B0604020202020204" pitchFamily="34" charset="0"/>
+              </a:rPr>
+              <a:t>Resource calendar</a:t>
+            </a:r>
+            <a:endParaRPr lang="en-GB" sz="1800" dirty="0">
+              <a:effectLst/>
+              <a:latin typeface="Arial" panose="020B0604020202020204" pitchFamily="34" charset="0"/>
+              <a:ea typeface="Calibri" panose="020F0502020204030204" pitchFamily="34" charset="0"/>
+              <a:cs typeface="Times New Roman" panose="02020603050405020304" pitchFamily="18" charset="0"/>
+            </a:endParaRPr>
+          </a:p>
+          <a:p>
+            <a:pPr marL="457200" lvl="1" indent="0" algn="just">
+              <a:lnSpc>
+                <a:spcPct val="107000"/>
+              </a:lnSpc>
+              <a:buFont typeface="Symbol" panose="05050102010706020507" pitchFamily="18" charset="2"/>
+              <a:buNone/>
+            </a:pPr>
+            <a:r>
+              <a:rPr lang="en-GB" sz="1800" dirty="0">
+                <a:effectLst/>
+                <a:latin typeface="Arial" panose="020B0604020202020204" pitchFamily="34" charset="0"/>
+                <a:ea typeface="Calibri" panose="020F0502020204030204" pitchFamily="34" charset="0"/>
+                <a:cs typeface="Arial" panose="020B0604020202020204" pitchFamily="34" charset="0"/>
+              </a:rPr>
+              <a:t>Resource status (e.g., Physical Library items still to be audited with pictures, ISBN digits). Mobile Power Tools tested and audited.</a:t>
+            </a:r>
+            <a:endParaRPr lang="en-GB" sz="1800" dirty="0">
+              <a:effectLst/>
+              <a:latin typeface="Arial" panose="020B0604020202020204" pitchFamily="34" charset="0"/>
+              <a:ea typeface="Calibri" panose="020F0502020204030204" pitchFamily="34" charset="0"/>
+              <a:cs typeface="Times New Roman" panose="02020603050405020304" pitchFamily="18" charset="0"/>
+            </a:endParaRPr>
+          </a:p>
+          <a:p>
+            <a:pPr marL="457200" lvl="1" indent="0" algn="just">
+              <a:lnSpc>
+                <a:spcPct val="107000"/>
+              </a:lnSpc>
+              <a:buFont typeface="Symbol" panose="05050102010706020507" pitchFamily="18" charset="2"/>
+              <a:buNone/>
+            </a:pPr>
+            <a:r>
+              <a:rPr lang="en-GB" sz="1800" dirty="0">
+                <a:effectLst/>
+                <a:latin typeface="Arial" panose="020B0604020202020204" pitchFamily="34" charset="0"/>
+                <a:ea typeface="Calibri" panose="020F0502020204030204" pitchFamily="34" charset="0"/>
+                <a:cs typeface="Arial" panose="020B0604020202020204" pitchFamily="34" charset="0"/>
+              </a:rPr>
+              <a:t>The software should be adaptable.</a:t>
+            </a:r>
+            <a:endParaRPr lang="en-GB" sz="1800" dirty="0">
+              <a:effectLst/>
+              <a:latin typeface="Arial" panose="020B0604020202020204" pitchFamily="34" charset="0"/>
+              <a:ea typeface="Calibri" panose="020F0502020204030204" pitchFamily="34" charset="0"/>
+              <a:cs typeface="Times New Roman" panose="02020603050405020304" pitchFamily="18" charset="0"/>
+            </a:endParaRPr>
+          </a:p>
+          <a:p>
+            <a:pPr marL="457200" lvl="1" indent="0" algn="just">
+              <a:lnSpc>
+                <a:spcPct val="107000"/>
+              </a:lnSpc>
+              <a:buFont typeface="Symbol" panose="05050102010706020507" pitchFamily="18" charset="2"/>
+              <a:buNone/>
+            </a:pPr>
+            <a:r>
+              <a:rPr lang="en-GB" sz="1800" dirty="0">
+                <a:effectLst/>
+                <a:latin typeface="Arial" panose="020B0604020202020204" pitchFamily="34" charset="0"/>
+                <a:ea typeface="Calibri" panose="020F0502020204030204" pitchFamily="34" charset="0"/>
+                <a:cs typeface="Arial" panose="020B0604020202020204" pitchFamily="34" charset="0"/>
+              </a:rPr>
+              <a:t>The Shed workshop should be bookable for 15 minutes. The Shed and activity determine the maximum time. Deliverables</a:t>
+            </a:r>
+            <a:endParaRPr lang="en-GB" sz="1800" dirty="0">
+              <a:effectLst/>
+              <a:latin typeface="Arial" panose="020B0604020202020204" pitchFamily="34" charset="0"/>
+              <a:ea typeface="Calibri" panose="020F0502020204030204" pitchFamily="34" charset="0"/>
+              <a:cs typeface="Times New Roman" panose="02020603050405020304" pitchFamily="18" charset="0"/>
+            </a:endParaRPr>
+          </a:p>
+          <a:p>
+            <a:pPr marL="457200" lvl="1" indent="0" algn="just">
+              <a:lnSpc>
+                <a:spcPct val="107000"/>
+              </a:lnSpc>
+              <a:buFont typeface="Symbol" panose="05050102010706020507" pitchFamily="18" charset="2"/>
+              <a:buNone/>
+            </a:pPr>
+            <a:r>
+              <a:rPr lang="en-GB" sz="1800" dirty="0">
+                <a:effectLst/>
+                <a:latin typeface="Arial" panose="020B0604020202020204" pitchFamily="34" charset="0"/>
+                <a:ea typeface="Calibri" panose="020F0502020204030204" pitchFamily="34" charset="0"/>
+                <a:cs typeface="Arial" panose="020B0604020202020204" pitchFamily="34" charset="0"/>
+              </a:rPr>
+              <a:t>Design and implementation of the system back-end (including the database)</a:t>
+            </a:r>
+            <a:endParaRPr lang="en-GB" sz="1800" dirty="0">
+              <a:effectLst/>
+              <a:latin typeface="Arial" panose="020B0604020202020204" pitchFamily="34" charset="0"/>
+              <a:ea typeface="Calibri" panose="020F0502020204030204" pitchFamily="34" charset="0"/>
+              <a:cs typeface="Times New Roman" panose="02020603050405020304" pitchFamily="18" charset="0"/>
+            </a:endParaRPr>
+          </a:p>
+          <a:p>
+            <a:pPr marL="457200" lvl="1" indent="0" algn="just">
+              <a:lnSpc>
+                <a:spcPct val="107000"/>
+              </a:lnSpc>
+              <a:buFont typeface="Symbol" panose="05050102010706020507" pitchFamily="18" charset="2"/>
+              <a:buNone/>
+            </a:pPr>
+            <a:r>
+              <a:rPr lang="en-GB" sz="1800" dirty="0">
+                <a:effectLst/>
+                <a:latin typeface="Arial" panose="020B0604020202020204" pitchFamily="34" charset="0"/>
+                <a:ea typeface="Calibri" panose="020F0502020204030204" pitchFamily="34" charset="0"/>
+                <a:cs typeface="Arial" panose="020B0604020202020204" pitchFamily="34" charset="0"/>
+              </a:rPr>
+              <a:t>Design and implementation of the app, which should run at least on Android and desktop devices.</a:t>
+            </a:r>
+            <a:endParaRPr lang="en-GB" sz="1800" dirty="0">
+              <a:effectLst/>
+              <a:latin typeface="Arial" panose="020B0604020202020204" pitchFamily="34" charset="0"/>
+              <a:ea typeface="Calibri" panose="020F0502020204030204" pitchFamily="34" charset="0"/>
+              <a:cs typeface="Times New Roman" panose="02020603050405020304" pitchFamily="18" charset="0"/>
+            </a:endParaRPr>
+          </a:p>
+          <a:p>
+            <a:pPr marL="457200" lvl="1" indent="0" algn="just">
+              <a:lnSpc>
+                <a:spcPct val="107000"/>
+              </a:lnSpc>
+              <a:buFont typeface="Symbol" panose="05050102010706020507" pitchFamily="18" charset="2"/>
+              <a:buNone/>
+            </a:pPr>
+            <a:r>
+              <a:rPr lang="en-GB" sz="1800" dirty="0">
+                <a:effectLst/>
+                <a:latin typeface="Arial" panose="020B0604020202020204" pitchFamily="34" charset="0"/>
+                <a:ea typeface="Calibri" panose="020F0502020204030204" pitchFamily="34" charset="0"/>
+                <a:cs typeface="Arial" panose="020B0604020202020204" pitchFamily="34" charset="0"/>
+              </a:rPr>
+              <a:t>Source code</a:t>
+            </a:r>
+            <a:endParaRPr lang="en-GB" sz="1800" dirty="0">
+              <a:effectLst/>
+              <a:latin typeface="Arial" panose="020B0604020202020204" pitchFamily="34" charset="0"/>
+              <a:ea typeface="Calibri" panose="020F0502020204030204" pitchFamily="34" charset="0"/>
+              <a:cs typeface="Times New Roman" panose="02020603050405020304" pitchFamily="18" charset="0"/>
+            </a:endParaRPr>
+          </a:p>
+          <a:p>
+            <a:pPr marL="457200" lvl="1" indent="0" algn="just">
+              <a:lnSpc>
+                <a:spcPct val="107000"/>
+              </a:lnSpc>
+              <a:spcAft>
+                <a:spcPts val="800"/>
+              </a:spcAft>
+              <a:buFont typeface="Symbol" panose="05050102010706020507" pitchFamily="18" charset="2"/>
+              <a:buNone/>
+            </a:pPr>
+            <a:r>
+              <a:rPr lang="en-GB" sz="1800" dirty="0">
+                <a:effectLst/>
+                <a:latin typeface="Arial" panose="020B0604020202020204" pitchFamily="34" charset="0"/>
+                <a:ea typeface="Calibri" panose="020F0502020204030204" pitchFamily="34" charset="0"/>
+                <a:cs typeface="Arial" panose="020B0604020202020204" pitchFamily="34" charset="0"/>
+              </a:rPr>
+              <a:t>Documentation as appropriate</a:t>
+            </a:r>
+            <a:endParaRPr lang="en-GB" sz="1800" dirty="0">
+              <a:effectLst/>
+              <a:latin typeface="Arial" panose="020B0604020202020204" pitchFamily="34" charset="0"/>
+              <a:ea typeface="Calibri" panose="020F0502020204030204" pitchFamily="34" charset="0"/>
+              <a:cs typeface="Times New Roman" panose="02020603050405020304" pitchFamily="18" charset="0"/>
+            </a:endParaRPr>
+          </a:p>
+          <a:p>
+            <a:pPr marL="685800" lvl="1" indent="-228600">
+              <a:buFont typeface="+mj-lt"/>
+              <a:buAutoNum type="arabicPeriod"/>
+            </a:pPr>
+            <a:endParaRPr lang="en-GB" dirty="0"/>
+          </a:p>
+          <a:p>
+            <a:pPr marL="0" indent="0">
+              <a:buFont typeface="+mj-lt"/>
+              <a:buNone/>
+            </a:pPr>
+            <a:r>
+              <a:rPr lang="en-GB" dirty="0"/>
+              <a:t>With the integration of all these elements, it was felt that we would be setting ourselves up to fail badly.</a:t>
             </a:r>
           </a:p>
         </p:txBody>
@@ -9718,7 +10064,7 @@
             <a:pPr rtl="0"/>
             <a:fld id="{EE000EEB-8338-48D7-8EE8-EE0082EF7602}" type="slidenum">
               <a:rPr lang="en-GB" noProof="0" smtClean="0"/>
-              <a:t>4</a:t>
+              <a:t>3</a:t>
             </a:fld>
             <a:endParaRPr lang="en-GB" noProof="0"/>
           </a:p>
@@ -9727,7 +10073,7 @@
     </p:spTree>
     <p:extLst>
       <p:ext uri="{BB962C8B-B14F-4D97-AF65-F5344CB8AC3E}">
-        <p14:creationId xmlns:p14="http://schemas.microsoft.com/office/powerpoint/2010/main" val="1307625688"/>
+        <p14:creationId xmlns:p14="http://schemas.microsoft.com/office/powerpoint/2010/main" val="3571956471"/>
       </p:ext>
     </p:extLst>
   </p:cSld>
@@ -9781,7 +10127,41 @@
           <a:bodyPr/>
           <a:lstStyle/>
           <a:p>
+            <a:r>
+              <a:rPr lang="en-GB" dirty="0"/>
+              <a:t>SQLite is a database engine library that can be embedded in apps.</a:t>
+            </a:r>
+          </a:p>
+          <a:p>
             <a:endParaRPr lang="en-GB" dirty="0"/>
+          </a:p>
+          <a:p>
+            <a:r>
+              <a:rPr lang="en-GB" dirty="0"/>
+              <a:t>Flask is a micro web framework written in Python. It is classified as a microframework because it does not require particular tools or libraries.</a:t>
+            </a:r>
+          </a:p>
+          <a:p>
+            <a:endParaRPr lang="en-GB" dirty="0"/>
+          </a:p>
+          <a:p>
+            <a:r>
+              <a:rPr lang="en-GB" dirty="0" err="1"/>
+              <a:t>Bcrypt</a:t>
+            </a:r>
+            <a:r>
+              <a:rPr lang="en-GB" dirty="0"/>
+              <a:t> hashing is used to encrypt users passwords within the database to ensure each users password is secure</a:t>
+            </a:r>
+          </a:p>
+          <a:p>
+            <a:endParaRPr lang="en-GB" dirty="0"/>
+          </a:p>
+          <a:p>
+            <a:r>
+              <a:rPr lang="en-GB" dirty="0"/>
+              <a:t>The SQLite command line can be used to make changes to the SQLite database via the command line e.g. querying the database or giving a user admin access</a:t>
+            </a:r>
           </a:p>
         </p:txBody>
       </p:sp>
@@ -9803,7 +10183,7 @@
             <a:pPr rtl="0"/>
             <a:fld id="{EE000EEB-8338-48D7-8EE8-EE0082EF7602}" type="slidenum">
               <a:rPr lang="en-GB" noProof="0" smtClean="0"/>
-              <a:t>6</a:t>
+              <a:t>4</a:t>
             </a:fld>
             <a:endParaRPr lang="en-GB" noProof="0"/>
           </a:p>
@@ -9812,7 +10192,7 @@
     </p:spTree>
     <p:extLst>
       <p:ext uri="{BB962C8B-B14F-4D97-AF65-F5344CB8AC3E}">
-        <p14:creationId xmlns:p14="http://schemas.microsoft.com/office/powerpoint/2010/main" val="3924257567"/>
+        <p14:creationId xmlns:p14="http://schemas.microsoft.com/office/powerpoint/2010/main" val="1307625688"/>
       </p:ext>
     </p:extLst>
   </p:cSld>
@@ -9866,19 +10246,7 @@
           <a:bodyPr/>
           <a:lstStyle/>
           <a:p>
-            <a:r>
-              <a:rPr lang="en-GB" dirty="0"/>
-              <a:t>The booking function using item ID is only temporary and can be changed later in development.</a:t>
-            </a:r>
-          </a:p>
-          <a:p>
             <a:endParaRPr lang="en-GB" dirty="0"/>
-          </a:p>
-          <a:p>
-            <a:r>
-              <a:rPr lang="en-GB" dirty="0"/>
-              <a:t>The tool search function can either remove the column for the images or find a way to display the images from the links later in development.</a:t>
-            </a:r>
           </a:p>
         </p:txBody>
       </p:sp>
@@ -9900,7 +10268,7 @@
             <a:pPr rtl="0"/>
             <a:fld id="{EE000EEB-8338-48D7-8EE8-EE0082EF7602}" type="slidenum">
               <a:rPr lang="en-GB" noProof="0" smtClean="0"/>
-              <a:t>7</a:t>
+              <a:t>6</a:t>
             </a:fld>
             <a:endParaRPr lang="en-GB" noProof="0"/>
           </a:p>
@@ -9909,7 +10277,7 @@
     </p:spTree>
     <p:extLst>
       <p:ext uri="{BB962C8B-B14F-4D97-AF65-F5344CB8AC3E}">
-        <p14:creationId xmlns:p14="http://schemas.microsoft.com/office/powerpoint/2010/main" val="3516834243"/>
+        <p14:creationId xmlns:p14="http://schemas.microsoft.com/office/powerpoint/2010/main" val="3924257567"/>
       </p:ext>
     </p:extLst>
   </p:cSld>
@@ -9960,6 +10328,103 @@
         </p:nvSpPr>
         <p:spPr/>
         <p:txBody>
+          <a:bodyPr/>
+          <a:lstStyle/>
+          <a:p>
+            <a:r>
+              <a:rPr lang="en-GB" dirty="0"/>
+              <a:t>The booking function using item ID is only temporary and can be changed later in development.</a:t>
+            </a:r>
+          </a:p>
+          <a:p>
+            <a:endParaRPr lang="en-GB" dirty="0"/>
+          </a:p>
+          <a:p>
+            <a:r>
+              <a:rPr lang="en-GB" dirty="0"/>
+              <a:t>The tool search function can either remove the column for the images or find a way to display the images from the links later in development.</a:t>
+            </a:r>
+          </a:p>
+        </p:txBody>
+      </p:sp>
+      <p:sp>
+        <p:nvSpPr>
+          <p:cNvPr id="4" name="Slide Number Placeholder 3"/>
+          <p:cNvSpPr>
+            <a:spLocks noGrp="1"/>
+          </p:cNvSpPr>
+          <p:nvPr>
+            <p:ph type="sldNum" sz="quarter" idx="5"/>
+          </p:nvPr>
+        </p:nvSpPr>
+        <p:spPr/>
+        <p:txBody>
+          <a:bodyPr/>
+          <a:lstStyle/>
+          <a:p>
+            <a:pPr rtl="0"/>
+            <a:fld id="{EE000EEB-8338-48D7-8EE8-EE0082EF7602}" type="slidenum">
+              <a:rPr lang="en-GB" noProof="0" smtClean="0"/>
+              <a:t>7</a:t>
+            </a:fld>
+            <a:endParaRPr lang="en-GB" noProof="0"/>
+          </a:p>
+        </p:txBody>
+      </p:sp>
+    </p:spTree>
+    <p:extLst>
+      <p:ext uri="{BB962C8B-B14F-4D97-AF65-F5344CB8AC3E}">
+        <p14:creationId xmlns:p14="http://schemas.microsoft.com/office/powerpoint/2010/main" val="3516834243"/>
+      </p:ext>
+    </p:extLst>
+  </p:cSld>
+  <p:clrMapOvr>
+    <a:masterClrMapping/>
+  </p:clrMapOvr>
+</p:notes>
+</file>
+
+<file path=ppt/notesSlides/notesSlide7.xml><?xml version="1.0" encoding="utf-8"?>
+<p:notes xmlns:a="http://schemas.openxmlformats.org/drawingml/2006/main" xmlns:r="http://schemas.openxmlformats.org/officeDocument/2006/relationships" xmlns:p="http://schemas.openxmlformats.org/presentationml/2006/main">
+  <p:cSld>
+    <p:spTree>
+      <p:nvGrpSpPr>
+        <p:cNvPr id="1" name=""/>
+        <p:cNvGrpSpPr/>
+        <p:nvPr/>
+      </p:nvGrpSpPr>
+      <p:grpSpPr>
+        <a:xfrm>
+          <a:off x="0" y="0"/>
+          <a:ext cx="0" cy="0"/>
+          <a:chOff x="0" y="0"/>
+          <a:chExt cx="0" cy="0"/>
+        </a:xfrm>
+      </p:grpSpPr>
+      <p:sp>
+        <p:nvSpPr>
+          <p:cNvPr id="2" name="Slide Image Placeholder 1"/>
+          <p:cNvSpPr>
+            <a:spLocks noGrp="1" noRot="1" noChangeAspect="1"/>
+          </p:cNvSpPr>
+          <p:nvPr>
+            <p:ph type="sldImg"/>
+          </p:nvPr>
+        </p:nvSpPr>
+        <p:spPr/>
+      </p:sp>
+      <p:sp>
+        <p:nvSpPr>
+          <p:cNvPr id="3" name="Notes Placeholder 2"/>
+          <p:cNvSpPr>
+            <a:spLocks noGrp="1"/>
+          </p:cNvSpPr>
+          <p:nvPr>
+            <p:ph type="body" idx="1"/>
+          </p:nvPr>
+        </p:nvSpPr>
+        <p:spPr/>
+        <p:txBody>
           <a:bodyPr rtlCol="0"/>
           <a:lstStyle/>
           <a:p>
@@ -10005,7 +10470,7 @@
 </p:notes>
 </file>
 
-<file path=ppt/notesSlides/notesSlide7.xml><?xml version="1.0" encoding="utf-8"?>
+<file path=ppt/notesSlides/notesSlide8.xml><?xml version="1.0" encoding="utf-8"?>
 <p:notes xmlns:a="http://schemas.openxmlformats.org/drawingml/2006/main" xmlns:r="http://schemas.openxmlformats.org/officeDocument/2006/relationships" xmlns:p="http://schemas.openxmlformats.org/presentationml/2006/main">
   <p:cSld>
     <p:spTree>
@@ -10275,7 +10740,7 @@
             <a:pPr rtl="0"/>
             <a:fld id="{6829274C-2AF6-43C6-BE37-6B723526AB66}" type="datetime1">
               <a:rPr lang="en-GB" noProof="0" smtClean="0"/>
-              <a:t>03/05/2023</a:t>
+              <a:t>05/05/2023</a:t>
             </a:fld>
             <a:endParaRPr lang="en-GB" noProof="0"/>
           </a:p>
@@ -10548,7 +11013,7 @@
             <a:pPr rtl="0"/>
             <a:fld id="{AC3B16FD-AF9A-4B37-B857-ABF0C7FEB2C0}" type="datetime1">
               <a:rPr lang="en-GB" noProof="0" smtClean="0"/>
-              <a:t>03/05/2023</a:t>
+              <a:t>05/05/2023</a:t>
             </a:fld>
             <a:endParaRPr lang="en-GB" noProof="0"/>
           </a:p>
@@ -10740,7 +11205,7 @@
             <a:pPr rtl="0"/>
             <a:fld id="{E8D02A09-1629-4FE8-9008-2360C6AF6524}" type="datetime1">
               <a:rPr lang="en-GB" noProof="0" smtClean="0"/>
-              <a:t>03/05/2023</a:t>
+              <a:t>05/05/2023</a:t>
             </a:fld>
             <a:endParaRPr lang="en-GB" noProof="0"/>
           </a:p>
@@ -11006,7 +11471,7 @@
             <a:pPr rtl="0"/>
             <a:fld id="{ACBF031D-5EAA-4834-BC4C-6B8D41D2A31A}" type="datetime1">
               <a:rPr lang="en-GB" noProof="0" smtClean="0"/>
-              <a:t>03/05/2023</a:t>
+              <a:t>05/05/2023</a:t>
             </a:fld>
             <a:endParaRPr lang="en-GB" noProof="0"/>
           </a:p>
@@ -11336,7 +11801,7 @@
             <a:pPr rtl="0"/>
             <a:fld id="{0C153F27-CCB5-42A9-917D-A5C19EF4A37A}" type="datetime1">
               <a:rPr lang="en-GB" noProof="0" smtClean="0"/>
-              <a:t>03/05/2023</a:t>
+              <a:t>05/05/2023</a:t>
             </a:fld>
             <a:endParaRPr lang="en-GB" noProof="0"/>
           </a:p>
@@ -11944,7 +12409,7 @@
             <a:pPr rtl="0"/>
             <a:fld id="{C22FEF4C-3D16-4233-ACC2-6B3BE0338E94}" type="datetime1">
               <a:rPr lang="en-GB" noProof="0" smtClean="0"/>
-              <a:t>03/05/2023</a:t>
+              <a:t>05/05/2023</a:t>
             </a:fld>
             <a:endParaRPr lang="en-GB" noProof="0"/>
           </a:p>
@@ -12789,7 +13254,7 @@
             <a:pPr rtl="0"/>
             <a:fld id="{236F4546-A12E-4834-AE1D-19A2BD9FE491}" type="datetime1">
               <a:rPr lang="en-GB" noProof="0" smtClean="0"/>
-              <a:t>03/05/2023</a:t>
+              <a:t>05/05/2023</a:t>
             </a:fld>
             <a:endParaRPr lang="en-GB" noProof="0"/>
           </a:p>
@@ -12956,7 +13421,7 @@
             <a:pPr rtl="0"/>
             <a:fld id="{FBFC8BA5-C8F4-44E9-81D3-9993FAFC2548}" type="datetime1">
               <a:rPr lang="en-GB" noProof="0" smtClean="0"/>
-              <a:t>03/05/2023</a:t>
+              <a:t>05/05/2023</a:t>
             </a:fld>
             <a:endParaRPr lang="en-GB" noProof="0"/>
           </a:p>
@@ -13133,7 +13598,7 @@
             <a:pPr rtl="0"/>
             <a:fld id="{A164976D-C0DD-4100-93A1-CFA745D94DB1}" type="datetime1">
               <a:rPr lang="en-GB" noProof="0" smtClean="0"/>
-              <a:t>03/05/2023</a:t>
+              <a:t>05/05/2023</a:t>
             </a:fld>
             <a:endParaRPr lang="en-GB" noProof="0"/>
           </a:p>
@@ -13300,7 +13765,7 @@
             <a:pPr rtl="0"/>
             <a:fld id="{2288F526-2C2E-4DB7-8655-C1E08D2E237C}" type="datetime1">
               <a:rPr lang="en-GB" noProof="0" smtClean="0"/>
-              <a:t>03/05/2023</a:t>
+              <a:t>05/05/2023</a:t>
             </a:fld>
             <a:endParaRPr lang="en-GB" noProof="0"/>
           </a:p>
@@ -13542,7 +14007,7 @@
             <a:pPr rtl="0"/>
             <a:fld id="{2FF95D3A-6098-4E79-BE61-296F9A23A1CB}" type="datetime1">
               <a:rPr lang="en-GB" noProof="0" smtClean="0"/>
-              <a:t>03/05/2023</a:t>
+              <a:t>05/05/2023</a:t>
             </a:fld>
             <a:endParaRPr lang="en-GB" noProof="0"/>
           </a:p>
@@ -13830,7 +14295,7 @@
             <a:pPr rtl="0"/>
             <a:fld id="{03CF9A9B-64FA-486B-B1C4-20B3C2842FAF}" type="datetime1">
               <a:rPr lang="en-GB" noProof="0" smtClean="0"/>
-              <a:t>03/05/2023</a:t>
+              <a:t>05/05/2023</a:t>
             </a:fld>
             <a:endParaRPr lang="en-GB" noProof="0"/>
           </a:p>
@@ -14264,7 +14729,7 @@
             <a:pPr rtl="0"/>
             <a:fld id="{8B9A1C3B-3411-4F1E-9257-FBE0BF08E35E}" type="datetime1">
               <a:rPr lang="en-GB" noProof="0" smtClean="0"/>
-              <a:t>03/05/2023</a:t>
+              <a:t>05/05/2023</a:t>
             </a:fld>
             <a:endParaRPr lang="en-GB" noProof="0"/>
           </a:p>
@@ -14380,7 +14845,7 @@
             <a:pPr rtl="0"/>
             <a:fld id="{6E7AE7EA-47F8-43A2-A0A9-1464253F1FF5}" type="datetime1">
               <a:rPr lang="en-GB" noProof="0" smtClean="0"/>
-              <a:t>03/05/2023</a:t>
+              <a:t>05/05/2023</a:t>
             </a:fld>
             <a:endParaRPr lang="en-GB" noProof="0"/>
           </a:p>
@@ -14473,7 +14938,7 @@
             <a:pPr rtl="0"/>
             <a:fld id="{8F3FAFEF-9964-4E62-A619-7F95A52237F8}" type="datetime1">
               <a:rPr lang="en-GB" noProof="0" smtClean="0"/>
-              <a:t>03/05/2023</a:t>
+              <a:t>05/05/2023</a:t>
             </a:fld>
             <a:endParaRPr lang="en-GB" noProof="0"/>
           </a:p>
@@ -14749,7 +15214,7 @@
             <a:pPr rtl="0"/>
             <a:fld id="{2583AF05-3F56-48E3-A521-2AA72E075177}" type="datetime1">
               <a:rPr lang="en-GB" noProof="0" smtClean="0"/>
-              <a:t>03/05/2023</a:t>
+              <a:t>05/05/2023</a:t>
             </a:fld>
             <a:endParaRPr lang="en-GB" noProof="0"/>
           </a:p>
@@ -15022,7 +15487,7 @@
             <a:pPr rtl="0"/>
             <a:fld id="{DC9ABC9C-6733-4B3C-8D3C-F33F0A5CEBCB}" type="datetime1">
               <a:rPr lang="en-GB" noProof="0" smtClean="0"/>
-              <a:t>03/05/2023</a:t>
+              <a:t>05/05/2023</a:t>
             </a:fld>
             <a:endParaRPr lang="en-GB" noProof="0"/>
           </a:p>
@@ -15448,7 +15913,7 @@
             <a:pPr rtl="0"/>
             <a:fld id="{05BD160B-B06D-4D6D-8099-7D9F4028ABFA}" type="datetime1">
               <a:rPr lang="en-GB" noProof="0" smtClean="0"/>
-              <a:t>03/05/2023</a:t>
+              <a:t>05/05/2023</a:t>
             </a:fld>
             <a:endParaRPr lang="en-GB" noProof="0"/>
           </a:p>
@@ -16076,7 +16541,7 @@
             <a:pPr rtl="0"/>
             <a:r>
               <a:rPr lang="en-GB" dirty="0"/>
-              <a:t>Napier University Group Project Trimester two 2023</a:t>
+              <a:t>Napier University Group Project Trimester two 2023 Group 13</a:t>
             </a:r>
           </a:p>
         </p:txBody>
@@ -16439,7 +16904,7 @@
         </p:spPr>
         <p:txBody>
           <a:bodyPr>
-            <a:normAutofit fontScale="92500" lnSpcReduction="10000"/>
+            <a:normAutofit fontScale="92500" lnSpcReduction="20000"/>
           </a:bodyPr>
           <a:lstStyle/>
           <a:p>
@@ -16449,17 +16914,7 @@
             </a:pPr>
             <a:r>
               <a:rPr lang="en-GB" sz="2800" dirty="0"/>
-              <a:t>Develop a piece of work for a live project proposed by a real client.  </a:t>
-            </a:r>
-          </a:p>
-          <a:p>
-            <a:pPr>
-              <a:buFont typeface="+mj-lt"/>
-              <a:buAutoNum type="arabicPeriod"/>
-            </a:pPr>
-            <a:r>
-              <a:rPr lang="en-GB" sz="2800" dirty="0"/>
-              <a:t>The client is Dunfermline Men’s Shed.</a:t>
+              <a:t>Develop a piece of work for a live project proposed by a real client.  Dunfermline Men’s Shed.</a:t>
             </a:r>
           </a:p>
           <a:p>
@@ -16482,7 +16937,7 @@
             </a:pPr>
             <a:r>
               <a:rPr lang="en-GB" sz="2800" dirty="0"/>
-              <a:t>Core application with:</a:t>
+              <a:t>Build a core application with:</a:t>
             </a:r>
           </a:p>
           <a:p>
@@ -16538,6 +16993,22 @@
             <a:r>
               <a:rPr lang="en-GB" sz="2000" dirty="0"/>
               <a:t>Administrators access to maintain Data.</a:t>
+            </a:r>
+          </a:p>
+          <a:p>
+            <a:pPr algn="just">
+              <a:lnSpc>
+                <a:spcPct val="150000"/>
+              </a:lnSpc>
+              <a:spcAft>
+                <a:spcPts val="800"/>
+              </a:spcAft>
+              <a:buFont typeface="+mj-lt"/>
+              <a:buAutoNum type="arabicPeriod"/>
+            </a:pPr>
+            <a:r>
+              <a:rPr lang="en-GB" sz="2600" dirty="0"/>
+              <a:t>Using Python as the Main Language for development.</a:t>
             </a:r>
           </a:p>
           <a:p>
@@ -18821,24 +19292,6 @@
 </file>
 
 <file path=customXml/item1.xml><?xml version="1.0" encoding="utf-8"?>
-<?mso-contentType ?>
-<FormTemplates xmlns="http://schemas.microsoft.com/sharepoint/v3/contenttype/forms">
-  <Display>DocumentLibraryForm</Display>
-  <Edit>DocumentLibraryForm</Edit>
-  <New>DocumentLibraryForm</New>
-</FormTemplates>
-</file>
-
-<file path=customXml/item2.xml><?xml version="1.0" encoding="utf-8"?>
-<p:properties xmlns:p="http://schemas.microsoft.com/office/2006/metadata/properties" xmlns:xsi="http://www.w3.org/2001/XMLSchema-instance" xmlns:pc="http://schemas.microsoft.com/office/infopath/2007/PartnerControls">
-  <documentManagement>
-    <Status xmlns="71af3243-3dd4-4a8d-8c0d-dd76da1f02a5">Not started</Status>
-    <MediaServiceKeyPoints xmlns="71af3243-3dd4-4a8d-8c0d-dd76da1f02a5" xsi:nil="true"/>
-  </documentManagement>
-</p:properties>
-</file>
-
-<file path=customXml/item3.xml><?xml version="1.0" encoding="utf-8"?>
 <ct:contentTypeSchema xmlns:ct="http://schemas.microsoft.com/office/2006/metadata/contentType" xmlns:ma="http://schemas.microsoft.com/office/2006/metadata/properties/metaAttributes" ct:_="" ma:_="" ma:contentTypeName="Document" ma:contentTypeID="0x01010079F111ED35F8CC479449609E8A0923A6" ma:contentTypeVersion="12" ma:contentTypeDescription="Create a new document." ma:contentTypeScope="" ma:versionID="93813dd7ca6ad654711aa0ab317e03a3">
   <xsd:schema xmlns:xsd="http://www.w3.org/2001/XMLSchema" xmlns:xs="http://www.w3.org/2001/XMLSchema" xmlns:p="http://schemas.microsoft.com/office/2006/metadata/properties" xmlns:ns2="71af3243-3dd4-4a8d-8c0d-dd76da1f02a5" xmlns:ns3="16c05727-aa75-4e4a-9b5f-8a80a1165891" targetNamespace="http://schemas.microsoft.com/office/2006/metadata/properties" ma:root="true" ma:fieldsID="f11dc0ce689dd3925e84e4e35398c6e7" ns2:_="" ns3:_="">
     <xsd:import namespace="71af3243-3dd4-4a8d-8c0d-dd76da1f02a5"/>
@@ -19059,25 +19512,25 @@
 </ct:contentTypeSchema>
 </file>
 
-<file path=customXml/itemProps1.xml><?xml version="1.0" encoding="utf-8"?>
-<ds:datastoreItem xmlns:ds="http://schemas.openxmlformats.org/officeDocument/2006/customXml" ds:itemID="{0D16958A-754B-4396-9457-FD7A427A37DD}">
-  <ds:schemaRefs>
-    <ds:schemaRef ds:uri="http://schemas.microsoft.com/sharepoint/v3/contenttype/forms"/>
-  </ds:schemaRefs>
-</ds:datastoreItem>
+<file path=customXml/item2.xml><?xml version="1.0" encoding="utf-8"?>
+<p:properties xmlns:p="http://schemas.microsoft.com/office/2006/metadata/properties" xmlns:xsi="http://www.w3.org/2001/XMLSchema-instance" xmlns:pc="http://schemas.microsoft.com/office/infopath/2007/PartnerControls">
+  <documentManagement>
+    <Status xmlns="71af3243-3dd4-4a8d-8c0d-dd76da1f02a5">Not started</Status>
+    <MediaServiceKeyPoints xmlns="71af3243-3dd4-4a8d-8c0d-dd76da1f02a5" xsi:nil="true"/>
+  </documentManagement>
+</p:properties>
 </file>
 
-<file path=customXml/itemProps2.xml><?xml version="1.0" encoding="utf-8"?>
-<ds:datastoreItem xmlns:ds="http://schemas.openxmlformats.org/officeDocument/2006/customXml" ds:itemID="{048C88F1-1664-415F-AFCE-F6CF45809817}">
-  <ds:schemaRefs>
-    <ds:schemaRef ds:uri="http://schemas.microsoft.com/office/2006/metadata/properties"/>
-    <ds:schemaRef ds:uri="http://schemas.microsoft.com/office/infopath/2007/PartnerControls"/>
-    <ds:schemaRef ds:uri="71af3243-3dd4-4a8d-8c0d-dd76da1f02a5"/>
-  </ds:schemaRefs>
-</ds:datastoreItem>
+<file path=customXml/item3.xml><?xml version="1.0" encoding="utf-8"?>
+<?mso-contentType ?>
+<FormTemplates xmlns="http://schemas.microsoft.com/sharepoint/v3/contenttype/forms">
+  <Display>DocumentLibraryForm</Display>
+  <Edit>DocumentLibraryForm</Edit>
+  <New>DocumentLibraryForm</New>
+</FormTemplates>
 </file>
 
-<file path=customXml/itemProps3.xml><?xml version="1.0" encoding="utf-8"?>
+<file path=customXml/itemProps1.xml><?xml version="1.0" encoding="utf-8"?>
 <ds:datastoreItem xmlns:ds="http://schemas.openxmlformats.org/officeDocument/2006/customXml" ds:itemID="{CC30393A-FEC6-4A44-9E4A-6EA49F1F7DC0}">
   <ds:schemaRefs>
     <ds:schemaRef ds:uri="http://schemas.microsoft.com/office/2006/metadata/contentType"/>
@@ -19094,4 +19547,22 @@
     <ds:schemaRef ds:uri="http://schemas.microsoft.com/internal/obd"/>
   </ds:schemaRefs>
 </ds:datastoreItem>
+</file>
+
+<file path=customXml/itemProps2.xml><?xml version="1.0" encoding="utf-8"?>
+<ds:datastoreItem xmlns:ds="http://schemas.openxmlformats.org/officeDocument/2006/customXml" ds:itemID="{048C88F1-1664-415F-AFCE-F6CF45809817}">
+  <ds:schemaRefs>
+    <ds:schemaRef ds:uri="http://schemas.microsoft.com/office/2006/metadata/properties"/>
+    <ds:schemaRef ds:uri="http://schemas.microsoft.com/office/infopath/2007/PartnerControls"/>
+    <ds:schemaRef ds:uri="71af3243-3dd4-4a8d-8c0d-dd76da1f02a5"/>
+  </ds:schemaRefs>
+</ds:datastoreItem>
+</file>
+
+<file path=customXml/itemProps3.xml><?xml version="1.0" encoding="utf-8"?>
+<ds:datastoreItem xmlns:ds="http://schemas.openxmlformats.org/officeDocument/2006/customXml" ds:itemID="{0D16958A-754B-4396-9457-FD7A427A37DD}">
+  <ds:schemaRefs>
+    <ds:schemaRef ds:uri="http://schemas.microsoft.com/sharepoint/v3/contenttype/forms"/>
+  </ds:schemaRefs>
+</ds:datastoreItem>
 </file>
--- a/Documentation/reports/Presentation.pptx
+++ b/Documentation/reports/Presentation.pptx
@@ -10129,6 +10129,23 @@
           <a:p>
             <a:r>
               <a:rPr lang="en-GB" dirty="0"/>
+              <a:t>Many tools and methods were used to create the </a:t>
+            </a:r>
+            <a:r>
+              <a:rPr lang="en-GB"/>
+              <a:t>backend functionality of </a:t>
+            </a:r>
+            <a:r>
+              <a:rPr lang="en-GB" dirty="0"/>
+              <a:t>the Mens Shed web application.</a:t>
+            </a:r>
+          </a:p>
+          <a:p>
+            <a:endParaRPr lang="en-GB" dirty="0"/>
+          </a:p>
+          <a:p>
+            <a:r>
+              <a:rPr lang="en-GB" dirty="0"/>
               <a:t>SQLite is a database engine library that can be embedded in apps.</a:t>
             </a:r>
           </a:p>
@@ -19292,6 +19309,15 @@
 </file>
 
 <file path=customXml/item1.xml><?xml version="1.0" encoding="utf-8"?>
+<p:properties xmlns:p="http://schemas.microsoft.com/office/2006/metadata/properties" xmlns:xsi="http://www.w3.org/2001/XMLSchema-instance" xmlns:pc="http://schemas.microsoft.com/office/infopath/2007/PartnerControls">
+  <documentManagement>
+    <Status xmlns="71af3243-3dd4-4a8d-8c0d-dd76da1f02a5">Not started</Status>
+    <MediaServiceKeyPoints xmlns="71af3243-3dd4-4a8d-8c0d-dd76da1f02a5" xsi:nil="true"/>
+  </documentManagement>
+</p:properties>
+</file>
+
+<file path=customXml/item2.xml><?xml version="1.0" encoding="utf-8"?>
 <ct:contentTypeSchema xmlns:ct="http://schemas.microsoft.com/office/2006/metadata/contentType" xmlns:ma="http://schemas.microsoft.com/office/2006/metadata/properties/metaAttributes" ct:_="" ma:_="" ma:contentTypeName="Document" ma:contentTypeID="0x01010079F111ED35F8CC479449609E8A0923A6" ma:contentTypeVersion="12" ma:contentTypeDescription="Create a new document." ma:contentTypeScope="" ma:versionID="93813dd7ca6ad654711aa0ab317e03a3">
   <xsd:schema xmlns:xsd="http://www.w3.org/2001/XMLSchema" xmlns:xs="http://www.w3.org/2001/XMLSchema" xmlns:p="http://schemas.microsoft.com/office/2006/metadata/properties" xmlns:ns2="71af3243-3dd4-4a8d-8c0d-dd76da1f02a5" xmlns:ns3="16c05727-aa75-4e4a-9b5f-8a80a1165891" targetNamespace="http://schemas.microsoft.com/office/2006/metadata/properties" ma:root="true" ma:fieldsID="f11dc0ce689dd3925e84e4e35398c6e7" ns2:_="" ns3:_="">
     <xsd:import namespace="71af3243-3dd4-4a8d-8c0d-dd76da1f02a5"/>
@@ -19512,15 +19538,6 @@
 </ct:contentTypeSchema>
 </file>
 
-<file path=customXml/item2.xml><?xml version="1.0" encoding="utf-8"?>
-<p:properties xmlns:p="http://schemas.microsoft.com/office/2006/metadata/properties" xmlns:xsi="http://www.w3.org/2001/XMLSchema-instance" xmlns:pc="http://schemas.microsoft.com/office/infopath/2007/PartnerControls">
-  <documentManagement>
-    <Status xmlns="71af3243-3dd4-4a8d-8c0d-dd76da1f02a5">Not started</Status>
-    <MediaServiceKeyPoints xmlns="71af3243-3dd4-4a8d-8c0d-dd76da1f02a5" xsi:nil="true"/>
-  </documentManagement>
-</p:properties>
-</file>
-
 <file path=customXml/item3.xml><?xml version="1.0" encoding="utf-8"?>
 <?mso-contentType ?>
 <FormTemplates xmlns="http://schemas.microsoft.com/sharepoint/v3/contenttype/forms">
@@ -19531,6 +19548,16 @@
 </file>
 
 <file path=customXml/itemProps1.xml><?xml version="1.0" encoding="utf-8"?>
+<ds:datastoreItem xmlns:ds="http://schemas.openxmlformats.org/officeDocument/2006/customXml" ds:itemID="{048C88F1-1664-415F-AFCE-F6CF45809817}">
+  <ds:schemaRefs>
+    <ds:schemaRef ds:uri="http://schemas.microsoft.com/office/2006/metadata/properties"/>
+    <ds:schemaRef ds:uri="http://schemas.microsoft.com/office/infopath/2007/PartnerControls"/>
+    <ds:schemaRef ds:uri="71af3243-3dd4-4a8d-8c0d-dd76da1f02a5"/>
+  </ds:schemaRefs>
+</ds:datastoreItem>
+</file>
+
+<file path=customXml/itemProps2.xml><?xml version="1.0" encoding="utf-8"?>
 <ds:datastoreItem xmlns:ds="http://schemas.openxmlformats.org/officeDocument/2006/customXml" ds:itemID="{CC30393A-FEC6-4A44-9E4A-6EA49F1F7DC0}">
   <ds:schemaRefs>
     <ds:schemaRef ds:uri="http://schemas.microsoft.com/office/2006/metadata/contentType"/>
@@ -19549,16 +19576,6 @@
 </ds:datastoreItem>
 </file>
 
-<file path=customXml/itemProps2.xml><?xml version="1.0" encoding="utf-8"?>
-<ds:datastoreItem xmlns:ds="http://schemas.openxmlformats.org/officeDocument/2006/customXml" ds:itemID="{048C88F1-1664-415F-AFCE-F6CF45809817}">
-  <ds:schemaRefs>
-    <ds:schemaRef ds:uri="http://schemas.microsoft.com/office/2006/metadata/properties"/>
-    <ds:schemaRef ds:uri="http://schemas.microsoft.com/office/infopath/2007/PartnerControls"/>
-    <ds:schemaRef ds:uri="71af3243-3dd4-4a8d-8c0d-dd76da1f02a5"/>
-  </ds:schemaRefs>
-</ds:datastoreItem>
-</file>
-
 <file path=customXml/itemProps3.xml><?xml version="1.0" encoding="utf-8"?>
 <ds:datastoreItem xmlns:ds="http://schemas.openxmlformats.org/officeDocument/2006/customXml" ds:itemID="{0D16958A-754B-4396-9457-FD7A427A37DD}">
   <ds:schemaRefs>

--- a/Documentation/reports/Presentation.pptx
+++ b/Documentation/reports/Presentation.pptx
@@ -140,6 +140,14 @@
 </p:presentation>
 </file>
 
+<file path=ppt/revisionInfo.xml><?xml version="1.0" encoding="utf-8"?>
+<p1510:revInfo xmlns:a="http://schemas.openxmlformats.org/drawingml/2006/main" xmlns:r="http://schemas.openxmlformats.org/officeDocument/2006/relationships" xmlns:p1510="http://schemas.microsoft.com/office/powerpoint/2015/10/main">
+  <p1510:revLst>
+    <p1510:client id="{3997E1A2-7DDC-4DA9-A02F-EAD115860097}" v="51" dt="2023-05-05T11:10:07.046"/>
+  </p1510:revLst>
+</p1510:revInfo>
+</file>
+
 <file path=ppt/changesInfos/changesInfo1.xml><?xml version="1.0" encoding="utf-8"?>
 <pc:chgInfo xmlns:a="http://schemas.openxmlformats.org/drawingml/2006/main" xmlns:r="http://schemas.openxmlformats.org/officeDocument/2006/relationships" xmlns:ac="http://schemas.microsoft.com/office/drawing/2013/main/command" xmlns:pc="http://schemas.microsoft.com/office/powerpoint/2013/main/command">
   <pc:docChgLst>
@@ -199,12 +207,12 @@
   <pc:docChgLst>
     <pc:chgData name="Jack Johnston" userId="c56e8f5f32bf7d06" providerId="LiveId" clId="{3997E1A2-7DDC-4DA9-A02F-EAD115860097}"/>
     <pc:docChg chg="custSel modSld">
-      <pc:chgData name="Jack Johnston" userId="c56e8f5f32bf7d06" providerId="LiveId" clId="{3997E1A2-7DDC-4DA9-A02F-EAD115860097}" dt="2023-05-05T09:29:53.214" v="550" actId="20577"/>
+      <pc:chgData name="Jack Johnston" userId="c56e8f5f32bf7d06" providerId="LiveId" clId="{3997E1A2-7DDC-4DA9-A02F-EAD115860097}" dt="2023-05-05T11:10:07.046" v="601"/>
       <pc:docMkLst>
         <pc:docMk/>
       </pc:docMkLst>
-      <pc:sldChg chg="modSp mod">
-        <pc:chgData name="Jack Johnston" userId="c56e8f5f32bf7d06" providerId="LiveId" clId="{3997E1A2-7DDC-4DA9-A02F-EAD115860097}" dt="2023-05-05T09:29:53.214" v="550" actId="20577"/>
+      <pc:sldChg chg="modSp mod modTransition">
+        <pc:chgData name="Jack Johnston" userId="c56e8f5f32bf7d06" providerId="LiveId" clId="{3997E1A2-7DDC-4DA9-A02F-EAD115860097}" dt="2023-05-05T11:00:38.235" v="564"/>
         <pc:sldMkLst>
           <pc:docMk/>
           <pc:sldMk cId="193000927" sldId="256"/>
@@ -218,8 +226,29 @@
           </ac:spMkLst>
         </pc:spChg>
       </pc:sldChg>
-      <pc:sldChg chg="modSp mod modNotesTx">
-        <pc:chgData name="Jack Johnston" userId="c56e8f5f32bf7d06" providerId="LiveId" clId="{3997E1A2-7DDC-4DA9-A02F-EAD115860097}" dt="2023-05-05T09:29:25.993" v="541" actId="20577"/>
+      <pc:sldChg chg="modTransition">
+        <pc:chgData name="Jack Johnston" userId="c56e8f5f32bf7d06" providerId="LiveId" clId="{3997E1A2-7DDC-4DA9-A02F-EAD115860097}" dt="2023-05-05T10:57:54.856" v="553"/>
+        <pc:sldMkLst>
+          <pc:docMk/>
+          <pc:sldMk cId="510767980" sldId="267"/>
+        </pc:sldMkLst>
+      </pc:sldChg>
+      <pc:sldChg chg="modTransition">
+        <pc:chgData name="Jack Johnston" userId="c56e8f5f32bf7d06" providerId="LiveId" clId="{3997E1A2-7DDC-4DA9-A02F-EAD115860097}" dt="2023-05-05T10:57:54.856" v="553"/>
+        <pc:sldMkLst>
+          <pc:docMk/>
+          <pc:sldMk cId="555089011" sldId="268"/>
+        </pc:sldMkLst>
+      </pc:sldChg>
+      <pc:sldChg chg="modTransition">
+        <pc:chgData name="Jack Johnston" userId="c56e8f5f32bf7d06" providerId="LiveId" clId="{3997E1A2-7DDC-4DA9-A02F-EAD115860097}" dt="2023-05-05T11:01:56.533" v="568"/>
+        <pc:sldMkLst>
+          <pc:docMk/>
+          <pc:sldMk cId="2333881612" sldId="269"/>
+        </pc:sldMkLst>
+      </pc:sldChg>
+      <pc:sldChg chg="modSp mod modTransition modAnim modNotesTx">
+        <pc:chgData name="Jack Johnston" userId="c56e8f5f32bf7d06" providerId="LiveId" clId="{3997E1A2-7DDC-4DA9-A02F-EAD115860097}" dt="2023-05-05T11:10:07.046" v="601"/>
         <pc:sldMkLst>
           <pc:docMk/>
           <pc:sldMk cId="1985986454" sldId="270"/>
@@ -232,6 +261,34 @@
             <ac:spMk id="3" creationId="{42195445-4654-0CE6-6F11-ACC999513B62}"/>
           </ac:spMkLst>
         </pc:spChg>
+      </pc:sldChg>
+      <pc:sldChg chg="modTransition modAnim">
+        <pc:chgData name="Jack Johnston" userId="c56e8f5f32bf7d06" providerId="LiveId" clId="{3997E1A2-7DDC-4DA9-A02F-EAD115860097}" dt="2023-05-05T11:04:27.481" v="578"/>
+        <pc:sldMkLst>
+          <pc:docMk/>
+          <pc:sldMk cId="1094296895" sldId="271"/>
+        </pc:sldMkLst>
+      </pc:sldChg>
+      <pc:sldChg chg="modTransition">
+        <pc:chgData name="Jack Johnston" userId="c56e8f5f32bf7d06" providerId="LiveId" clId="{3997E1A2-7DDC-4DA9-A02F-EAD115860097}" dt="2023-05-05T10:57:54.856" v="553"/>
+        <pc:sldMkLst>
+          <pc:docMk/>
+          <pc:sldMk cId="1811381967" sldId="272"/>
+        </pc:sldMkLst>
+      </pc:sldChg>
+      <pc:sldChg chg="modTransition">
+        <pc:chgData name="Jack Johnston" userId="c56e8f5f32bf7d06" providerId="LiveId" clId="{3997E1A2-7DDC-4DA9-A02F-EAD115860097}" dt="2023-05-05T10:57:54.856" v="553"/>
+        <pc:sldMkLst>
+          <pc:docMk/>
+          <pc:sldMk cId="2507800528" sldId="273"/>
+        </pc:sldMkLst>
+      </pc:sldChg>
+      <pc:sldChg chg="modTransition">
+        <pc:chgData name="Jack Johnston" userId="c56e8f5f32bf7d06" providerId="LiveId" clId="{3997E1A2-7DDC-4DA9-A02F-EAD115860097}" dt="2023-05-05T10:57:54.856" v="553"/>
+        <pc:sldMkLst>
+          <pc:docMk/>
+          <pc:sldMk cId="663107331" sldId="274"/>
+        </pc:sldMkLst>
       </pc:sldChg>
     </pc:docChg>
   </pc:docChgLst>
@@ -16626,6 +16683,18 @@
   <p:clrMapOvr>
     <a:masterClrMapping/>
   </p:clrMapOvr>
+  <mc:AlternateContent xmlns:mc="http://schemas.openxmlformats.org/markup-compatibility/2006">
+    <mc:Choice xmlns:p14="http://schemas.microsoft.com/office/powerpoint/2010/main" Requires="p14">
+      <p:transition p14:dur="200" advClick="0" advTm="20000">
+        <p14:vortex dir="r"/>
+      </p:transition>
+    </mc:Choice>
+    <mc:Fallback>
+      <p:transition advClick="0" advTm="20000">
+        <p:fade/>
+      </p:transition>
+    </mc:Fallback>
+  </mc:AlternateContent>
 </p:sld>
 </file>
 
@@ -16843,6 +16912,18 @@
   <p:clrMapOvr>
     <a:masterClrMapping/>
   </p:clrMapOvr>
+  <mc:AlternateContent xmlns:mc="http://schemas.openxmlformats.org/markup-compatibility/2006">
+    <mc:Choice xmlns:p14="http://schemas.microsoft.com/office/powerpoint/2010/main" Requires="p14">
+      <p:transition spd="slow" p14:dur="1200" advClick="0" advTm="20000">
+        <p:dissolve/>
+      </p:transition>
+    </mc:Choice>
+    <mc:Fallback>
+      <p:transition spd="slow" advClick="0" advTm="20000">
+        <p:dissolve/>
+      </p:transition>
+    </mc:Fallback>
+  </mc:AlternateContent>
 </p:sld>
 </file>
 
@@ -17047,6 +17128,1403 @@
   <p:clrMapOvr>
     <a:masterClrMapping/>
   </p:clrMapOvr>
+  <mc:AlternateContent xmlns:mc="http://schemas.openxmlformats.org/markup-compatibility/2006">
+    <mc:Choice xmlns:p14="http://schemas.microsoft.com/office/powerpoint/2010/main" Requires="p14">
+      <p:transition spd="slow" p14:dur="1200" advClick="0" advTm="80000">
+        <p14:vortex dir="r"/>
+      </p:transition>
+    </mc:Choice>
+    <mc:Fallback>
+      <p:transition spd="slow" advClick="0" advTm="80000">
+        <p:fade/>
+      </p:transition>
+    </mc:Fallback>
+  </mc:AlternateContent>
+  <p:timing>
+    <p:tnLst>
+      <p:par>
+        <p:cTn id="1" dur="indefinite" restart="never" nodeType="tmRoot">
+          <p:childTnLst>
+            <p:seq concurrent="1" nextAc="seek">
+              <p:cTn id="2" dur="indefinite" nodeType="mainSeq">
+                <p:childTnLst>
+                  <p:par>
+                    <p:cTn id="3" fill="hold">
+                      <p:stCondLst>
+                        <p:cond delay="indefinite"/>
+                        <p:cond evt="onBegin" delay="0">
+                          <p:tn val="2"/>
+                        </p:cond>
+                      </p:stCondLst>
+                      <p:childTnLst>
+                        <p:par>
+                          <p:cTn id="4" fill="hold">
+                            <p:stCondLst>
+                              <p:cond delay="0"/>
+                            </p:stCondLst>
+                            <p:childTnLst>
+                              <p:par>
+                                <p:cTn id="5" presetID="26" presetClass="entr" presetSubtype="0" fill="hold" nodeType="afterEffect">
+                                  <p:stCondLst>
+                                    <p:cond delay="0"/>
+                                  </p:stCondLst>
+                                  <p:childTnLst>
+                                    <p:set>
+                                      <p:cBhvr>
+                                        <p:cTn id="6" dur="1" fill="hold">
+                                          <p:stCondLst>
+                                            <p:cond delay="0"/>
+                                          </p:stCondLst>
+                                        </p:cTn>
+                                        <p:tgtEl>
+                                          <p:spTgt spid="3">
+                                            <p:txEl>
+                                              <p:pRg st="0" end="0"/>
+                                            </p:txEl>
+                                          </p:spTgt>
+                                        </p:tgtEl>
+                                        <p:attrNameLst>
+                                          <p:attrName>style.visibility</p:attrName>
+                                        </p:attrNameLst>
+                                      </p:cBhvr>
+                                      <p:to>
+                                        <p:strVal val="visible"/>
+                                      </p:to>
+                                    </p:set>
+                                    <p:animEffect transition="in" filter="wipe(down)">
+                                      <p:cBhvr>
+                                        <p:cTn id="7" dur="580">
+                                          <p:stCondLst>
+                                            <p:cond delay="0"/>
+                                          </p:stCondLst>
+                                        </p:cTn>
+                                        <p:tgtEl>
+                                          <p:spTgt spid="3">
+                                            <p:txEl>
+                                              <p:pRg st="0" end="0"/>
+                                            </p:txEl>
+                                          </p:spTgt>
+                                        </p:tgtEl>
+                                      </p:cBhvr>
+                                    </p:animEffect>
+                                    <p:anim calcmode="lin" valueType="num">
+                                      <p:cBhvr>
+                                        <p:cTn id="8" dur="1822" tmFilter="0,0; 0.14,0.36; 0.43,0.73; 0.71,0.91; 1.0,1.0">
+                                          <p:stCondLst>
+                                            <p:cond delay="0"/>
+                                          </p:stCondLst>
+                                        </p:cTn>
+                                        <p:tgtEl>
+                                          <p:spTgt spid="3">
+                                            <p:txEl>
+                                              <p:pRg st="0" end="0"/>
+                                            </p:txEl>
+                                          </p:spTgt>
+                                        </p:tgtEl>
+                                        <p:attrNameLst>
+                                          <p:attrName>ppt_x</p:attrName>
+                                        </p:attrNameLst>
+                                      </p:cBhvr>
+                                      <p:tavLst>
+                                        <p:tav tm="0">
+                                          <p:val>
+                                            <p:strVal val="#ppt_x-0.25"/>
+                                          </p:val>
+                                        </p:tav>
+                                        <p:tav tm="100000">
+                                          <p:val>
+                                            <p:strVal val="#ppt_x"/>
+                                          </p:val>
+                                        </p:tav>
+                                      </p:tavLst>
+                                    </p:anim>
+                                    <p:anim calcmode="lin" valueType="num">
+                                      <p:cBhvr>
+                                        <p:cTn id="9" dur="664" tmFilter="0.0,0.0; 0.25,0.07; 0.50,0.2; 0.75,0.467; 1.0,1.0">
+                                          <p:stCondLst>
+                                            <p:cond delay="0"/>
+                                          </p:stCondLst>
+                                        </p:cTn>
+                                        <p:tgtEl>
+                                          <p:spTgt spid="3">
+                                            <p:txEl>
+                                              <p:pRg st="0" end="0"/>
+                                            </p:txEl>
+                                          </p:spTgt>
+                                        </p:tgtEl>
+                                        <p:attrNameLst>
+                                          <p:attrName>ppt_y</p:attrName>
+                                        </p:attrNameLst>
+                                      </p:cBhvr>
+                                      <p:tavLst>
+                                        <p:tav tm="0" fmla="#ppt_y-sin(pi*$)/3">
+                                          <p:val>
+                                            <p:fltVal val="0.5"/>
+                                          </p:val>
+                                        </p:tav>
+                                        <p:tav tm="100000">
+                                          <p:val>
+                                            <p:fltVal val="1"/>
+                                          </p:val>
+                                        </p:tav>
+                                      </p:tavLst>
+                                    </p:anim>
+                                    <p:anim calcmode="lin" valueType="num">
+                                      <p:cBhvr>
+                                        <p:cTn id="10" dur="664" tmFilter="0, 0; 0.125,0.2665; 0.25,0.4; 0.375,0.465; 0.5,0.5;  0.625,0.535; 0.75,0.6; 0.875,0.7335; 1,1">
+                                          <p:stCondLst>
+                                            <p:cond delay="664"/>
+                                          </p:stCondLst>
+                                        </p:cTn>
+                                        <p:tgtEl>
+                                          <p:spTgt spid="3">
+                                            <p:txEl>
+                                              <p:pRg st="0" end="0"/>
+                                            </p:txEl>
+                                          </p:spTgt>
+                                        </p:tgtEl>
+                                        <p:attrNameLst>
+                                          <p:attrName>ppt_y</p:attrName>
+                                        </p:attrNameLst>
+                                      </p:cBhvr>
+                                      <p:tavLst>
+                                        <p:tav tm="0" fmla="#ppt_y-sin(pi*$)/9">
+                                          <p:val>
+                                            <p:fltVal val="0"/>
+                                          </p:val>
+                                        </p:tav>
+                                        <p:tav tm="100000">
+                                          <p:val>
+                                            <p:fltVal val="1"/>
+                                          </p:val>
+                                        </p:tav>
+                                      </p:tavLst>
+                                    </p:anim>
+                                    <p:anim calcmode="lin" valueType="num">
+                                      <p:cBhvr>
+                                        <p:cTn id="11" dur="332" tmFilter="0, 0; 0.125,0.2665; 0.25,0.4; 0.375,0.465; 0.5,0.5;  0.625,0.535; 0.75,0.6; 0.875,0.7335; 1,1">
+                                          <p:stCondLst>
+                                            <p:cond delay="1324"/>
+                                          </p:stCondLst>
+                                        </p:cTn>
+                                        <p:tgtEl>
+                                          <p:spTgt spid="3">
+                                            <p:txEl>
+                                              <p:pRg st="0" end="0"/>
+                                            </p:txEl>
+                                          </p:spTgt>
+                                        </p:tgtEl>
+                                        <p:attrNameLst>
+                                          <p:attrName>ppt_y</p:attrName>
+                                        </p:attrNameLst>
+                                      </p:cBhvr>
+                                      <p:tavLst>
+                                        <p:tav tm="0" fmla="#ppt_y-sin(pi*$)/27">
+                                          <p:val>
+                                            <p:fltVal val="0"/>
+                                          </p:val>
+                                        </p:tav>
+                                        <p:tav tm="100000">
+                                          <p:val>
+                                            <p:fltVal val="1"/>
+                                          </p:val>
+                                        </p:tav>
+                                      </p:tavLst>
+                                    </p:anim>
+                                    <p:anim calcmode="lin" valueType="num">
+                                      <p:cBhvr>
+                                        <p:cTn id="12" dur="164" tmFilter="0, 0; 0.125,0.2665; 0.25,0.4; 0.375,0.465; 0.5,0.5;  0.625,0.535; 0.75,0.6; 0.875,0.7335; 1,1">
+                                          <p:stCondLst>
+                                            <p:cond delay="1656"/>
+                                          </p:stCondLst>
+                                        </p:cTn>
+                                        <p:tgtEl>
+                                          <p:spTgt spid="3">
+                                            <p:txEl>
+                                              <p:pRg st="0" end="0"/>
+                                            </p:txEl>
+                                          </p:spTgt>
+                                        </p:tgtEl>
+                                        <p:attrNameLst>
+                                          <p:attrName>ppt_y</p:attrName>
+                                        </p:attrNameLst>
+                                      </p:cBhvr>
+                                      <p:tavLst>
+                                        <p:tav tm="0" fmla="#ppt_y-sin(pi*$)/81">
+                                          <p:val>
+                                            <p:fltVal val="0"/>
+                                          </p:val>
+                                        </p:tav>
+                                        <p:tav tm="100000">
+                                          <p:val>
+                                            <p:fltVal val="1"/>
+                                          </p:val>
+                                        </p:tav>
+                                      </p:tavLst>
+                                    </p:anim>
+                                    <p:animScale>
+                                      <p:cBhvr>
+                                        <p:cTn id="13" dur="26">
+                                          <p:stCondLst>
+                                            <p:cond delay="650"/>
+                                          </p:stCondLst>
+                                        </p:cTn>
+                                        <p:tgtEl>
+                                          <p:spTgt spid="3">
+                                            <p:txEl>
+                                              <p:pRg st="0" end="0"/>
+                                            </p:txEl>
+                                          </p:spTgt>
+                                        </p:tgtEl>
+                                      </p:cBhvr>
+                                      <p:to x="100000" y="60000"/>
+                                    </p:animScale>
+                                    <p:animScale>
+                                      <p:cBhvr>
+                                        <p:cTn id="14" dur="166" decel="50000">
+                                          <p:stCondLst>
+                                            <p:cond delay="676"/>
+                                          </p:stCondLst>
+                                        </p:cTn>
+                                        <p:tgtEl>
+                                          <p:spTgt spid="3">
+                                            <p:txEl>
+                                              <p:pRg st="0" end="0"/>
+                                            </p:txEl>
+                                          </p:spTgt>
+                                        </p:tgtEl>
+                                      </p:cBhvr>
+                                      <p:to x="100000" y="100000"/>
+                                    </p:animScale>
+                                    <p:animScale>
+                                      <p:cBhvr>
+                                        <p:cTn id="15" dur="26">
+                                          <p:stCondLst>
+                                            <p:cond delay="1312"/>
+                                          </p:stCondLst>
+                                        </p:cTn>
+                                        <p:tgtEl>
+                                          <p:spTgt spid="3">
+                                            <p:txEl>
+                                              <p:pRg st="0" end="0"/>
+                                            </p:txEl>
+                                          </p:spTgt>
+                                        </p:tgtEl>
+                                      </p:cBhvr>
+                                      <p:to x="100000" y="80000"/>
+                                    </p:animScale>
+                                    <p:animScale>
+                                      <p:cBhvr>
+                                        <p:cTn id="16" dur="166" decel="50000">
+                                          <p:stCondLst>
+                                            <p:cond delay="1338"/>
+                                          </p:stCondLst>
+                                        </p:cTn>
+                                        <p:tgtEl>
+                                          <p:spTgt spid="3">
+                                            <p:txEl>
+                                              <p:pRg st="0" end="0"/>
+                                            </p:txEl>
+                                          </p:spTgt>
+                                        </p:tgtEl>
+                                      </p:cBhvr>
+                                      <p:to x="100000" y="100000"/>
+                                    </p:animScale>
+                                    <p:animScale>
+                                      <p:cBhvr>
+                                        <p:cTn id="17" dur="26">
+                                          <p:stCondLst>
+                                            <p:cond delay="1642"/>
+                                          </p:stCondLst>
+                                        </p:cTn>
+                                        <p:tgtEl>
+                                          <p:spTgt spid="3">
+                                            <p:txEl>
+                                              <p:pRg st="0" end="0"/>
+                                            </p:txEl>
+                                          </p:spTgt>
+                                        </p:tgtEl>
+                                      </p:cBhvr>
+                                      <p:to x="100000" y="90000"/>
+                                    </p:animScale>
+                                    <p:animScale>
+                                      <p:cBhvr>
+                                        <p:cTn id="18" dur="166" decel="50000">
+                                          <p:stCondLst>
+                                            <p:cond delay="1668"/>
+                                          </p:stCondLst>
+                                        </p:cTn>
+                                        <p:tgtEl>
+                                          <p:spTgt spid="3">
+                                            <p:txEl>
+                                              <p:pRg st="0" end="0"/>
+                                            </p:txEl>
+                                          </p:spTgt>
+                                        </p:tgtEl>
+                                      </p:cBhvr>
+                                      <p:to x="100000" y="100000"/>
+                                    </p:animScale>
+                                    <p:animScale>
+                                      <p:cBhvr>
+                                        <p:cTn id="19" dur="26">
+                                          <p:stCondLst>
+                                            <p:cond delay="1808"/>
+                                          </p:stCondLst>
+                                        </p:cTn>
+                                        <p:tgtEl>
+                                          <p:spTgt spid="3">
+                                            <p:txEl>
+                                              <p:pRg st="0" end="0"/>
+                                            </p:txEl>
+                                          </p:spTgt>
+                                        </p:tgtEl>
+                                      </p:cBhvr>
+                                      <p:to x="100000" y="95000"/>
+                                    </p:animScale>
+                                    <p:animScale>
+                                      <p:cBhvr>
+                                        <p:cTn id="20" dur="166" decel="50000">
+                                          <p:stCondLst>
+                                            <p:cond delay="1834"/>
+                                          </p:stCondLst>
+                                        </p:cTn>
+                                        <p:tgtEl>
+                                          <p:spTgt spid="3">
+                                            <p:txEl>
+                                              <p:pRg st="0" end="0"/>
+                                            </p:txEl>
+                                          </p:spTgt>
+                                        </p:tgtEl>
+                                      </p:cBhvr>
+                                      <p:to x="100000" y="100000"/>
+                                    </p:animScale>
+                                  </p:childTnLst>
+                                </p:cTn>
+                              </p:par>
+                            </p:childTnLst>
+                          </p:cTn>
+                        </p:par>
+                        <p:par>
+                          <p:cTn id="21" fill="hold">
+                            <p:stCondLst>
+                              <p:cond delay="2000"/>
+                            </p:stCondLst>
+                            <p:childTnLst>
+                              <p:par>
+                                <p:cTn id="22" presetID="26" presetClass="entr" presetSubtype="0" fill="hold" nodeType="afterEffect">
+                                  <p:stCondLst>
+                                    <p:cond delay="0"/>
+                                  </p:stCondLst>
+                                  <p:childTnLst>
+                                    <p:set>
+                                      <p:cBhvr>
+                                        <p:cTn id="23" dur="1" fill="hold">
+                                          <p:stCondLst>
+                                            <p:cond delay="0"/>
+                                          </p:stCondLst>
+                                        </p:cTn>
+                                        <p:tgtEl>
+                                          <p:spTgt spid="3">
+                                            <p:txEl>
+                                              <p:pRg st="1" end="1"/>
+                                            </p:txEl>
+                                          </p:spTgt>
+                                        </p:tgtEl>
+                                        <p:attrNameLst>
+                                          <p:attrName>style.visibility</p:attrName>
+                                        </p:attrNameLst>
+                                      </p:cBhvr>
+                                      <p:to>
+                                        <p:strVal val="visible"/>
+                                      </p:to>
+                                    </p:set>
+                                    <p:animEffect transition="in" filter="wipe(down)">
+                                      <p:cBhvr>
+                                        <p:cTn id="24" dur="580">
+                                          <p:stCondLst>
+                                            <p:cond delay="0"/>
+                                          </p:stCondLst>
+                                        </p:cTn>
+                                        <p:tgtEl>
+                                          <p:spTgt spid="3">
+                                            <p:txEl>
+                                              <p:pRg st="1" end="1"/>
+                                            </p:txEl>
+                                          </p:spTgt>
+                                        </p:tgtEl>
+                                      </p:cBhvr>
+                                    </p:animEffect>
+                                    <p:anim calcmode="lin" valueType="num">
+                                      <p:cBhvr>
+                                        <p:cTn id="25" dur="1822" tmFilter="0,0; 0.14,0.36; 0.43,0.73; 0.71,0.91; 1.0,1.0">
+                                          <p:stCondLst>
+                                            <p:cond delay="0"/>
+                                          </p:stCondLst>
+                                        </p:cTn>
+                                        <p:tgtEl>
+                                          <p:spTgt spid="3">
+                                            <p:txEl>
+                                              <p:pRg st="1" end="1"/>
+                                            </p:txEl>
+                                          </p:spTgt>
+                                        </p:tgtEl>
+                                        <p:attrNameLst>
+                                          <p:attrName>ppt_x</p:attrName>
+                                        </p:attrNameLst>
+                                      </p:cBhvr>
+                                      <p:tavLst>
+                                        <p:tav tm="0">
+                                          <p:val>
+                                            <p:strVal val="#ppt_x-0.25"/>
+                                          </p:val>
+                                        </p:tav>
+                                        <p:tav tm="100000">
+                                          <p:val>
+                                            <p:strVal val="#ppt_x"/>
+                                          </p:val>
+                                        </p:tav>
+                                      </p:tavLst>
+                                    </p:anim>
+                                    <p:anim calcmode="lin" valueType="num">
+                                      <p:cBhvr>
+                                        <p:cTn id="26" dur="664" tmFilter="0.0,0.0; 0.25,0.07; 0.50,0.2; 0.75,0.467; 1.0,1.0">
+                                          <p:stCondLst>
+                                            <p:cond delay="0"/>
+                                          </p:stCondLst>
+                                        </p:cTn>
+                                        <p:tgtEl>
+                                          <p:spTgt spid="3">
+                                            <p:txEl>
+                                              <p:pRg st="1" end="1"/>
+                                            </p:txEl>
+                                          </p:spTgt>
+                                        </p:tgtEl>
+                                        <p:attrNameLst>
+                                          <p:attrName>ppt_y</p:attrName>
+                                        </p:attrNameLst>
+                                      </p:cBhvr>
+                                      <p:tavLst>
+                                        <p:tav tm="0" fmla="#ppt_y-sin(pi*$)/3">
+                                          <p:val>
+                                            <p:fltVal val="0.5"/>
+                                          </p:val>
+                                        </p:tav>
+                                        <p:tav tm="100000">
+                                          <p:val>
+                                            <p:fltVal val="1"/>
+                                          </p:val>
+                                        </p:tav>
+                                      </p:tavLst>
+                                    </p:anim>
+                                    <p:anim calcmode="lin" valueType="num">
+                                      <p:cBhvr>
+                                        <p:cTn id="27" dur="664" tmFilter="0, 0; 0.125,0.2665; 0.25,0.4; 0.375,0.465; 0.5,0.5;  0.625,0.535; 0.75,0.6; 0.875,0.7335; 1,1">
+                                          <p:stCondLst>
+                                            <p:cond delay="664"/>
+                                          </p:stCondLst>
+                                        </p:cTn>
+                                        <p:tgtEl>
+                                          <p:spTgt spid="3">
+                                            <p:txEl>
+                                              <p:pRg st="1" end="1"/>
+                                            </p:txEl>
+                                          </p:spTgt>
+                                        </p:tgtEl>
+                                        <p:attrNameLst>
+                                          <p:attrName>ppt_y</p:attrName>
+                                        </p:attrNameLst>
+                                      </p:cBhvr>
+                                      <p:tavLst>
+                                        <p:tav tm="0" fmla="#ppt_y-sin(pi*$)/9">
+                                          <p:val>
+                                            <p:fltVal val="0"/>
+                                          </p:val>
+                                        </p:tav>
+                                        <p:tav tm="100000">
+                                          <p:val>
+                                            <p:fltVal val="1"/>
+                                          </p:val>
+                                        </p:tav>
+                                      </p:tavLst>
+                                    </p:anim>
+                                    <p:anim calcmode="lin" valueType="num">
+                                      <p:cBhvr>
+                                        <p:cTn id="28" dur="332" tmFilter="0, 0; 0.125,0.2665; 0.25,0.4; 0.375,0.465; 0.5,0.5;  0.625,0.535; 0.75,0.6; 0.875,0.7335; 1,1">
+                                          <p:stCondLst>
+                                            <p:cond delay="1324"/>
+                                          </p:stCondLst>
+                                        </p:cTn>
+                                        <p:tgtEl>
+                                          <p:spTgt spid="3">
+                                            <p:txEl>
+                                              <p:pRg st="1" end="1"/>
+                                            </p:txEl>
+                                          </p:spTgt>
+                                        </p:tgtEl>
+                                        <p:attrNameLst>
+                                          <p:attrName>ppt_y</p:attrName>
+                                        </p:attrNameLst>
+                                      </p:cBhvr>
+                                      <p:tavLst>
+                                        <p:tav tm="0" fmla="#ppt_y-sin(pi*$)/27">
+                                          <p:val>
+                                            <p:fltVal val="0"/>
+                                          </p:val>
+                                        </p:tav>
+                                        <p:tav tm="100000">
+                                          <p:val>
+                                            <p:fltVal val="1"/>
+                                          </p:val>
+                                        </p:tav>
+                                      </p:tavLst>
+                                    </p:anim>
+                                    <p:anim calcmode="lin" valueType="num">
+                                      <p:cBhvr>
+                                        <p:cTn id="29" dur="164" tmFilter="0, 0; 0.125,0.2665; 0.25,0.4; 0.375,0.465; 0.5,0.5;  0.625,0.535; 0.75,0.6; 0.875,0.7335; 1,1">
+                                          <p:stCondLst>
+                                            <p:cond delay="1656"/>
+                                          </p:stCondLst>
+                                        </p:cTn>
+                                        <p:tgtEl>
+                                          <p:spTgt spid="3">
+                                            <p:txEl>
+                                              <p:pRg st="1" end="1"/>
+                                            </p:txEl>
+                                          </p:spTgt>
+                                        </p:tgtEl>
+                                        <p:attrNameLst>
+                                          <p:attrName>ppt_y</p:attrName>
+                                        </p:attrNameLst>
+                                      </p:cBhvr>
+                                      <p:tavLst>
+                                        <p:tav tm="0" fmla="#ppt_y-sin(pi*$)/81">
+                                          <p:val>
+                                            <p:fltVal val="0"/>
+                                          </p:val>
+                                        </p:tav>
+                                        <p:tav tm="100000">
+                                          <p:val>
+                                            <p:fltVal val="1"/>
+                                          </p:val>
+                                        </p:tav>
+                                      </p:tavLst>
+                                    </p:anim>
+                                    <p:animScale>
+                                      <p:cBhvr>
+                                        <p:cTn id="30" dur="26">
+                                          <p:stCondLst>
+                                            <p:cond delay="650"/>
+                                          </p:stCondLst>
+                                        </p:cTn>
+                                        <p:tgtEl>
+                                          <p:spTgt spid="3">
+                                            <p:txEl>
+                                              <p:pRg st="1" end="1"/>
+                                            </p:txEl>
+                                          </p:spTgt>
+                                        </p:tgtEl>
+                                      </p:cBhvr>
+                                      <p:to x="100000" y="60000"/>
+                                    </p:animScale>
+                                    <p:animScale>
+                                      <p:cBhvr>
+                                        <p:cTn id="31" dur="166" decel="50000">
+                                          <p:stCondLst>
+                                            <p:cond delay="676"/>
+                                          </p:stCondLst>
+                                        </p:cTn>
+                                        <p:tgtEl>
+                                          <p:spTgt spid="3">
+                                            <p:txEl>
+                                              <p:pRg st="1" end="1"/>
+                                            </p:txEl>
+                                          </p:spTgt>
+                                        </p:tgtEl>
+                                      </p:cBhvr>
+                                      <p:to x="100000" y="100000"/>
+                                    </p:animScale>
+                                    <p:animScale>
+                                      <p:cBhvr>
+                                        <p:cTn id="32" dur="26">
+                                          <p:stCondLst>
+                                            <p:cond delay="1312"/>
+                                          </p:stCondLst>
+                                        </p:cTn>
+                                        <p:tgtEl>
+                                          <p:spTgt spid="3">
+                                            <p:txEl>
+                                              <p:pRg st="1" end="1"/>
+                                            </p:txEl>
+                                          </p:spTgt>
+                                        </p:tgtEl>
+                                      </p:cBhvr>
+                                      <p:to x="100000" y="80000"/>
+                                    </p:animScale>
+                                    <p:animScale>
+                                      <p:cBhvr>
+                                        <p:cTn id="33" dur="166" decel="50000">
+                                          <p:stCondLst>
+                                            <p:cond delay="1338"/>
+                                          </p:stCondLst>
+                                        </p:cTn>
+                                        <p:tgtEl>
+                                          <p:spTgt spid="3">
+                                            <p:txEl>
+                                              <p:pRg st="1" end="1"/>
+                                            </p:txEl>
+                                          </p:spTgt>
+                                        </p:tgtEl>
+                                      </p:cBhvr>
+                                      <p:to x="100000" y="100000"/>
+                                    </p:animScale>
+                                    <p:animScale>
+                                      <p:cBhvr>
+                                        <p:cTn id="34" dur="26">
+                                          <p:stCondLst>
+                                            <p:cond delay="1642"/>
+                                          </p:stCondLst>
+                                        </p:cTn>
+                                        <p:tgtEl>
+                                          <p:spTgt spid="3">
+                                            <p:txEl>
+                                              <p:pRg st="1" end="1"/>
+                                            </p:txEl>
+                                          </p:spTgt>
+                                        </p:tgtEl>
+                                      </p:cBhvr>
+                                      <p:to x="100000" y="90000"/>
+                                    </p:animScale>
+                                    <p:animScale>
+                                      <p:cBhvr>
+                                        <p:cTn id="35" dur="166" decel="50000">
+                                          <p:stCondLst>
+                                            <p:cond delay="1668"/>
+                                          </p:stCondLst>
+                                        </p:cTn>
+                                        <p:tgtEl>
+                                          <p:spTgt spid="3">
+                                            <p:txEl>
+                                              <p:pRg st="1" end="1"/>
+                                            </p:txEl>
+                                          </p:spTgt>
+                                        </p:tgtEl>
+                                      </p:cBhvr>
+                                      <p:to x="100000" y="100000"/>
+                                    </p:animScale>
+                                    <p:animScale>
+                                      <p:cBhvr>
+                                        <p:cTn id="36" dur="26">
+                                          <p:stCondLst>
+                                            <p:cond delay="1808"/>
+                                          </p:stCondLst>
+                                        </p:cTn>
+                                        <p:tgtEl>
+                                          <p:spTgt spid="3">
+                                            <p:txEl>
+                                              <p:pRg st="1" end="1"/>
+                                            </p:txEl>
+                                          </p:spTgt>
+                                        </p:tgtEl>
+                                      </p:cBhvr>
+                                      <p:to x="100000" y="95000"/>
+                                    </p:animScale>
+                                    <p:animScale>
+                                      <p:cBhvr>
+                                        <p:cTn id="37" dur="166" decel="50000">
+                                          <p:stCondLst>
+                                            <p:cond delay="1834"/>
+                                          </p:stCondLst>
+                                        </p:cTn>
+                                        <p:tgtEl>
+                                          <p:spTgt spid="3">
+                                            <p:txEl>
+                                              <p:pRg st="1" end="1"/>
+                                            </p:txEl>
+                                          </p:spTgt>
+                                        </p:tgtEl>
+                                      </p:cBhvr>
+                                      <p:to x="100000" y="100000"/>
+                                    </p:animScale>
+                                  </p:childTnLst>
+                                </p:cTn>
+                              </p:par>
+                            </p:childTnLst>
+                          </p:cTn>
+                        </p:par>
+                        <p:par>
+                          <p:cTn id="38" fill="hold">
+                            <p:stCondLst>
+                              <p:cond delay="4000"/>
+                            </p:stCondLst>
+                            <p:childTnLst>
+                              <p:par>
+                                <p:cTn id="39" presetID="26" presetClass="entr" presetSubtype="0" fill="hold" nodeType="afterEffect">
+                                  <p:stCondLst>
+                                    <p:cond delay="0"/>
+                                  </p:stCondLst>
+                                  <p:childTnLst>
+                                    <p:set>
+                                      <p:cBhvr>
+                                        <p:cTn id="40" dur="1" fill="hold">
+                                          <p:stCondLst>
+                                            <p:cond delay="0"/>
+                                          </p:stCondLst>
+                                        </p:cTn>
+                                        <p:tgtEl>
+                                          <p:spTgt spid="3">
+                                            <p:txEl>
+                                              <p:pRg st="2" end="2"/>
+                                            </p:txEl>
+                                          </p:spTgt>
+                                        </p:tgtEl>
+                                        <p:attrNameLst>
+                                          <p:attrName>style.visibility</p:attrName>
+                                        </p:attrNameLst>
+                                      </p:cBhvr>
+                                      <p:to>
+                                        <p:strVal val="visible"/>
+                                      </p:to>
+                                    </p:set>
+                                    <p:animEffect transition="in" filter="wipe(down)">
+                                      <p:cBhvr>
+                                        <p:cTn id="41" dur="580">
+                                          <p:stCondLst>
+                                            <p:cond delay="0"/>
+                                          </p:stCondLst>
+                                        </p:cTn>
+                                        <p:tgtEl>
+                                          <p:spTgt spid="3">
+                                            <p:txEl>
+                                              <p:pRg st="2" end="2"/>
+                                            </p:txEl>
+                                          </p:spTgt>
+                                        </p:tgtEl>
+                                      </p:cBhvr>
+                                    </p:animEffect>
+                                    <p:anim calcmode="lin" valueType="num">
+                                      <p:cBhvr>
+                                        <p:cTn id="42" dur="1822" tmFilter="0,0; 0.14,0.36; 0.43,0.73; 0.71,0.91; 1.0,1.0">
+                                          <p:stCondLst>
+                                            <p:cond delay="0"/>
+                                          </p:stCondLst>
+                                        </p:cTn>
+                                        <p:tgtEl>
+                                          <p:spTgt spid="3">
+                                            <p:txEl>
+                                              <p:pRg st="2" end="2"/>
+                                            </p:txEl>
+                                          </p:spTgt>
+                                        </p:tgtEl>
+                                        <p:attrNameLst>
+                                          <p:attrName>ppt_x</p:attrName>
+                                        </p:attrNameLst>
+                                      </p:cBhvr>
+                                      <p:tavLst>
+                                        <p:tav tm="0">
+                                          <p:val>
+                                            <p:strVal val="#ppt_x-0.25"/>
+                                          </p:val>
+                                        </p:tav>
+                                        <p:tav tm="100000">
+                                          <p:val>
+                                            <p:strVal val="#ppt_x"/>
+                                          </p:val>
+                                        </p:tav>
+                                      </p:tavLst>
+                                    </p:anim>
+                                    <p:anim calcmode="lin" valueType="num">
+                                      <p:cBhvr>
+                                        <p:cTn id="43" dur="664" tmFilter="0.0,0.0; 0.25,0.07; 0.50,0.2; 0.75,0.467; 1.0,1.0">
+                                          <p:stCondLst>
+                                            <p:cond delay="0"/>
+                                          </p:stCondLst>
+                                        </p:cTn>
+                                        <p:tgtEl>
+                                          <p:spTgt spid="3">
+                                            <p:txEl>
+                                              <p:pRg st="2" end="2"/>
+                                            </p:txEl>
+                                          </p:spTgt>
+                                        </p:tgtEl>
+                                        <p:attrNameLst>
+                                          <p:attrName>ppt_y</p:attrName>
+                                        </p:attrNameLst>
+                                      </p:cBhvr>
+                                      <p:tavLst>
+                                        <p:tav tm="0" fmla="#ppt_y-sin(pi*$)/3">
+                                          <p:val>
+                                            <p:fltVal val="0.5"/>
+                                          </p:val>
+                                        </p:tav>
+                                        <p:tav tm="100000">
+                                          <p:val>
+                                            <p:fltVal val="1"/>
+                                          </p:val>
+                                        </p:tav>
+                                      </p:tavLst>
+                                    </p:anim>
+                                    <p:anim calcmode="lin" valueType="num">
+                                      <p:cBhvr>
+                                        <p:cTn id="44" dur="664" tmFilter="0, 0; 0.125,0.2665; 0.25,0.4; 0.375,0.465; 0.5,0.5;  0.625,0.535; 0.75,0.6; 0.875,0.7335; 1,1">
+                                          <p:stCondLst>
+                                            <p:cond delay="664"/>
+                                          </p:stCondLst>
+                                        </p:cTn>
+                                        <p:tgtEl>
+                                          <p:spTgt spid="3">
+                                            <p:txEl>
+                                              <p:pRg st="2" end="2"/>
+                                            </p:txEl>
+                                          </p:spTgt>
+                                        </p:tgtEl>
+                                        <p:attrNameLst>
+                                          <p:attrName>ppt_y</p:attrName>
+                                        </p:attrNameLst>
+                                      </p:cBhvr>
+                                      <p:tavLst>
+                                        <p:tav tm="0" fmla="#ppt_y-sin(pi*$)/9">
+                                          <p:val>
+                                            <p:fltVal val="0"/>
+                                          </p:val>
+                                        </p:tav>
+                                        <p:tav tm="100000">
+                                          <p:val>
+                                            <p:fltVal val="1"/>
+                                          </p:val>
+                                        </p:tav>
+                                      </p:tavLst>
+                                    </p:anim>
+                                    <p:anim calcmode="lin" valueType="num">
+                                      <p:cBhvr>
+                                        <p:cTn id="45" dur="332" tmFilter="0, 0; 0.125,0.2665; 0.25,0.4; 0.375,0.465; 0.5,0.5;  0.625,0.535; 0.75,0.6; 0.875,0.7335; 1,1">
+                                          <p:stCondLst>
+                                            <p:cond delay="1324"/>
+                                          </p:stCondLst>
+                                        </p:cTn>
+                                        <p:tgtEl>
+                                          <p:spTgt spid="3">
+                                            <p:txEl>
+                                              <p:pRg st="2" end="2"/>
+                                            </p:txEl>
+                                          </p:spTgt>
+                                        </p:tgtEl>
+                                        <p:attrNameLst>
+                                          <p:attrName>ppt_y</p:attrName>
+                                        </p:attrNameLst>
+                                      </p:cBhvr>
+                                      <p:tavLst>
+                                        <p:tav tm="0" fmla="#ppt_y-sin(pi*$)/27">
+                                          <p:val>
+                                            <p:fltVal val="0"/>
+                                          </p:val>
+                                        </p:tav>
+                                        <p:tav tm="100000">
+                                          <p:val>
+                                            <p:fltVal val="1"/>
+                                          </p:val>
+                                        </p:tav>
+                                      </p:tavLst>
+                                    </p:anim>
+                                    <p:anim calcmode="lin" valueType="num">
+                                      <p:cBhvr>
+                                        <p:cTn id="46" dur="164" tmFilter="0, 0; 0.125,0.2665; 0.25,0.4; 0.375,0.465; 0.5,0.5;  0.625,0.535; 0.75,0.6; 0.875,0.7335; 1,1">
+                                          <p:stCondLst>
+                                            <p:cond delay="1656"/>
+                                          </p:stCondLst>
+                                        </p:cTn>
+                                        <p:tgtEl>
+                                          <p:spTgt spid="3">
+                                            <p:txEl>
+                                              <p:pRg st="2" end="2"/>
+                                            </p:txEl>
+                                          </p:spTgt>
+                                        </p:tgtEl>
+                                        <p:attrNameLst>
+                                          <p:attrName>ppt_y</p:attrName>
+                                        </p:attrNameLst>
+                                      </p:cBhvr>
+                                      <p:tavLst>
+                                        <p:tav tm="0" fmla="#ppt_y-sin(pi*$)/81">
+                                          <p:val>
+                                            <p:fltVal val="0"/>
+                                          </p:val>
+                                        </p:tav>
+                                        <p:tav tm="100000">
+                                          <p:val>
+                                            <p:fltVal val="1"/>
+                                          </p:val>
+                                        </p:tav>
+                                      </p:tavLst>
+                                    </p:anim>
+                                    <p:animScale>
+                                      <p:cBhvr>
+                                        <p:cTn id="47" dur="26">
+                                          <p:stCondLst>
+                                            <p:cond delay="650"/>
+                                          </p:stCondLst>
+                                        </p:cTn>
+                                        <p:tgtEl>
+                                          <p:spTgt spid="3">
+                                            <p:txEl>
+                                              <p:pRg st="2" end="2"/>
+                                            </p:txEl>
+                                          </p:spTgt>
+                                        </p:tgtEl>
+                                      </p:cBhvr>
+                                      <p:to x="100000" y="60000"/>
+                                    </p:animScale>
+                                    <p:animScale>
+                                      <p:cBhvr>
+                                        <p:cTn id="48" dur="166" decel="50000">
+                                          <p:stCondLst>
+                                            <p:cond delay="676"/>
+                                          </p:stCondLst>
+                                        </p:cTn>
+                                        <p:tgtEl>
+                                          <p:spTgt spid="3">
+                                            <p:txEl>
+                                              <p:pRg st="2" end="2"/>
+                                            </p:txEl>
+                                          </p:spTgt>
+                                        </p:tgtEl>
+                                      </p:cBhvr>
+                                      <p:to x="100000" y="100000"/>
+                                    </p:animScale>
+                                    <p:animScale>
+                                      <p:cBhvr>
+                                        <p:cTn id="49" dur="26">
+                                          <p:stCondLst>
+                                            <p:cond delay="1312"/>
+                                          </p:stCondLst>
+                                        </p:cTn>
+                                        <p:tgtEl>
+                                          <p:spTgt spid="3">
+                                            <p:txEl>
+                                              <p:pRg st="2" end="2"/>
+                                            </p:txEl>
+                                          </p:spTgt>
+                                        </p:tgtEl>
+                                      </p:cBhvr>
+                                      <p:to x="100000" y="80000"/>
+                                    </p:animScale>
+                                    <p:animScale>
+                                      <p:cBhvr>
+                                        <p:cTn id="50" dur="166" decel="50000">
+                                          <p:stCondLst>
+                                            <p:cond delay="1338"/>
+                                          </p:stCondLst>
+                                        </p:cTn>
+                                        <p:tgtEl>
+                                          <p:spTgt spid="3">
+                                            <p:txEl>
+                                              <p:pRg st="2" end="2"/>
+                                            </p:txEl>
+                                          </p:spTgt>
+                                        </p:tgtEl>
+                                      </p:cBhvr>
+                                      <p:to x="100000" y="100000"/>
+                                    </p:animScale>
+                                    <p:animScale>
+                                      <p:cBhvr>
+                                        <p:cTn id="51" dur="26">
+                                          <p:stCondLst>
+                                            <p:cond delay="1642"/>
+                                          </p:stCondLst>
+                                        </p:cTn>
+                                        <p:tgtEl>
+                                          <p:spTgt spid="3">
+                                            <p:txEl>
+                                              <p:pRg st="2" end="2"/>
+                                            </p:txEl>
+                                          </p:spTgt>
+                                        </p:tgtEl>
+                                      </p:cBhvr>
+                                      <p:to x="100000" y="90000"/>
+                                    </p:animScale>
+                                    <p:animScale>
+                                      <p:cBhvr>
+                                        <p:cTn id="52" dur="166" decel="50000">
+                                          <p:stCondLst>
+                                            <p:cond delay="1668"/>
+                                          </p:stCondLst>
+                                        </p:cTn>
+                                        <p:tgtEl>
+                                          <p:spTgt spid="3">
+                                            <p:txEl>
+                                              <p:pRg st="2" end="2"/>
+                                            </p:txEl>
+                                          </p:spTgt>
+                                        </p:tgtEl>
+                                      </p:cBhvr>
+                                      <p:to x="100000" y="100000"/>
+                                    </p:animScale>
+                                    <p:animScale>
+                                      <p:cBhvr>
+                                        <p:cTn id="53" dur="26">
+                                          <p:stCondLst>
+                                            <p:cond delay="1808"/>
+                                          </p:stCondLst>
+                                        </p:cTn>
+                                        <p:tgtEl>
+                                          <p:spTgt spid="3">
+                                            <p:txEl>
+                                              <p:pRg st="2" end="2"/>
+                                            </p:txEl>
+                                          </p:spTgt>
+                                        </p:tgtEl>
+                                      </p:cBhvr>
+                                      <p:to x="100000" y="95000"/>
+                                    </p:animScale>
+                                    <p:animScale>
+                                      <p:cBhvr>
+                                        <p:cTn id="54" dur="166" decel="50000">
+                                          <p:stCondLst>
+                                            <p:cond delay="1834"/>
+                                          </p:stCondLst>
+                                        </p:cTn>
+                                        <p:tgtEl>
+                                          <p:spTgt spid="3">
+                                            <p:txEl>
+                                              <p:pRg st="2" end="2"/>
+                                            </p:txEl>
+                                          </p:spTgt>
+                                        </p:tgtEl>
+                                      </p:cBhvr>
+                                      <p:to x="100000" y="100000"/>
+                                    </p:animScale>
+                                  </p:childTnLst>
+                                </p:cTn>
+                              </p:par>
+                            </p:childTnLst>
+                          </p:cTn>
+                        </p:par>
+                        <p:par>
+                          <p:cTn id="55" fill="hold">
+                            <p:stCondLst>
+                              <p:cond delay="6000"/>
+                            </p:stCondLst>
+                            <p:childTnLst>
+                              <p:par>
+                                <p:cTn id="56" presetID="22" presetClass="entr" presetSubtype="4" fill="hold" nodeType="afterEffect">
+                                  <p:stCondLst>
+                                    <p:cond delay="0"/>
+                                  </p:stCondLst>
+                                  <p:childTnLst>
+                                    <p:set>
+                                      <p:cBhvr>
+                                        <p:cTn id="57" dur="1" fill="hold">
+                                          <p:stCondLst>
+                                            <p:cond delay="0"/>
+                                          </p:stCondLst>
+                                        </p:cTn>
+                                        <p:tgtEl>
+                                          <p:spTgt spid="3">
+                                            <p:txEl>
+                                              <p:pRg st="3" end="3"/>
+                                            </p:txEl>
+                                          </p:spTgt>
+                                        </p:tgtEl>
+                                        <p:attrNameLst>
+                                          <p:attrName>style.visibility</p:attrName>
+                                        </p:attrNameLst>
+                                      </p:cBhvr>
+                                      <p:to>
+                                        <p:strVal val="visible"/>
+                                      </p:to>
+                                    </p:set>
+                                    <p:animEffect transition="in" filter="wipe(down)">
+                                      <p:cBhvr>
+                                        <p:cTn id="58" dur="500"/>
+                                        <p:tgtEl>
+                                          <p:spTgt spid="3">
+                                            <p:txEl>
+                                              <p:pRg st="3" end="3"/>
+                                            </p:txEl>
+                                          </p:spTgt>
+                                        </p:tgtEl>
+                                      </p:cBhvr>
+                                    </p:animEffect>
+                                  </p:childTnLst>
+                                </p:cTn>
+                              </p:par>
+                            </p:childTnLst>
+                          </p:cTn>
+                        </p:par>
+                        <p:par>
+                          <p:cTn id="59" fill="hold">
+                            <p:stCondLst>
+                              <p:cond delay="6500"/>
+                            </p:stCondLst>
+                            <p:childTnLst>
+                              <p:par>
+                                <p:cTn id="60" presetID="16" presetClass="entr" presetSubtype="21" fill="hold" nodeType="afterEffect">
+                                  <p:stCondLst>
+                                    <p:cond delay="0"/>
+                                  </p:stCondLst>
+                                  <p:childTnLst>
+                                    <p:set>
+                                      <p:cBhvr>
+                                        <p:cTn id="61" dur="1" fill="hold">
+                                          <p:stCondLst>
+                                            <p:cond delay="0"/>
+                                          </p:stCondLst>
+                                        </p:cTn>
+                                        <p:tgtEl>
+                                          <p:spTgt spid="3">
+                                            <p:txEl>
+                                              <p:pRg st="4" end="4"/>
+                                            </p:txEl>
+                                          </p:spTgt>
+                                        </p:tgtEl>
+                                        <p:attrNameLst>
+                                          <p:attrName>style.visibility</p:attrName>
+                                        </p:attrNameLst>
+                                      </p:cBhvr>
+                                      <p:to>
+                                        <p:strVal val="visible"/>
+                                      </p:to>
+                                    </p:set>
+                                    <p:animEffect transition="in" filter="barn(inVertical)">
+                                      <p:cBhvr>
+                                        <p:cTn id="62" dur="500"/>
+                                        <p:tgtEl>
+                                          <p:spTgt spid="3">
+                                            <p:txEl>
+                                              <p:pRg st="4" end="4"/>
+                                            </p:txEl>
+                                          </p:spTgt>
+                                        </p:tgtEl>
+                                      </p:cBhvr>
+                                    </p:animEffect>
+                                  </p:childTnLst>
+                                </p:cTn>
+                              </p:par>
+                            </p:childTnLst>
+                          </p:cTn>
+                        </p:par>
+                        <p:par>
+                          <p:cTn id="63" fill="hold">
+                            <p:stCondLst>
+                              <p:cond delay="7000"/>
+                            </p:stCondLst>
+                            <p:childTnLst>
+                              <p:par>
+                                <p:cTn id="64" presetID="22" presetClass="entr" presetSubtype="4" fill="hold" nodeType="afterEffect">
+                                  <p:stCondLst>
+                                    <p:cond delay="0"/>
+                                  </p:stCondLst>
+                                  <p:childTnLst>
+                                    <p:set>
+                                      <p:cBhvr>
+                                        <p:cTn id="65" dur="1" fill="hold">
+                                          <p:stCondLst>
+                                            <p:cond delay="0"/>
+                                          </p:stCondLst>
+                                        </p:cTn>
+                                        <p:tgtEl>
+                                          <p:spTgt spid="3">
+                                            <p:txEl>
+                                              <p:pRg st="5" end="5"/>
+                                            </p:txEl>
+                                          </p:spTgt>
+                                        </p:tgtEl>
+                                        <p:attrNameLst>
+                                          <p:attrName>style.visibility</p:attrName>
+                                        </p:attrNameLst>
+                                      </p:cBhvr>
+                                      <p:to>
+                                        <p:strVal val="visible"/>
+                                      </p:to>
+                                    </p:set>
+                                    <p:animEffect transition="in" filter="wipe(down)">
+                                      <p:cBhvr>
+                                        <p:cTn id="66" dur="500"/>
+                                        <p:tgtEl>
+                                          <p:spTgt spid="3">
+                                            <p:txEl>
+                                              <p:pRg st="5" end="5"/>
+                                            </p:txEl>
+                                          </p:spTgt>
+                                        </p:tgtEl>
+                                      </p:cBhvr>
+                                    </p:animEffect>
+                                  </p:childTnLst>
+                                </p:cTn>
+                              </p:par>
+                            </p:childTnLst>
+                          </p:cTn>
+                        </p:par>
+                        <p:par>
+                          <p:cTn id="67" fill="hold">
+                            <p:stCondLst>
+                              <p:cond delay="7500"/>
+                            </p:stCondLst>
+                            <p:childTnLst>
+                              <p:par>
+                                <p:cTn id="68" presetID="6" presetClass="entr" presetSubtype="16" fill="hold" nodeType="afterEffect">
+                                  <p:stCondLst>
+                                    <p:cond delay="0"/>
+                                  </p:stCondLst>
+                                  <p:childTnLst>
+                                    <p:set>
+                                      <p:cBhvr>
+                                        <p:cTn id="69" dur="1" fill="hold">
+                                          <p:stCondLst>
+                                            <p:cond delay="0"/>
+                                          </p:stCondLst>
+                                        </p:cTn>
+                                        <p:tgtEl>
+                                          <p:spTgt spid="3">
+                                            <p:txEl>
+                                              <p:pRg st="6" end="6"/>
+                                            </p:txEl>
+                                          </p:spTgt>
+                                        </p:tgtEl>
+                                        <p:attrNameLst>
+                                          <p:attrName>style.visibility</p:attrName>
+                                        </p:attrNameLst>
+                                      </p:cBhvr>
+                                      <p:to>
+                                        <p:strVal val="visible"/>
+                                      </p:to>
+                                    </p:set>
+                                    <p:animEffect transition="in" filter="circle(in)">
+                                      <p:cBhvr>
+                                        <p:cTn id="70" dur="2000"/>
+                                        <p:tgtEl>
+                                          <p:spTgt spid="3">
+                                            <p:txEl>
+                                              <p:pRg st="6" end="6"/>
+                                            </p:txEl>
+                                          </p:spTgt>
+                                        </p:tgtEl>
+                                      </p:cBhvr>
+                                    </p:animEffect>
+                                  </p:childTnLst>
+                                </p:cTn>
+                              </p:par>
+                            </p:childTnLst>
+                          </p:cTn>
+                        </p:par>
+                        <p:par>
+                          <p:cTn id="71" fill="hold">
+                            <p:stCondLst>
+                              <p:cond delay="9500"/>
+                            </p:stCondLst>
+                            <p:childTnLst>
+                              <p:par>
+                                <p:cTn id="72" presetID="2" presetClass="entr" presetSubtype="4" fill="hold" nodeType="afterEffect">
+                                  <p:stCondLst>
+                                    <p:cond delay="0"/>
+                                  </p:stCondLst>
+                                  <p:childTnLst>
+                                    <p:set>
+                                      <p:cBhvr>
+                                        <p:cTn id="73" dur="1" fill="hold">
+                                          <p:stCondLst>
+                                            <p:cond delay="0"/>
+                                          </p:stCondLst>
+                                        </p:cTn>
+                                        <p:tgtEl>
+                                          <p:spTgt spid="3">
+                                            <p:txEl>
+                                              <p:pRg st="7" end="7"/>
+                                            </p:txEl>
+                                          </p:spTgt>
+                                        </p:tgtEl>
+                                        <p:attrNameLst>
+                                          <p:attrName>style.visibility</p:attrName>
+                                        </p:attrNameLst>
+                                      </p:cBhvr>
+                                      <p:to>
+                                        <p:strVal val="visible"/>
+                                      </p:to>
+                                    </p:set>
+                                    <p:anim calcmode="lin" valueType="num">
+                                      <p:cBhvr additive="base">
+                                        <p:cTn id="74" dur="500" fill="hold"/>
+                                        <p:tgtEl>
+                                          <p:spTgt spid="3">
+                                            <p:txEl>
+                                              <p:pRg st="7" end="7"/>
+                                            </p:txEl>
+                                          </p:spTgt>
+                                        </p:tgtEl>
+                                        <p:attrNameLst>
+                                          <p:attrName>ppt_x</p:attrName>
+                                        </p:attrNameLst>
+                                      </p:cBhvr>
+                                      <p:tavLst>
+                                        <p:tav tm="0">
+                                          <p:val>
+                                            <p:strVal val="#ppt_x"/>
+                                          </p:val>
+                                        </p:tav>
+                                        <p:tav tm="100000">
+                                          <p:val>
+                                            <p:strVal val="#ppt_x"/>
+                                          </p:val>
+                                        </p:tav>
+                                      </p:tavLst>
+                                    </p:anim>
+                                    <p:anim calcmode="lin" valueType="num">
+                                      <p:cBhvr additive="base">
+                                        <p:cTn id="75" dur="500" fill="hold"/>
+                                        <p:tgtEl>
+                                          <p:spTgt spid="3">
+                                            <p:txEl>
+                                              <p:pRg st="7" end="7"/>
+                                            </p:txEl>
+                                          </p:spTgt>
+                                        </p:tgtEl>
+                                        <p:attrNameLst>
+                                          <p:attrName>ppt_y</p:attrName>
+                                        </p:attrNameLst>
+                                      </p:cBhvr>
+                                      <p:tavLst>
+                                        <p:tav tm="0">
+                                          <p:val>
+                                            <p:strVal val="1+#ppt_h/2"/>
+                                          </p:val>
+                                        </p:tav>
+                                        <p:tav tm="100000">
+                                          <p:val>
+                                            <p:strVal val="#ppt_y"/>
+                                          </p:val>
+                                        </p:tav>
+                                      </p:tavLst>
+                                    </p:anim>
+                                  </p:childTnLst>
+                                </p:cTn>
+                              </p:par>
+                            </p:childTnLst>
+                          </p:cTn>
+                        </p:par>
+                      </p:childTnLst>
+                    </p:cTn>
+                  </p:par>
+                </p:childTnLst>
+              </p:cTn>
+              <p:prevCondLst>
+                <p:cond evt="onPrev" delay="0">
+                  <p:tgtEl>
+                    <p:sldTgt/>
+                  </p:tgtEl>
+                </p:cond>
+              </p:prevCondLst>
+              <p:nextCondLst>
+                <p:cond evt="onNext" delay="0">
+                  <p:tgtEl>
+                    <p:sldTgt/>
+                  </p:tgtEl>
+                </p:cond>
+              </p:nextCondLst>
+            </p:seq>
+          </p:childTnLst>
+        </p:cTn>
+      </p:par>
+    </p:tnLst>
+  </p:timing>
 </p:sld>
 </file>
 
@@ -17395,6 +18873,681 @@
   <p:clrMapOvr>
     <a:masterClrMapping/>
   </p:clrMapOvr>
+  <mc:AlternateContent xmlns:mc="http://schemas.openxmlformats.org/markup-compatibility/2006">
+    <mc:Choice xmlns:p14="http://schemas.microsoft.com/office/powerpoint/2010/main" Requires="p14">
+      <p:transition spd="slow" p14:dur="4000" advClick="0" advTm="0">
+        <p14:vortex dir="r"/>
+      </p:transition>
+    </mc:Choice>
+    <mc:Fallback>
+      <p:transition spd="slow" advClick="0" advTm="0">
+        <p:fade/>
+      </p:transition>
+    </mc:Fallback>
+  </mc:AlternateContent>
+  <p:timing>
+    <p:tnLst>
+      <p:par>
+        <p:cTn id="1" dur="indefinite" restart="never" nodeType="tmRoot">
+          <p:childTnLst>
+            <p:seq concurrent="1" nextAc="seek">
+              <p:cTn id="2" dur="indefinite" nodeType="mainSeq">
+                <p:childTnLst>
+                  <p:par>
+                    <p:cTn id="3" fill="hold">
+                      <p:stCondLst>
+                        <p:cond delay="indefinite"/>
+                        <p:cond evt="onBegin" delay="0">
+                          <p:tn val="2"/>
+                        </p:cond>
+                      </p:stCondLst>
+                      <p:childTnLst>
+                        <p:par>
+                          <p:cTn id="4" fill="hold">
+                            <p:stCondLst>
+                              <p:cond delay="0"/>
+                            </p:stCondLst>
+                            <p:childTnLst>
+                              <p:par>
+                                <p:cTn id="5" presetID="42" presetClass="entr" presetSubtype="0" fill="hold" nodeType="afterEffect">
+                                  <p:stCondLst>
+                                    <p:cond delay="0"/>
+                                  </p:stCondLst>
+                                  <p:childTnLst>
+                                    <p:set>
+                                      <p:cBhvr>
+                                        <p:cTn id="6" dur="1" fill="hold">
+                                          <p:stCondLst>
+                                            <p:cond delay="0"/>
+                                          </p:stCondLst>
+                                        </p:cTn>
+                                        <p:tgtEl>
+                                          <p:spTgt spid="3">
+                                            <p:txEl>
+                                              <p:pRg st="0" end="0"/>
+                                            </p:txEl>
+                                          </p:spTgt>
+                                        </p:tgtEl>
+                                        <p:attrNameLst>
+                                          <p:attrName>style.visibility</p:attrName>
+                                        </p:attrNameLst>
+                                      </p:cBhvr>
+                                      <p:to>
+                                        <p:strVal val="visible"/>
+                                      </p:to>
+                                    </p:set>
+                                    <p:animEffect transition="in" filter="fade">
+                                      <p:cBhvr>
+                                        <p:cTn id="7" dur="500"/>
+                                        <p:tgtEl>
+                                          <p:spTgt spid="3">
+                                            <p:txEl>
+                                              <p:pRg st="0" end="0"/>
+                                            </p:txEl>
+                                          </p:spTgt>
+                                        </p:tgtEl>
+                                      </p:cBhvr>
+                                    </p:animEffect>
+                                    <p:anim calcmode="lin" valueType="num">
+                                      <p:cBhvr>
+                                        <p:cTn id="8" dur="500" fill="hold"/>
+                                        <p:tgtEl>
+                                          <p:spTgt spid="3">
+                                            <p:txEl>
+                                              <p:pRg st="0" end="0"/>
+                                            </p:txEl>
+                                          </p:spTgt>
+                                        </p:tgtEl>
+                                        <p:attrNameLst>
+                                          <p:attrName>ppt_x</p:attrName>
+                                        </p:attrNameLst>
+                                      </p:cBhvr>
+                                      <p:tavLst>
+                                        <p:tav tm="0">
+                                          <p:val>
+                                            <p:strVal val="#ppt_x"/>
+                                          </p:val>
+                                        </p:tav>
+                                        <p:tav tm="100000">
+                                          <p:val>
+                                            <p:strVal val="#ppt_x"/>
+                                          </p:val>
+                                        </p:tav>
+                                      </p:tavLst>
+                                    </p:anim>
+                                    <p:anim calcmode="lin" valueType="num">
+                                      <p:cBhvr>
+                                        <p:cTn id="9" dur="500" fill="hold"/>
+                                        <p:tgtEl>
+                                          <p:spTgt spid="3">
+                                            <p:txEl>
+                                              <p:pRg st="0" end="0"/>
+                                            </p:txEl>
+                                          </p:spTgt>
+                                        </p:tgtEl>
+                                        <p:attrNameLst>
+                                          <p:attrName>ppt_y</p:attrName>
+                                        </p:attrNameLst>
+                                      </p:cBhvr>
+                                      <p:tavLst>
+                                        <p:tav tm="0">
+                                          <p:val>
+                                            <p:strVal val="#ppt_y+.1"/>
+                                          </p:val>
+                                        </p:tav>
+                                        <p:tav tm="100000">
+                                          <p:val>
+                                            <p:strVal val="#ppt_y"/>
+                                          </p:val>
+                                        </p:tav>
+                                      </p:tavLst>
+                                    </p:anim>
+                                  </p:childTnLst>
+                                </p:cTn>
+                              </p:par>
+                            </p:childTnLst>
+                          </p:cTn>
+                        </p:par>
+                      </p:childTnLst>
+                    </p:cTn>
+                  </p:par>
+                  <p:par>
+                    <p:cTn id="10" fill="hold">
+                      <p:stCondLst>
+                        <p:cond delay="indefinite"/>
+                      </p:stCondLst>
+                      <p:childTnLst>
+                        <p:par>
+                          <p:cTn id="11" fill="hold">
+                            <p:stCondLst>
+                              <p:cond delay="0"/>
+                            </p:stCondLst>
+                            <p:childTnLst>
+                              <p:par>
+                                <p:cTn id="12" presetID="2" presetClass="entr" presetSubtype="4" fill="hold" nodeType="clickEffect">
+                                  <p:stCondLst>
+                                    <p:cond delay="0"/>
+                                  </p:stCondLst>
+                                  <p:childTnLst>
+                                    <p:set>
+                                      <p:cBhvr>
+                                        <p:cTn id="13" dur="1" fill="hold">
+                                          <p:stCondLst>
+                                            <p:cond delay="0"/>
+                                          </p:stCondLst>
+                                        </p:cTn>
+                                        <p:tgtEl>
+                                          <p:spTgt spid="3">
+                                            <p:txEl>
+                                              <p:pRg st="1" end="1"/>
+                                            </p:txEl>
+                                          </p:spTgt>
+                                        </p:tgtEl>
+                                        <p:attrNameLst>
+                                          <p:attrName>style.visibility</p:attrName>
+                                        </p:attrNameLst>
+                                      </p:cBhvr>
+                                      <p:to>
+                                        <p:strVal val="visible"/>
+                                      </p:to>
+                                    </p:set>
+                                    <p:anim calcmode="lin" valueType="num">
+                                      <p:cBhvr additive="base">
+                                        <p:cTn id="14" dur="500" fill="hold"/>
+                                        <p:tgtEl>
+                                          <p:spTgt spid="3">
+                                            <p:txEl>
+                                              <p:pRg st="1" end="1"/>
+                                            </p:txEl>
+                                          </p:spTgt>
+                                        </p:tgtEl>
+                                        <p:attrNameLst>
+                                          <p:attrName>ppt_x</p:attrName>
+                                        </p:attrNameLst>
+                                      </p:cBhvr>
+                                      <p:tavLst>
+                                        <p:tav tm="0">
+                                          <p:val>
+                                            <p:strVal val="#ppt_x"/>
+                                          </p:val>
+                                        </p:tav>
+                                        <p:tav tm="100000">
+                                          <p:val>
+                                            <p:strVal val="#ppt_x"/>
+                                          </p:val>
+                                        </p:tav>
+                                      </p:tavLst>
+                                    </p:anim>
+                                    <p:anim calcmode="lin" valueType="num">
+                                      <p:cBhvr additive="base">
+                                        <p:cTn id="15" dur="500" fill="hold"/>
+                                        <p:tgtEl>
+                                          <p:spTgt spid="3">
+                                            <p:txEl>
+                                              <p:pRg st="1" end="1"/>
+                                            </p:txEl>
+                                          </p:spTgt>
+                                        </p:tgtEl>
+                                        <p:attrNameLst>
+                                          <p:attrName>ppt_y</p:attrName>
+                                        </p:attrNameLst>
+                                      </p:cBhvr>
+                                      <p:tavLst>
+                                        <p:tav tm="0">
+                                          <p:val>
+                                            <p:strVal val="1+#ppt_h/2"/>
+                                          </p:val>
+                                        </p:tav>
+                                        <p:tav tm="100000">
+                                          <p:val>
+                                            <p:strVal val="#ppt_y"/>
+                                          </p:val>
+                                        </p:tav>
+                                      </p:tavLst>
+                                    </p:anim>
+                                  </p:childTnLst>
+                                </p:cTn>
+                              </p:par>
+                            </p:childTnLst>
+                          </p:cTn>
+                        </p:par>
+                      </p:childTnLst>
+                    </p:cTn>
+                  </p:par>
+                  <p:par>
+                    <p:cTn id="16" fill="hold">
+                      <p:stCondLst>
+                        <p:cond delay="indefinite"/>
+                      </p:stCondLst>
+                      <p:childTnLst>
+                        <p:par>
+                          <p:cTn id="17" fill="hold">
+                            <p:stCondLst>
+                              <p:cond delay="0"/>
+                            </p:stCondLst>
+                            <p:childTnLst>
+                              <p:par>
+                                <p:cTn id="18" presetID="2" presetClass="entr" presetSubtype="4" fill="hold" nodeType="clickEffect">
+                                  <p:stCondLst>
+                                    <p:cond delay="0"/>
+                                  </p:stCondLst>
+                                  <p:childTnLst>
+                                    <p:set>
+                                      <p:cBhvr>
+                                        <p:cTn id="19" dur="1" fill="hold">
+                                          <p:stCondLst>
+                                            <p:cond delay="0"/>
+                                          </p:stCondLst>
+                                        </p:cTn>
+                                        <p:tgtEl>
+                                          <p:spTgt spid="3">
+                                            <p:txEl>
+                                              <p:pRg st="2" end="2"/>
+                                            </p:txEl>
+                                          </p:spTgt>
+                                        </p:tgtEl>
+                                        <p:attrNameLst>
+                                          <p:attrName>style.visibility</p:attrName>
+                                        </p:attrNameLst>
+                                      </p:cBhvr>
+                                      <p:to>
+                                        <p:strVal val="visible"/>
+                                      </p:to>
+                                    </p:set>
+                                    <p:anim calcmode="lin" valueType="num">
+                                      <p:cBhvr additive="base">
+                                        <p:cTn id="20" dur="500" fill="hold"/>
+                                        <p:tgtEl>
+                                          <p:spTgt spid="3">
+                                            <p:txEl>
+                                              <p:pRg st="2" end="2"/>
+                                            </p:txEl>
+                                          </p:spTgt>
+                                        </p:tgtEl>
+                                        <p:attrNameLst>
+                                          <p:attrName>ppt_x</p:attrName>
+                                        </p:attrNameLst>
+                                      </p:cBhvr>
+                                      <p:tavLst>
+                                        <p:tav tm="0">
+                                          <p:val>
+                                            <p:strVal val="#ppt_x"/>
+                                          </p:val>
+                                        </p:tav>
+                                        <p:tav tm="100000">
+                                          <p:val>
+                                            <p:strVal val="#ppt_x"/>
+                                          </p:val>
+                                        </p:tav>
+                                      </p:tavLst>
+                                    </p:anim>
+                                    <p:anim calcmode="lin" valueType="num">
+                                      <p:cBhvr additive="base">
+                                        <p:cTn id="21" dur="500" fill="hold"/>
+                                        <p:tgtEl>
+                                          <p:spTgt spid="3">
+                                            <p:txEl>
+                                              <p:pRg st="2" end="2"/>
+                                            </p:txEl>
+                                          </p:spTgt>
+                                        </p:tgtEl>
+                                        <p:attrNameLst>
+                                          <p:attrName>ppt_y</p:attrName>
+                                        </p:attrNameLst>
+                                      </p:cBhvr>
+                                      <p:tavLst>
+                                        <p:tav tm="0">
+                                          <p:val>
+                                            <p:strVal val="1+#ppt_h/2"/>
+                                          </p:val>
+                                        </p:tav>
+                                        <p:tav tm="100000">
+                                          <p:val>
+                                            <p:strVal val="#ppt_y"/>
+                                          </p:val>
+                                        </p:tav>
+                                      </p:tavLst>
+                                    </p:anim>
+                                  </p:childTnLst>
+                                </p:cTn>
+                              </p:par>
+                            </p:childTnLst>
+                          </p:cTn>
+                        </p:par>
+                      </p:childTnLst>
+                    </p:cTn>
+                  </p:par>
+                  <p:par>
+                    <p:cTn id="22" fill="hold">
+                      <p:stCondLst>
+                        <p:cond delay="indefinite"/>
+                      </p:stCondLst>
+                      <p:childTnLst>
+                        <p:par>
+                          <p:cTn id="23" fill="hold">
+                            <p:stCondLst>
+                              <p:cond delay="0"/>
+                            </p:stCondLst>
+                            <p:childTnLst>
+                              <p:par>
+                                <p:cTn id="24" presetID="2" presetClass="entr" presetSubtype="4" fill="hold" nodeType="clickEffect">
+                                  <p:stCondLst>
+                                    <p:cond delay="0"/>
+                                  </p:stCondLst>
+                                  <p:childTnLst>
+                                    <p:set>
+                                      <p:cBhvr>
+                                        <p:cTn id="25" dur="1" fill="hold">
+                                          <p:stCondLst>
+                                            <p:cond delay="0"/>
+                                          </p:stCondLst>
+                                        </p:cTn>
+                                        <p:tgtEl>
+                                          <p:spTgt spid="3">
+                                            <p:txEl>
+                                              <p:pRg st="3" end="3"/>
+                                            </p:txEl>
+                                          </p:spTgt>
+                                        </p:tgtEl>
+                                        <p:attrNameLst>
+                                          <p:attrName>style.visibility</p:attrName>
+                                        </p:attrNameLst>
+                                      </p:cBhvr>
+                                      <p:to>
+                                        <p:strVal val="visible"/>
+                                      </p:to>
+                                    </p:set>
+                                    <p:anim calcmode="lin" valueType="num">
+                                      <p:cBhvr additive="base">
+                                        <p:cTn id="26" dur="500" fill="hold"/>
+                                        <p:tgtEl>
+                                          <p:spTgt spid="3">
+                                            <p:txEl>
+                                              <p:pRg st="3" end="3"/>
+                                            </p:txEl>
+                                          </p:spTgt>
+                                        </p:tgtEl>
+                                        <p:attrNameLst>
+                                          <p:attrName>ppt_x</p:attrName>
+                                        </p:attrNameLst>
+                                      </p:cBhvr>
+                                      <p:tavLst>
+                                        <p:tav tm="0">
+                                          <p:val>
+                                            <p:strVal val="#ppt_x"/>
+                                          </p:val>
+                                        </p:tav>
+                                        <p:tav tm="100000">
+                                          <p:val>
+                                            <p:strVal val="#ppt_x"/>
+                                          </p:val>
+                                        </p:tav>
+                                      </p:tavLst>
+                                    </p:anim>
+                                    <p:anim calcmode="lin" valueType="num">
+                                      <p:cBhvr additive="base">
+                                        <p:cTn id="27" dur="500" fill="hold"/>
+                                        <p:tgtEl>
+                                          <p:spTgt spid="3">
+                                            <p:txEl>
+                                              <p:pRg st="3" end="3"/>
+                                            </p:txEl>
+                                          </p:spTgt>
+                                        </p:tgtEl>
+                                        <p:attrNameLst>
+                                          <p:attrName>ppt_y</p:attrName>
+                                        </p:attrNameLst>
+                                      </p:cBhvr>
+                                      <p:tavLst>
+                                        <p:tav tm="0">
+                                          <p:val>
+                                            <p:strVal val="1+#ppt_h/2"/>
+                                          </p:val>
+                                        </p:tav>
+                                        <p:tav tm="100000">
+                                          <p:val>
+                                            <p:strVal val="#ppt_y"/>
+                                          </p:val>
+                                        </p:tav>
+                                      </p:tavLst>
+                                    </p:anim>
+                                  </p:childTnLst>
+                                </p:cTn>
+                              </p:par>
+                            </p:childTnLst>
+                          </p:cTn>
+                        </p:par>
+                      </p:childTnLst>
+                    </p:cTn>
+                  </p:par>
+                  <p:par>
+                    <p:cTn id="28" fill="hold">
+                      <p:stCondLst>
+                        <p:cond delay="indefinite"/>
+                      </p:stCondLst>
+                      <p:childTnLst>
+                        <p:par>
+                          <p:cTn id="29" fill="hold">
+                            <p:stCondLst>
+                              <p:cond delay="0"/>
+                            </p:stCondLst>
+                            <p:childTnLst>
+                              <p:par>
+                                <p:cTn id="30" presetID="2" presetClass="entr" presetSubtype="4" fill="hold" nodeType="clickEffect">
+                                  <p:stCondLst>
+                                    <p:cond delay="0"/>
+                                  </p:stCondLst>
+                                  <p:childTnLst>
+                                    <p:set>
+                                      <p:cBhvr>
+                                        <p:cTn id="31" dur="1" fill="hold">
+                                          <p:stCondLst>
+                                            <p:cond delay="0"/>
+                                          </p:stCondLst>
+                                        </p:cTn>
+                                        <p:tgtEl>
+                                          <p:spTgt spid="3">
+                                            <p:txEl>
+                                              <p:pRg st="4" end="4"/>
+                                            </p:txEl>
+                                          </p:spTgt>
+                                        </p:tgtEl>
+                                        <p:attrNameLst>
+                                          <p:attrName>style.visibility</p:attrName>
+                                        </p:attrNameLst>
+                                      </p:cBhvr>
+                                      <p:to>
+                                        <p:strVal val="visible"/>
+                                      </p:to>
+                                    </p:set>
+                                    <p:anim calcmode="lin" valueType="num">
+                                      <p:cBhvr additive="base">
+                                        <p:cTn id="32" dur="500" fill="hold"/>
+                                        <p:tgtEl>
+                                          <p:spTgt spid="3">
+                                            <p:txEl>
+                                              <p:pRg st="4" end="4"/>
+                                            </p:txEl>
+                                          </p:spTgt>
+                                        </p:tgtEl>
+                                        <p:attrNameLst>
+                                          <p:attrName>ppt_x</p:attrName>
+                                        </p:attrNameLst>
+                                      </p:cBhvr>
+                                      <p:tavLst>
+                                        <p:tav tm="0">
+                                          <p:val>
+                                            <p:strVal val="#ppt_x"/>
+                                          </p:val>
+                                        </p:tav>
+                                        <p:tav tm="100000">
+                                          <p:val>
+                                            <p:strVal val="#ppt_x"/>
+                                          </p:val>
+                                        </p:tav>
+                                      </p:tavLst>
+                                    </p:anim>
+                                    <p:anim calcmode="lin" valueType="num">
+                                      <p:cBhvr additive="base">
+                                        <p:cTn id="33" dur="500" fill="hold"/>
+                                        <p:tgtEl>
+                                          <p:spTgt spid="3">
+                                            <p:txEl>
+                                              <p:pRg st="4" end="4"/>
+                                            </p:txEl>
+                                          </p:spTgt>
+                                        </p:tgtEl>
+                                        <p:attrNameLst>
+                                          <p:attrName>ppt_y</p:attrName>
+                                        </p:attrNameLst>
+                                      </p:cBhvr>
+                                      <p:tavLst>
+                                        <p:tav tm="0">
+                                          <p:val>
+                                            <p:strVal val="1+#ppt_h/2"/>
+                                          </p:val>
+                                        </p:tav>
+                                        <p:tav tm="100000">
+                                          <p:val>
+                                            <p:strVal val="#ppt_y"/>
+                                          </p:val>
+                                        </p:tav>
+                                      </p:tavLst>
+                                    </p:anim>
+                                  </p:childTnLst>
+                                </p:cTn>
+                              </p:par>
+                            </p:childTnLst>
+                          </p:cTn>
+                        </p:par>
+                      </p:childTnLst>
+                    </p:cTn>
+                  </p:par>
+                  <p:par>
+                    <p:cTn id="34" fill="hold">
+                      <p:stCondLst>
+                        <p:cond delay="indefinite"/>
+                      </p:stCondLst>
+                      <p:childTnLst>
+                        <p:par>
+                          <p:cTn id="35" fill="hold">
+                            <p:stCondLst>
+                              <p:cond delay="0"/>
+                            </p:stCondLst>
+                            <p:childTnLst>
+                              <p:par>
+                                <p:cTn id="36" presetID="2" presetClass="entr" presetSubtype="4" fill="hold" nodeType="clickEffect">
+                                  <p:stCondLst>
+                                    <p:cond delay="0"/>
+                                  </p:stCondLst>
+                                  <p:childTnLst>
+                                    <p:set>
+                                      <p:cBhvr>
+                                        <p:cTn id="37" dur="1" fill="hold">
+                                          <p:stCondLst>
+                                            <p:cond delay="0"/>
+                                          </p:stCondLst>
+                                        </p:cTn>
+                                        <p:tgtEl>
+                                          <p:spTgt spid="3">
+                                            <p:txEl>
+                                              <p:pRg st="5" end="5"/>
+                                            </p:txEl>
+                                          </p:spTgt>
+                                        </p:tgtEl>
+                                        <p:attrNameLst>
+                                          <p:attrName>style.visibility</p:attrName>
+                                        </p:attrNameLst>
+                                      </p:cBhvr>
+                                      <p:to>
+                                        <p:strVal val="visible"/>
+                                      </p:to>
+                                    </p:set>
+                                    <p:anim calcmode="lin" valueType="num">
+                                      <p:cBhvr additive="base">
+                                        <p:cTn id="38" dur="500" fill="hold"/>
+                                        <p:tgtEl>
+                                          <p:spTgt spid="3">
+                                            <p:txEl>
+                                              <p:pRg st="5" end="5"/>
+                                            </p:txEl>
+                                          </p:spTgt>
+                                        </p:tgtEl>
+                                        <p:attrNameLst>
+                                          <p:attrName>ppt_x</p:attrName>
+                                        </p:attrNameLst>
+                                      </p:cBhvr>
+                                      <p:tavLst>
+                                        <p:tav tm="0">
+                                          <p:val>
+                                            <p:strVal val="#ppt_x"/>
+                                          </p:val>
+                                        </p:tav>
+                                        <p:tav tm="100000">
+                                          <p:val>
+                                            <p:strVal val="#ppt_x"/>
+                                          </p:val>
+                                        </p:tav>
+                                      </p:tavLst>
+                                    </p:anim>
+                                    <p:anim calcmode="lin" valueType="num">
+                                      <p:cBhvr additive="base">
+                                        <p:cTn id="39" dur="500" fill="hold"/>
+                                        <p:tgtEl>
+                                          <p:spTgt spid="3">
+                                            <p:txEl>
+                                              <p:pRg st="5" end="5"/>
+                                            </p:txEl>
+                                          </p:spTgt>
+                                        </p:tgtEl>
+                                        <p:attrNameLst>
+                                          <p:attrName>ppt_y</p:attrName>
+                                        </p:attrNameLst>
+                                      </p:cBhvr>
+                                      <p:tavLst>
+                                        <p:tav tm="0">
+                                          <p:val>
+                                            <p:strVal val="1+#ppt_h/2"/>
+                                          </p:val>
+                                        </p:tav>
+                                        <p:tav tm="100000">
+                                          <p:val>
+                                            <p:strVal val="#ppt_y"/>
+                                          </p:val>
+                                        </p:tav>
+                                      </p:tavLst>
+                                    </p:anim>
+                                  </p:childTnLst>
+                                </p:cTn>
+                              </p:par>
+                            </p:childTnLst>
+                          </p:cTn>
+                        </p:par>
+                      </p:childTnLst>
+                    </p:cTn>
+                  </p:par>
+                </p:childTnLst>
+              </p:cTn>
+              <p:prevCondLst>
+                <p:cond evt="onPrev" delay="0">
+                  <p:tgtEl>
+                    <p:sldTgt/>
+                  </p:tgtEl>
+                </p:cond>
+              </p:prevCondLst>
+              <p:nextCondLst>
+                <p:cond evt="onNext" delay="0">
+                  <p:tgtEl>
+                    <p:sldTgt/>
+                  </p:tgtEl>
+                </p:cond>
+              </p:nextCondLst>
+            </p:seq>
+          </p:childTnLst>
+        </p:cTn>
+      </p:par>
+    </p:tnLst>
+  </p:timing>
 </p:sld>
 </file>
 
@@ -17486,6 +19639,18 @@
   <p:clrMapOvr>
     <a:masterClrMapping/>
   </p:clrMapOvr>
+  <mc:AlternateContent xmlns:mc="http://schemas.openxmlformats.org/markup-compatibility/2006">
+    <mc:Choice xmlns:p14="http://schemas.microsoft.com/office/powerpoint/2010/main" Requires="p14">
+      <p:transition spd="slow" p14:dur="4000">
+        <p14:vortex dir="r"/>
+      </p:transition>
+    </mc:Choice>
+    <mc:Fallback>
+      <p:transition spd="slow">
+        <p:fade/>
+      </p:transition>
+    </mc:Fallback>
+  </mc:AlternateContent>
 </p:sld>
 </file>
 
@@ -17645,6 +19810,18 @@
   <p:clrMapOvr>
     <a:masterClrMapping/>
   </p:clrMapOvr>
+  <mc:AlternateContent xmlns:mc="http://schemas.openxmlformats.org/markup-compatibility/2006">
+    <mc:Choice xmlns:p14="http://schemas.microsoft.com/office/powerpoint/2010/main" Requires="p14">
+      <p:transition spd="slow" p14:dur="4000">
+        <p14:vortex dir="r"/>
+      </p:transition>
+    </mc:Choice>
+    <mc:Fallback>
+      <p:transition spd="slow">
+        <p:fade/>
+      </p:transition>
+    </mc:Fallback>
+  </mc:AlternateContent>
 </p:sld>
 </file>
 
@@ -17805,6 +19982,18 @@
   <p:clrMapOvr>
     <a:masterClrMapping/>
   </p:clrMapOvr>
+  <mc:AlternateContent xmlns:mc="http://schemas.openxmlformats.org/markup-compatibility/2006">
+    <mc:Choice xmlns:p14="http://schemas.microsoft.com/office/powerpoint/2010/main" Requires="p14">
+      <p:transition spd="slow" p14:dur="4000">
+        <p14:vortex dir="r"/>
+      </p:transition>
+    </mc:Choice>
+    <mc:Fallback>
+      <p:transition spd="slow">
+        <p:fade/>
+      </p:transition>
+    </mc:Fallback>
+  </mc:AlternateContent>
 </p:sld>
 </file>
 
@@ -18262,6 +20451,18 @@
   <p:clrMapOvr>
     <a:masterClrMapping/>
   </p:clrMapOvr>
+  <mc:AlternateContent xmlns:mc="http://schemas.openxmlformats.org/markup-compatibility/2006">
+    <mc:Choice xmlns:p14="http://schemas.microsoft.com/office/powerpoint/2010/main" Requires="p14">
+      <p:transition spd="slow" p14:dur="4000">
+        <p14:vortex dir="r"/>
+      </p:transition>
+    </mc:Choice>
+    <mc:Fallback>
+      <p:transition spd="slow">
+        <p:fade/>
+      </p:transition>
+    </mc:Fallback>
+  </mc:AlternateContent>
 </p:sld>
 </file>
 
@@ -18450,6 +20651,18 @@
   <p:clrMapOvr>
     <a:masterClrMapping/>
   </p:clrMapOvr>
+  <mc:AlternateContent xmlns:mc="http://schemas.openxmlformats.org/markup-compatibility/2006">
+    <mc:Choice xmlns:p14="http://schemas.microsoft.com/office/powerpoint/2010/main" Requires="p14">
+      <p:transition spd="slow" p14:dur="4000">
+        <p14:vortex dir="r"/>
+      </p:transition>
+    </mc:Choice>
+    <mc:Fallback>
+      <p:transition spd="slow">
+        <p:fade/>
+      </p:transition>
+    </mc:Fallback>
+  </mc:AlternateContent>
 </p:sld>
 </file>
 
@@ -19309,12 +21522,12 @@
 </file>
 
 <file path=customXml/item1.xml><?xml version="1.0" encoding="utf-8"?>
-<p:properties xmlns:p="http://schemas.microsoft.com/office/2006/metadata/properties" xmlns:xsi="http://www.w3.org/2001/XMLSchema-instance" xmlns:pc="http://schemas.microsoft.com/office/infopath/2007/PartnerControls">
-  <documentManagement>
-    <Status xmlns="71af3243-3dd4-4a8d-8c0d-dd76da1f02a5">Not started</Status>
-    <MediaServiceKeyPoints xmlns="71af3243-3dd4-4a8d-8c0d-dd76da1f02a5" xsi:nil="true"/>
-  </documentManagement>
-</p:properties>
+<?mso-contentType ?>
+<FormTemplates xmlns="http://schemas.microsoft.com/sharepoint/v3/contenttype/forms">
+  <Display>DocumentLibraryForm</Display>
+  <Edit>DocumentLibraryForm</Edit>
+  <New>DocumentLibraryForm</New>
+</FormTemplates>
 </file>
 
 <file path=customXml/item2.xml><?xml version="1.0" encoding="utf-8"?>
@@ -19539,20 +21752,18 @@
 </file>
 
 <file path=customXml/item3.xml><?xml version="1.0" encoding="utf-8"?>
-<?mso-contentType ?>
-<FormTemplates xmlns="http://schemas.microsoft.com/sharepoint/v3/contenttype/forms">
-  <Display>DocumentLibraryForm</Display>
-  <Edit>DocumentLibraryForm</Edit>
-  <New>DocumentLibraryForm</New>
-</FormTemplates>
+<p:properties xmlns:p="http://schemas.microsoft.com/office/2006/metadata/properties" xmlns:xsi="http://www.w3.org/2001/XMLSchema-instance" xmlns:pc="http://schemas.microsoft.com/office/infopath/2007/PartnerControls">
+  <documentManagement>
+    <Status xmlns="71af3243-3dd4-4a8d-8c0d-dd76da1f02a5">Not started</Status>
+    <MediaServiceKeyPoints xmlns="71af3243-3dd4-4a8d-8c0d-dd76da1f02a5" xsi:nil="true"/>
+  </documentManagement>
+</p:properties>
 </file>
 
 <file path=customXml/itemProps1.xml><?xml version="1.0" encoding="utf-8"?>
-<ds:datastoreItem xmlns:ds="http://schemas.openxmlformats.org/officeDocument/2006/customXml" ds:itemID="{048C88F1-1664-415F-AFCE-F6CF45809817}">
+<ds:datastoreItem xmlns:ds="http://schemas.openxmlformats.org/officeDocument/2006/customXml" ds:itemID="{0D16958A-754B-4396-9457-FD7A427A37DD}">
   <ds:schemaRefs>
-    <ds:schemaRef ds:uri="http://schemas.microsoft.com/office/2006/metadata/properties"/>
-    <ds:schemaRef ds:uri="http://schemas.microsoft.com/office/infopath/2007/PartnerControls"/>
-    <ds:schemaRef ds:uri="71af3243-3dd4-4a8d-8c0d-dd76da1f02a5"/>
+    <ds:schemaRef ds:uri="http://schemas.microsoft.com/sharepoint/v3/contenttype/forms"/>
   </ds:schemaRefs>
 </ds:datastoreItem>
 </file>
@@ -19577,9 +21788,11 @@
 </file>
 
 <file path=customXml/itemProps3.xml><?xml version="1.0" encoding="utf-8"?>
-<ds:datastoreItem xmlns:ds="http://schemas.openxmlformats.org/officeDocument/2006/customXml" ds:itemID="{0D16958A-754B-4396-9457-FD7A427A37DD}">
+<ds:datastoreItem xmlns:ds="http://schemas.openxmlformats.org/officeDocument/2006/customXml" ds:itemID="{048C88F1-1664-415F-AFCE-F6CF45809817}">
   <ds:schemaRefs>
-    <ds:schemaRef ds:uri="http://schemas.microsoft.com/sharepoint/v3/contenttype/forms"/>
+    <ds:schemaRef ds:uri="http://schemas.microsoft.com/office/2006/metadata/properties"/>
+    <ds:schemaRef ds:uri="http://schemas.microsoft.com/office/infopath/2007/PartnerControls"/>
+    <ds:schemaRef ds:uri="71af3243-3dd4-4a8d-8c0d-dd76da1f02a5"/>
   </ds:schemaRefs>
 </ds:datastoreItem>
 </file>
--- a/Documentation/reports/Presentation.pptx
+++ b/Documentation/reports/Presentation.pptx
@@ -143,7 +143,7 @@
 <file path=ppt/revisionInfo.xml><?xml version="1.0" encoding="utf-8"?>
 <p1510:revInfo xmlns:a="http://schemas.openxmlformats.org/drawingml/2006/main" xmlns:r="http://schemas.openxmlformats.org/officeDocument/2006/relationships" xmlns:p1510="http://schemas.microsoft.com/office/powerpoint/2015/10/main">
   <p1510:revLst>
-    <p1510:client id="{3997E1A2-7DDC-4DA9-A02F-EAD115860097}" v="51" dt="2023-05-05T11:10:07.046"/>
+    <p1510:client id="{3997E1A2-7DDC-4DA9-A02F-EAD115860097}" v="72" dt="2023-05-05T12:51:33.748"/>
   </p1510:revLst>
 </p1510:revInfo>
 </file>
@@ -206,8 +206,8 @@
   </pc:docChgLst>
   <pc:docChgLst>
     <pc:chgData name="Jack Johnston" userId="c56e8f5f32bf7d06" providerId="LiveId" clId="{3997E1A2-7DDC-4DA9-A02F-EAD115860097}"/>
-    <pc:docChg chg="custSel modSld">
-      <pc:chgData name="Jack Johnston" userId="c56e8f5f32bf7d06" providerId="LiveId" clId="{3997E1A2-7DDC-4DA9-A02F-EAD115860097}" dt="2023-05-05T11:10:07.046" v="601"/>
+    <pc:docChg chg="undo custSel modSld">
+      <pc:chgData name="Jack Johnston" userId="c56e8f5f32bf7d06" providerId="LiveId" clId="{3997E1A2-7DDC-4DA9-A02F-EAD115860097}" dt="2023-05-05T12:53:43.165" v="818" actId="12"/>
       <pc:docMkLst>
         <pc:docMk/>
       </pc:docMkLst>
@@ -276,19 +276,67 @@
           <pc:sldMk cId="1811381967" sldId="272"/>
         </pc:sldMkLst>
       </pc:sldChg>
-      <pc:sldChg chg="modTransition">
-        <pc:chgData name="Jack Johnston" userId="c56e8f5f32bf7d06" providerId="LiveId" clId="{3997E1A2-7DDC-4DA9-A02F-EAD115860097}" dt="2023-05-05T10:57:54.856" v="553"/>
+      <pc:sldChg chg="addSp modSp mod modTransition">
+        <pc:chgData name="Jack Johnston" userId="c56e8f5f32bf7d06" providerId="LiveId" clId="{3997E1A2-7DDC-4DA9-A02F-EAD115860097}" dt="2023-05-05T12:53:43.165" v="818" actId="12"/>
         <pc:sldMkLst>
           <pc:docMk/>
           <pc:sldMk cId="2507800528" sldId="273"/>
         </pc:sldMkLst>
+        <pc:spChg chg="mod">
+          <ac:chgData name="Jack Johnston" userId="c56e8f5f32bf7d06" providerId="LiveId" clId="{3997E1A2-7DDC-4DA9-A02F-EAD115860097}" dt="2023-05-05T12:53:03.183" v="801" actId="552"/>
+          <ac:spMkLst>
+            <pc:docMk/>
+            <pc:sldMk cId="2507800528" sldId="273"/>
+            <ac:spMk id="2" creationId="{9825BEA8-EB12-54B8-F573-2AC3777EA1AF}"/>
+          </ac:spMkLst>
+        </pc:spChg>
+        <pc:spChg chg="mod">
+          <ac:chgData name="Jack Johnston" userId="c56e8f5f32bf7d06" providerId="LiveId" clId="{3997E1A2-7DDC-4DA9-A02F-EAD115860097}" dt="2023-05-05T12:53:03.183" v="801" actId="552"/>
+          <ac:spMkLst>
+            <pc:docMk/>
+            <pc:sldMk cId="2507800528" sldId="273"/>
+            <ac:spMk id="3" creationId="{C36FE974-56CC-CB5C-90A1-F0024A1DA4F9}"/>
+          </ac:spMkLst>
+        </pc:spChg>
+        <pc:spChg chg="add mod">
+          <ac:chgData name="Jack Johnston" userId="c56e8f5f32bf7d06" providerId="LiveId" clId="{3997E1A2-7DDC-4DA9-A02F-EAD115860097}" dt="2023-05-05T12:53:43.165" v="818" actId="12"/>
+          <ac:spMkLst>
+            <pc:docMk/>
+            <pc:sldMk cId="2507800528" sldId="273"/>
+            <ac:spMk id="4" creationId="{04BDCBDA-F313-5CD3-C14A-B3B5B7DDFAF8}"/>
+          </ac:spMkLst>
+        </pc:spChg>
+        <pc:spChg chg="add mod">
+          <ac:chgData name="Jack Johnston" userId="c56e8f5f32bf7d06" providerId="LiveId" clId="{3997E1A2-7DDC-4DA9-A02F-EAD115860097}" dt="2023-05-05T12:53:03.183" v="801" actId="552"/>
+          <ac:spMkLst>
+            <pc:docMk/>
+            <pc:sldMk cId="2507800528" sldId="273"/>
+            <ac:spMk id="5" creationId="{5A38BDB8-71CF-59FB-DF0F-B6B70711863F}"/>
+          </ac:spMkLst>
+        </pc:spChg>
+        <pc:spChg chg="add mod">
+          <ac:chgData name="Jack Johnston" userId="c56e8f5f32bf7d06" providerId="LiveId" clId="{3997E1A2-7DDC-4DA9-A02F-EAD115860097}" dt="2023-05-05T12:53:24.547" v="817" actId="1036"/>
+          <ac:spMkLst>
+            <pc:docMk/>
+            <pc:sldMk cId="2507800528" sldId="273"/>
+            <ac:spMk id="6" creationId="{AFB99B4B-1B8C-B8C8-54F1-95A78FEED0D4}"/>
+          </ac:spMkLst>
+        </pc:spChg>
       </pc:sldChg>
-      <pc:sldChg chg="modTransition">
-        <pc:chgData name="Jack Johnston" userId="c56e8f5f32bf7d06" providerId="LiveId" clId="{3997E1A2-7DDC-4DA9-A02F-EAD115860097}" dt="2023-05-05T10:57:54.856" v="553"/>
+      <pc:sldChg chg="modSp mod modTransition modAnim modNotesTx">
+        <pc:chgData name="Jack Johnston" userId="c56e8f5f32bf7d06" providerId="LiveId" clId="{3997E1A2-7DDC-4DA9-A02F-EAD115860097}" dt="2023-05-05T12:46:40.666" v="628" actId="6549"/>
         <pc:sldMkLst>
           <pc:docMk/>
           <pc:sldMk cId="663107331" sldId="274"/>
         </pc:sldMkLst>
+        <pc:spChg chg="mod">
+          <ac:chgData name="Jack Johnston" userId="c56e8f5f32bf7d06" providerId="LiveId" clId="{3997E1A2-7DDC-4DA9-A02F-EAD115860097}" dt="2023-05-05T12:46:40.666" v="628" actId="6549"/>
+          <ac:spMkLst>
+            <pc:docMk/>
+            <pc:sldMk cId="663107331" sldId="274"/>
+            <ac:spMk id="3" creationId="{F3B97F41-6A26-29D4-42F0-EE3ABB4E3D72}"/>
+          </ac:spMkLst>
+        </pc:spChg>
       </pc:sldChg>
     </pc:docChg>
   </pc:docChgLst>
@@ -10320,6 +10368,45 @@
           <a:bodyPr/>
           <a:lstStyle/>
           <a:p>
+            <a:pPr rtl="0"/>
+            <a:r>
+              <a:rPr lang="en-GB" dirty="0">
+                <a:effectLst/>
+              </a:rPr>
+              <a:t>-We first began designing the interface using standard HTML pages built from scratch. We used a CSS file for styling the pages. This method meant creating separate files for each page. We soon found that this method was somewhat tedious and did not translate well for the application. </a:t>
+            </a:r>
+          </a:p>
+          <a:p>
+            <a:pPr rtl="0"/>
+            <a:endParaRPr lang="en-GB" dirty="0">
+              <a:effectLst/>
+            </a:endParaRPr>
+          </a:p>
+          <a:p>
+            <a:pPr rtl="0"/>
+            <a:r>
+              <a:rPr lang="en-GB" dirty="0">
+                <a:effectLst/>
+              </a:rPr>
+              <a:t>-Upon suggestion from other team members, we switched to Bootstrap templates at an early stage. This allowed us to create a much more dynamic design for our pages and greatly reduced the code that needed to be written. </a:t>
+            </a:r>
+          </a:p>
+          <a:p>
+            <a:pPr rtl="0"/>
+            <a:endParaRPr lang="en-GB" dirty="0">
+              <a:effectLst/>
+            </a:endParaRPr>
+          </a:p>
+          <a:p>
+            <a:pPr rtl="0"/>
+            <a:r>
+              <a:rPr lang="en-GB" dirty="0">
+                <a:effectLst/>
+              </a:rPr>
+              <a:t>-For the final application, we settled on Jinja2 templates, as this severely reduced the lines of code required for each page and allowed us to split elements of the page into blocks. </a:t>
+            </a:r>
+          </a:p>
+          <a:p>
             <a:endParaRPr lang="en-GB" dirty="0"/>
           </a:p>
         </p:txBody>
@@ -10342,7 +10429,7 @@
             <a:pPr rtl="0"/>
             <a:fld id="{EE000EEB-8338-48D7-8EE8-EE0082EF7602}" type="slidenum">
               <a:rPr lang="en-GB" noProof="0" smtClean="0"/>
-              <a:t>6</a:t>
+              <a:t>5</a:t>
             </a:fld>
             <a:endParaRPr lang="en-GB" noProof="0"/>
           </a:p>
@@ -10351,7 +10438,7 @@
     </p:spTree>
     <p:extLst>
       <p:ext uri="{BB962C8B-B14F-4D97-AF65-F5344CB8AC3E}">
-        <p14:creationId xmlns:p14="http://schemas.microsoft.com/office/powerpoint/2010/main" val="3924257567"/>
+        <p14:creationId xmlns:p14="http://schemas.microsoft.com/office/powerpoint/2010/main" val="3856903075"/>
       </p:ext>
     </p:extLst>
   </p:cSld>
@@ -10405,19 +10492,7 @@
           <a:bodyPr/>
           <a:lstStyle/>
           <a:p>
-            <a:r>
-              <a:rPr lang="en-GB" dirty="0"/>
-              <a:t>The booking function using item ID is only temporary and can be changed later in development.</a:t>
-            </a:r>
-          </a:p>
-          <a:p>
             <a:endParaRPr lang="en-GB" dirty="0"/>
-          </a:p>
-          <a:p>
-            <a:r>
-              <a:rPr lang="en-GB" dirty="0"/>
-              <a:t>The tool search function can either remove the column for the images or find a way to display the images from the links later in development.</a:t>
-            </a:r>
           </a:p>
         </p:txBody>
       </p:sp>
@@ -10439,7 +10514,7 @@
             <a:pPr rtl="0"/>
             <a:fld id="{EE000EEB-8338-48D7-8EE8-EE0082EF7602}" type="slidenum">
               <a:rPr lang="en-GB" noProof="0" smtClean="0"/>
-              <a:t>7</a:t>
+              <a:t>6</a:t>
             </a:fld>
             <a:endParaRPr lang="en-GB" noProof="0"/>
           </a:p>
@@ -10448,7 +10523,7 @@
     </p:spTree>
     <p:extLst>
       <p:ext uri="{BB962C8B-B14F-4D97-AF65-F5344CB8AC3E}">
-        <p14:creationId xmlns:p14="http://schemas.microsoft.com/office/powerpoint/2010/main" val="3516834243"/>
+        <p14:creationId xmlns:p14="http://schemas.microsoft.com/office/powerpoint/2010/main" val="3924257567"/>
       </p:ext>
     </p:extLst>
   </p:cSld>
@@ -10499,6 +10574,103 @@
         </p:nvSpPr>
         <p:spPr/>
         <p:txBody>
+          <a:bodyPr/>
+          <a:lstStyle/>
+          <a:p>
+            <a:r>
+              <a:rPr lang="en-GB" dirty="0"/>
+              <a:t>The booking function using item ID is only temporary and can be changed later in development.</a:t>
+            </a:r>
+          </a:p>
+          <a:p>
+            <a:endParaRPr lang="en-GB" dirty="0"/>
+          </a:p>
+          <a:p>
+            <a:r>
+              <a:rPr lang="en-GB" dirty="0"/>
+              <a:t>The tool search function can either remove the column for the images or find a way to display the images from the links later in development.</a:t>
+            </a:r>
+          </a:p>
+        </p:txBody>
+      </p:sp>
+      <p:sp>
+        <p:nvSpPr>
+          <p:cNvPr id="4" name="Slide Number Placeholder 3"/>
+          <p:cNvSpPr>
+            <a:spLocks noGrp="1"/>
+          </p:cNvSpPr>
+          <p:nvPr>
+            <p:ph type="sldNum" sz="quarter" idx="5"/>
+          </p:nvPr>
+        </p:nvSpPr>
+        <p:spPr/>
+        <p:txBody>
+          <a:bodyPr/>
+          <a:lstStyle/>
+          <a:p>
+            <a:pPr rtl="0"/>
+            <a:fld id="{EE000EEB-8338-48D7-8EE8-EE0082EF7602}" type="slidenum">
+              <a:rPr lang="en-GB" noProof="0" smtClean="0"/>
+              <a:t>7</a:t>
+            </a:fld>
+            <a:endParaRPr lang="en-GB" noProof="0"/>
+          </a:p>
+        </p:txBody>
+      </p:sp>
+    </p:spTree>
+    <p:extLst>
+      <p:ext uri="{BB962C8B-B14F-4D97-AF65-F5344CB8AC3E}">
+        <p14:creationId xmlns:p14="http://schemas.microsoft.com/office/powerpoint/2010/main" val="3516834243"/>
+      </p:ext>
+    </p:extLst>
+  </p:cSld>
+  <p:clrMapOvr>
+    <a:masterClrMapping/>
+  </p:clrMapOvr>
+</p:notes>
+</file>
+
+<file path=ppt/notesSlides/notesSlide8.xml><?xml version="1.0" encoding="utf-8"?>
+<p:notes xmlns:a="http://schemas.openxmlformats.org/drawingml/2006/main" xmlns:r="http://schemas.openxmlformats.org/officeDocument/2006/relationships" xmlns:p="http://schemas.openxmlformats.org/presentationml/2006/main">
+  <p:cSld>
+    <p:spTree>
+      <p:nvGrpSpPr>
+        <p:cNvPr id="1" name=""/>
+        <p:cNvGrpSpPr/>
+        <p:nvPr/>
+      </p:nvGrpSpPr>
+      <p:grpSpPr>
+        <a:xfrm>
+          <a:off x="0" y="0"/>
+          <a:ext cx="0" cy="0"/>
+          <a:chOff x="0" y="0"/>
+          <a:chExt cx="0" cy="0"/>
+        </a:xfrm>
+      </p:grpSpPr>
+      <p:sp>
+        <p:nvSpPr>
+          <p:cNvPr id="2" name="Slide Image Placeholder 1"/>
+          <p:cNvSpPr>
+            <a:spLocks noGrp="1" noRot="1" noChangeAspect="1"/>
+          </p:cNvSpPr>
+          <p:nvPr>
+            <p:ph type="sldImg"/>
+          </p:nvPr>
+        </p:nvSpPr>
+        <p:spPr/>
+      </p:sp>
+      <p:sp>
+        <p:nvSpPr>
+          <p:cNvPr id="3" name="Notes Placeholder 2"/>
+          <p:cNvSpPr>
+            <a:spLocks noGrp="1"/>
+          </p:cNvSpPr>
+          <p:nvPr>
+            <p:ph type="body" idx="1"/>
+          </p:nvPr>
+        </p:nvSpPr>
+        <p:spPr/>
+        <p:txBody>
           <a:bodyPr rtlCol="0"/>
           <a:lstStyle/>
           <a:p>
@@ -10544,7 +10716,7 @@
 </p:notes>
 </file>
 
-<file path=ppt/notesSlides/notesSlide8.xml><?xml version="1.0" encoding="utf-8"?>
+<file path=ppt/notesSlides/notesSlide9.xml><?xml version="1.0" encoding="utf-8"?>
 <p:notes xmlns:a="http://schemas.openxmlformats.org/drawingml/2006/main" xmlns:r="http://schemas.openxmlformats.org/officeDocument/2006/relationships" xmlns:p="http://schemas.openxmlformats.org/presentationml/2006/main">
   <p:cSld>
     <p:spTree>
@@ -16683,13 +16855,13 @@
   <p:clrMapOvr>
     <a:masterClrMapping/>
   </p:clrMapOvr>
-  <mc:AlternateContent xmlns:mc="http://schemas.openxmlformats.org/markup-compatibility/2006">
-    <mc:Choice xmlns:p14="http://schemas.microsoft.com/office/powerpoint/2010/main" Requires="p14">
+  <mc:AlternateContent xmlns:mc="http://schemas.openxmlformats.org/markup-compatibility/2006" xmlns:p14="http://schemas.microsoft.com/office/powerpoint/2010/main">
+    <mc:Choice Requires="p14">
       <p:transition p14:dur="200" advClick="0" advTm="20000">
         <p14:vortex dir="r"/>
       </p:transition>
     </mc:Choice>
-    <mc:Fallback>
+    <mc:Fallback xmlns="">
       <p:transition advClick="0" advTm="20000">
         <p:fade/>
       </p:transition>
@@ -16912,13 +17084,13 @@
   <p:clrMapOvr>
     <a:masterClrMapping/>
   </p:clrMapOvr>
-  <mc:AlternateContent xmlns:mc="http://schemas.openxmlformats.org/markup-compatibility/2006">
-    <mc:Choice xmlns:p14="http://schemas.microsoft.com/office/powerpoint/2010/main" Requires="p14">
+  <mc:AlternateContent xmlns:mc="http://schemas.openxmlformats.org/markup-compatibility/2006" xmlns:p14="http://schemas.microsoft.com/office/powerpoint/2010/main">
+    <mc:Choice Requires="p14">
       <p:transition spd="slow" p14:dur="1200" advClick="0" advTm="20000">
         <p:dissolve/>
       </p:transition>
     </mc:Choice>
-    <mc:Fallback>
+    <mc:Fallback xmlns="">
       <p:transition spd="slow" advClick="0" advTm="20000">
         <p:dissolve/>
       </p:transition>
@@ -17128,13 +17300,13 @@
   <p:clrMapOvr>
     <a:masterClrMapping/>
   </p:clrMapOvr>
-  <mc:AlternateContent xmlns:mc="http://schemas.openxmlformats.org/markup-compatibility/2006">
-    <mc:Choice xmlns:p14="http://schemas.microsoft.com/office/powerpoint/2010/main" Requires="p14">
+  <mc:AlternateContent xmlns:mc="http://schemas.openxmlformats.org/markup-compatibility/2006" xmlns:p14="http://schemas.microsoft.com/office/powerpoint/2010/main">
+    <mc:Choice Requires="p14">
       <p:transition spd="slow" p14:dur="1200" advClick="0" advTm="80000">
         <p14:vortex dir="r"/>
       </p:transition>
     </mc:Choice>
-    <mc:Fallback>
+    <mc:Fallback xmlns="">
       <p:transition spd="slow" advClick="0" advTm="80000">
         <p:fade/>
       </p:transition>
@@ -18873,13 +19045,13 @@
   <p:clrMapOvr>
     <a:masterClrMapping/>
   </p:clrMapOvr>
-  <mc:AlternateContent xmlns:mc="http://schemas.openxmlformats.org/markup-compatibility/2006">
-    <mc:Choice xmlns:p14="http://schemas.microsoft.com/office/powerpoint/2010/main" Requires="p14">
+  <mc:AlternateContent xmlns:mc="http://schemas.openxmlformats.org/markup-compatibility/2006" xmlns:p14="http://schemas.microsoft.com/office/powerpoint/2010/main">
+    <mc:Choice Requires="p14">
       <p:transition spd="slow" p14:dur="4000" advClick="0" advTm="0">
         <p14:vortex dir="r"/>
       </p:transition>
     </mc:Choice>
-    <mc:Fallback>
+    <mc:Fallback xmlns="">
       <p:transition spd="slow" advClick="0" advTm="0">
         <p:fade/>
       </p:transition>
@@ -19625,6 +19797,28 @@
           <a:bodyPr/>
           <a:lstStyle/>
           <a:p>
+            <a:r>
+              <a:rPr lang="en-GB" dirty="0"/>
+              <a:t>We used a CSS file for styling the pages.  However</a:t>
+            </a:r>
+          </a:p>
+          <a:p>
+            <a:r>
+              <a:rPr lang="en-GB" dirty="0"/>
+              <a:t>we switched to Bootstrap templates at an early stage. This allowed us to create a much more dynamic design </a:t>
+            </a:r>
+          </a:p>
+          <a:p>
+            <a:r>
+              <a:rPr lang="en-GB" dirty="0"/>
+              <a:t>For </a:t>
+            </a:r>
+            <a:r>
+              <a:rPr lang="en-GB" dirty="0">
+                <a:effectLst/>
+              </a:rPr>
+              <a:t>the final application, we settled on Jinja2 templates</a:t>
+            </a:r>
             <a:endParaRPr lang="en-GB" dirty="0"/>
           </a:p>
         </p:txBody>
@@ -19639,18 +19833,357 @@
   <p:clrMapOvr>
     <a:masterClrMapping/>
   </p:clrMapOvr>
-  <mc:AlternateContent xmlns:mc="http://schemas.openxmlformats.org/markup-compatibility/2006">
-    <mc:Choice xmlns:p14="http://schemas.microsoft.com/office/powerpoint/2010/main" Requires="p14">
+  <mc:AlternateContent xmlns:mc="http://schemas.openxmlformats.org/markup-compatibility/2006" xmlns:p14="http://schemas.microsoft.com/office/powerpoint/2010/main">
+    <mc:Choice Requires="p14">
       <p:transition spd="slow" p14:dur="4000">
         <p14:vortex dir="r"/>
       </p:transition>
     </mc:Choice>
-    <mc:Fallback>
+    <mc:Fallback xmlns="">
       <p:transition spd="slow">
         <p:fade/>
       </p:transition>
     </mc:Fallback>
   </mc:AlternateContent>
+  <p:timing>
+    <p:tnLst>
+      <p:par>
+        <p:cTn id="1" dur="indefinite" restart="never" nodeType="tmRoot">
+          <p:childTnLst>
+            <p:seq concurrent="1" nextAc="seek">
+              <p:cTn id="2" dur="indefinite" nodeType="mainSeq">
+                <p:childTnLst>
+                  <p:par>
+                    <p:cTn id="3" fill="hold">
+                      <p:stCondLst>
+                        <p:cond delay="indefinite"/>
+                      </p:stCondLst>
+                      <p:childTnLst>
+                        <p:par>
+                          <p:cTn id="4" fill="hold">
+                            <p:stCondLst>
+                              <p:cond delay="0"/>
+                            </p:stCondLst>
+                            <p:childTnLst>
+                              <p:par>
+                                <p:cTn id="5" presetID="2" presetClass="entr" presetSubtype="4" fill="hold" nodeType="clickEffect">
+                                  <p:stCondLst>
+                                    <p:cond delay="0"/>
+                                  </p:stCondLst>
+                                  <p:childTnLst>
+                                    <p:set>
+                                      <p:cBhvr>
+                                        <p:cTn id="6" dur="1" fill="hold">
+                                          <p:stCondLst>
+                                            <p:cond delay="0"/>
+                                          </p:stCondLst>
+                                        </p:cTn>
+                                        <p:tgtEl>
+                                          <p:spTgt spid="3">
+                                            <p:txEl>
+                                              <p:pRg st="0" end="0"/>
+                                            </p:txEl>
+                                          </p:spTgt>
+                                        </p:tgtEl>
+                                        <p:attrNameLst>
+                                          <p:attrName>style.visibility</p:attrName>
+                                        </p:attrNameLst>
+                                      </p:cBhvr>
+                                      <p:to>
+                                        <p:strVal val="visible"/>
+                                      </p:to>
+                                    </p:set>
+                                    <p:anim calcmode="lin" valueType="num">
+                                      <p:cBhvr additive="base">
+                                        <p:cTn id="7" dur="500" fill="hold"/>
+                                        <p:tgtEl>
+                                          <p:spTgt spid="3">
+                                            <p:txEl>
+                                              <p:pRg st="0" end="0"/>
+                                            </p:txEl>
+                                          </p:spTgt>
+                                        </p:tgtEl>
+                                        <p:attrNameLst>
+                                          <p:attrName>ppt_x</p:attrName>
+                                        </p:attrNameLst>
+                                      </p:cBhvr>
+                                      <p:tavLst>
+                                        <p:tav tm="0">
+                                          <p:val>
+                                            <p:strVal val="#ppt_x"/>
+                                          </p:val>
+                                        </p:tav>
+                                        <p:tav tm="100000">
+                                          <p:val>
+                                            <p:strVal val="#ppt_x"/>
+                                          </p:val>
+                                        </p:tav>
+                                      </p:tavLst>
+                                    </p:anim>
+                                    <p:anim calcmode="lin" valueType="num">
+                                      <p:cBhvr additive="base">
+                                        <p:cTn id="8" dur="500" fill="hold"/>
+                                        <p:tgtEl>
+                                          <p:spTgt spid="3">
+                                            <p:txEl>
+                                              <p:pRg st="0" end="0"/>
+                                            </p:txEl>
+                                          </p:spTgt>
+                                        </p:tgtEl>
+                                        <p:attrNameLst>
+                                          <p:attrName>ppt_y</p:attrName>
+                                        </p:attrNameLst>
+                                      </p:cBhvr>
+                                      <p:tavLst>
+                                        <p:tav tm="0">
+                                          <p:val>
+                                            <p:strVal val="1+#ppt_h/2"/>
+                                          </p:val>
+                                        </p:tav>
+                                        <p:tav tm="100000">
+                                          <p:val>
+                                            <p:strVal val="#ppt_y"/>
+                                          </p:val>
+                                        </p:tav>
+                                      </p:tavLst>
+                                    </p:anim>
+                                  </p:childTnLst>
+                                </p:cTn>
+                              </p:par>
+                            </p:childTnLst>
+                          </p:cTn>
+                        </p:par>
+                      </p:childTnLst>
+                    </p:cTn>
+                  </p:par>
+                  <p:par>
+                    <p:cTn id="9" fill="hold">
+                      <p:stCondLst>
+                        <p:cond delay="indefinite"/>
+                      </p:stCondLst>
+                      <p:childTnLst>
+                        <p:par>
+                          <p:cTn id="10" fill="hold">
+                            <p:stCondLst>
+                              <p:cond delay="0"/>
+                            </p:stCondLst>
+                            <p:childTnLst>
+                              <p:par>
+                                <p:cTn id="11" presetID="2" presetClass="entr" presetSubtype="4" fill="hold" nodeType="clickEffect">
+                                  <p:stCondLst>
+                                    <p:cond delay="0"/>
+                                  </p:stCondLst>
+                                  <p:childTnLst>
+                                    <p:set>
+                                      <p:cBhvr>
+                                        <p:cTn id="12" dur="1" fill="hold">
+                                          <p:stCondLst>
+                                            <p:cond delay="0"/>
+                                          </p:stCondLst>
+                                        </p:cTn>
+                                        <p:tgtEl>
+                                          <p:spTgt spid="3">
+                                            <p:txEl>
+                                              <p:pRg st="1" end="1"/>
+                                            </p:txEl>
+                                          </p:spTgt>
+                                        </p:tgtEl>
+                                        <p:attrNameLst>
+                                          <p:attrName>style.visibility</p:attrName>
+                                        </p:attrNameLst>
+                                      </p:cBhvr>
+                                      <p:to>
+                                        <p:strVal val="visible"/>
+                                      </p:to>
+                                    </p:set>
+                                    <p:anim calcmode="lin" valueType="num">
+                                      <p:cBhvr additive="base">
+                                        <p:cTn id="13" dur="500" fill="hold"/>
+                                        <p:tgtEl>
+                                          <p:spTgt spid="3">
+                                            <p:txEl>
+                                              <p:pRg st="1" end="1"/>
+                                            </p:txEl>
+                                          </p:spTgt>
+                                        </p:tgtEl>
+                                        <p:attrNameLst>
+                                          <p:attrName>ppt_x</p:attrName>
+                                        </p:attrNameLst>
+                                      </p:cBhvr>
+                                      <p:tavLst>
+                                        <p:tav tm="0">
+                                          <p:val>
+                                            <p:strVal val="#ppt_x"/>
+                                          </p:val>
+                                        </p:tav>
+                                        <p:tav tm="100000">
+                                          <p:val>
+                                            <p:strVal val="#ppt_x"/>
+                                          </p:val>
+                                        </p:tav>
+                                      </p:tavLst>
+                                    </p:anim>
+                                    <p:anim calcmode="lin" valueType="num">
+                                      <p:cBhvr additive="base">
+                                        <p:cTn id="14" dur="500" fill="hold"/>
+                                        <p:tgtEl>
+                                          <p:spTgt spid="3">
+                                            <p:txEl>
+                                              <p:pRg st="1" end="1"/>
+                                            </p:txEl>
+                                          </p:spTgt>
+                                        </p:tgtEl>
+                                        <p:attrNameLst>
+                                          <p:attrName>ppt_y</p:attrName>
+                                        </p:attrNameLst>
+                                      </p:cBhvr>
+                                      <p:tavLst>
+                                        <p:tav tm="0">
+                                          <p:val>
+                                            <p:strVal val="1+#ppt_h/2"/>
+                                          </p:val>
+                                        </p:tav>
+                                        <p:tav tm="100000">
+                                          <p:val>
+                                            <p:strVal val="#ppt_y"/>
+                                          </p:val>
+                                        </p:tav>
+                                      </p:tavLst>
+                                    </p:anim>
+                                  </p:childTnLst>
+                                </p:cTn>
+                              </p:par>
+                            </p:childTnLst>
+                          </p:cTn>
+                        </p:par>
+                      </p:childTnLst>
+                    </p:cTn>
+                  </p:par>
+                  <p:par>
+                    <p:cTn id="15" fill="hold">
+                      <p:stCondLst>
+                        <p:cond delay="indefinite"/>
+                      </p:stCondLst>
+                      <p:childTnLst>
+                        <p:par>
+                          <p:cTn id="16" fill="hold">
+                            <p:stCondLst>
+                              <p:cond delay="0"/>
+                            </p:stCondLst>
+                            <p:childTnLst>
+                              <p:par>
+                                <p:cTn id="17" presetID="2" presetClass="entr" presetSubtype="4" fill="hold" nodeType="clickEffect">
+                                  <p:stCondLst>
+                                    <p:cond delay="0"/>
+                                  </p:stCondLst>
+                                  <p:childTnLst>
+                                    <p:set>
+                                      <p:cBhvr>
+                                        <p:cTn id="18" dur="1" fill="hold">
+                                          <p:stCondLst>
+                                            <p:cond delay="0"/>
+                                          </p:stCondLst>
+                                        </p:cTn>
+                                        <p:tgtEl>
+                                          <p:spTgt spid="3">
+                                            <p:txEl>
+                                              <p:pRg st="2" end="2"/>
+                                            </p:txEl>
+                                          </p:spTgt>
+                                        </p:tgtEl>
+                                        <p:attrNameLst>
+                                          <p:attrName>style.visibility</p:attrName>
+                                        </p:attrNameLst>
+                                      </p:cBhvr>
+                                      <p:to>
+                                        <p:strVal val="visible"/>
+                                      </p:to>
+                                    </p:set>
+                                    <p:anim calcmode="lin" valueType="num">
+                                      <p:cBhvr additive="base">
+                                        <p:cTn id="19" dur="500" fill="hold"/>
+                                        <p:tgtEl>
+                                          <p:spTgt spid="3">
+                                            <p:txEl>
+                                              <p:pRg st="2" end="2"/>
+                                            </p:txEl>
+                                          </p:spTgt>
+                                        </p:tgtEl>
+                                        <p:attrNameLst>
+                                          <p:attrName>ppt_x</p:attrName>
+                                        </p:attrNameLst>
+                                      </p:cBhvr>
+                                      <p:tavLst>
+                                        <p:tav tm="0">
+                                          <p:val>
+                                            <p:strVal val="#ppt_x"/>
+                                          </p:val>
+                                        </p:tav>
+                                        <p:tav tm="100000">
+                                          <p:val>
+                                            <p:strVal val="#ppt_x"/>
+                                          </p:val>
+                                        </p:tav>
+                                      </p:tavLst>
+                                    </p:anim>
+                                    <p:anim calcmode="lin" valueType="num">
+                                      <p:cBhvr additive="base">
+                                        <p:cTn id="20" dur="500" fill="hold"/>
+                                        <p:tgtEl>
+                                          <p:spTgt spid="3">
+                                            <p:txEl>
+                                              <p:pRg st="2" end="2"/>
+                                            </p:txEl>
+                                          </p:spTgt>
+                                        </p:tgtEl>
+                                        <p:attrNameLst>
+                                          <p:attrName>ppt_y</p:attrName>
+                                        </p:attrNameLst>
+                                      </p:cBhvr>
+                                      <p:tavLst>
+                                        <p:tav tm="0">
+                                          <p:val>
+                                            <p:strVal val="1+#ppt_h/2"/>
+                                          </p:val>
+                                        </p:tav>
+                                        <p:tav tm="100000">
+                                          <p:val>
+                                            <p:strVal val="#ppt_y"/>
+                                          </p:val>
+                                        </p:tav>
+                                      </p:tavLst>
+                                    </p:anim>
+                                  </p:childTnLst>
+                                </p:cTn>
+                              </p:par>
+                            </p:childTnLst>
+                          </p:cTn>
+                        </p:par>
+                      </p:childTnLst>
+                    </p:cTn>
+                  </p:par>
+                </p:childTnLst>
+              </p:cTn>
+              <p:prevCondLst>
+                <p:cond evt="onPrev" delay="0">
+                  <p:tgtEl>
+                    <p:sldTgt/>
+                  </p:tgtEl>
+                </p:cond>
+              </p:prevCondLst>
+              <p:nextCondLst>
+                <p:cond evt="onNext" delay="0">
+                  <p:tgtEl>
+                    <p:sldTgt/>
+                  </p:tgtEl>
+                </p:cond>
+              </p:nextCondLst>
+            </p:seq>
+          </p:childTnLst>
+        </p:cTn>
+      </p:par>
+    </p:tnLst>
+  </p:timing>
 </p:sld>
 </file>
 
@@ -19810,13 +20343,13 @@
   <p:clrMapOvr>
     <a:masterClrMapping/>
   </p:clrMapOvr>
-  <mc:AlternateContent xmlns:mc="http://schemas.openxmlformats.org/markup-compatibility/2006">
-    <mc:Choice xmlns:p14="http://schemas.microsoft.com/office/powerpoint/2010/main" Requires="p14">
+  <mc:AlternateContent xmlns:mc="http://schemas.openxmlformats.org/markup-compatibility/2006" xmlns:p14="http://schemas.microsoft.com/office/powerpoint/2010/main">
+    <mc:Choice Requires="p14">
       <p:transition spd="slow" p14:dur="4000">
         <p14:vortex dir="r"/>
       </p:transition>
     </mc:Choice>
-    <mc:Fallback>
+    <mc:Fallback xmlns="">
       <p:transition spd="slow">
         <p:fade/>
       </p:transition>
@@ -19860,7 +20393,7 @@
         </p:nvSpPr>
         <p:spPr>
           <a:xfrm>
-            <a:off x="646111" y="452718"/>
+            <a:off x="644665" y="452718"/>
             <a:ext cx="9404723" cy="888028"/>
           </a:xfrm>
         </p:spPr>
@@ -19903,8 +20436,8 @@
         </p:nvSpPr>
         <p:spPr>
           <a:xfrm>
-            <a:off x="746954" y="1419284"/>
-            <a:ext cx="10444628" cy="4829116"/>
+            <a:off x="644665" y="1419284"/>
+            <a:ext cx="10444628" cy="2413245"/>
           </a:xfrm>
         </p:spPr>
         <p:txBody>
@@ -19959,8 +20492,617 @@
               </a:rPr>
               <a:t>The database itself can not store graphic images</a:t>
             </a:r>
+          </a:p>
+          <a:p>
+            <a:pPr marL="0" indent="0">
+              <a:buNone/>
+            </a:pPr>
             <a:endParaRPr lang="en-GB" sz="2000" dirty="0">
               <a:effectLst/>
+              <a:latin typeface="Arial" panose="020B0604020202020204" pitchFamily="34" charset="0"/>
+              <a:ea typeface="Calibri" panose="020F0502020204030204" pitchFamily="34" charset="0"/>
+              <a:cs typeface="Times New Roman" panose="02020603050405020304" pitchFamily="18" charset="0"/>
+            </a:endParaRPr>
+          </a:p>
+          <a:p>
+            <a:pPr lvl="1"/>
+            <a:endParaRPr lang="en-GB" dirty="0"/>
+          </a:p>
+        </p:txBody>
+      </p:sp>
+      <p:sp>
+        <p:nvSpPr>
+          <p:cNvPr id="4" name="Title 1">
+            <a:extLst>
+              <a:ext uri="{FF2B5EF4-FFF2-40B4-BE49-F238E27FC236}">
+                <a16:creationId xmlns:a16="http://schemas.microsoft.com/office/drawing/2014/main" id="{04BDCBDA-F313-5CD3-C14A-B3B5B7DDFAF8}"/>
+              </a:ext>
+            </a:extLst>
+          </p:cNvPr>
+          <p:cNvSpPr txBox="1">
+            <a:spLocks/>
+          </p:cNvSpPr>
+          <p:nvPr/>
+        </p:nvSpPr>
+        <p:spPr>
+          <a:xfrm>
+            <a:off x="644665" y="4113511"/>
+            <a:ext cx="9404723" cy="888028"/>
+          </a:xfrm>
+          <a:prstGeom prst="rect">
+            <a:avLst/>
+          </a:prstGeom>
+        </p:spPr>
+        <p:txBody>
+          <a:bodyPr vert="horz" lIns="91440" tIns="45720" rIns="91440" bIns="45720" rtlCol="0" anchor="t">
+            <a:noAutofit/>
+          </a:bodyPr>
+          <a:lstStyle>
+            <a:lvl1pPr algn="l" defTabSz="457200" rtl="0" eaLnBrk="1" latinLnBrk="0" hangingPunct="1">
+              <a:spcBef>
+                <a:spcPct val="0"/>
+              </a:spcBef>
+              <a:buNone/>
+              <a:defRPr sz="4200" b="0" i="0" kern="1200">
+                <a:solidFill>
+                  <a:schemeClr val="tx2"/>
+                </a:solidFill>
+                <a:latin typeface="+mj-lt"/>
+                <a:ea typeface="+mj-ea"/>
+                <a:cs typeface="+mj-cs"/>
+              </a:defRPr>
+            </a:lvl1pPr>
+            <a:lvl2pPr eaLnBrk="1" hangingPunct="1">
+              <a:defRPr>
+                <a:solidFill>
+                  <a:schemeClr val="tx2"/>
+                </a:solidFill>
+              </a:defRPr>
+            </a:lvl2pPr>
+            <a:lvl3pPr eaLnBrk="1" hangingPunct="1">
+              <a:defRPr>
+                <a:solidFill>
+                  <a:schemeClr val="tx2"/>
+                </a:solidFill>
+              </a:defRPr>
+            </a:lvl3pPr>
+            <a:lvl4pPr eaLnBrk="1" hangingPunct="1">
+              <a:defRPr>
+                <a:solidFill>
+                  <a:schemeClr val="tx2"/>
+                </a:solidFill>
+              </a:defRPr>
+            </a:lvl4pPr>
+            <a:lvl5pPr eaLnBrk="1" hangingPunct="1">
+              <a:defRPr>
+                <a:solidFill>
+                  <a:schemeClr val="tx2"/>
+                </a:solidFill>
+              </a:defRPr>
+            </a:lvl5pPr>
+            <a:lvl6pPr eaLnBrk="1" hangingPunct="1">
+              <a:defRPr>
+                <a:solidFill>
+                  <a:schemeClr val="tx2"/>
+                </a:solidFill>
+              </a:defRPr>
+            </a:lvl6pPr>
+            <a:lvl7pPr eaLnBrk="1" hangingPunct="1">
+              <a:defRPr>
+                <a:solidFill>
+                  <a:schemeClr val="tx2"/>
+                </a:solidFill>
+              </a:defRPr>
+            </a:lvl7pPr>
+            <a:lvl8pPr eaLnBrk="1" hangingPunct="1">
+              <a:defRPr>
+                <a:solidFill>
+                  <a:schemeClr val="tx2"/>
+                </a:solidFill>
+              </a:defRPr>
+            </a:lvl8pPr>
+            <a:lvl9pPr eaLnBrk="1" hangingPunct="1">
+              <a:defRPr>
+                <a:solidFill>
+                  <a:schemeClr val="tx2"/>
+                </a:solidFill>
+              </a:defRPr>
+            </a:lvl9pPr>
+          </a:lstStyle>
+          <a:p>
+            <a:r>
+              <a:rPr lang="en-GB" dirty="0"/>
+              <a:t>Roadmap to the Future</a:t>
+            </a:r>
+            <a:br>
+              <a:rPr lang="en-GB" dirty="0"/>
+            </a:br>
+            <a:br>
+              <a:rPr lang="en-GB" dirty="0"/>
+            </a:br>
+            <a:br>
+              <a:rPr lang="en-GB" dirty="0"/>
+            </a:br>
+            <a:endParaRPr lang="en-GB" dirty="0"/>
+          </a:p>
+        </p:txBody>
+      </p:sp>
+      <p:sp>
+        <p:nvSpPr>
+          <p:cNvPr id="5" name="Content Placeholder 2">
+            <a:extLst>
+              <a:ext uri="{FF2B5EF4-FFF2-40B4-BE49-F238E27FC236}">
+                <a16:creationId xmlns:a16="http://schemas.microsoft.com/office/drawing/2014/main" id="{5A38BDB8-71CF-59FB-DF0F-B6B70711863F}"/>
+              </a:ext>
+            </a:extLst>
+          </p:cNvPr>
+          <p:cNvSpPr txBox="1">
+            <a:spLocks/>
+          </p:cNvSpPr>
+          <p:nvPr/>
+        </p:nvSpPr>
+        <p:spPr>
+          <a:xfrm>
+            <a:off x="644665" y="4641863"/>
+            <a:ext cx="10444628" cy="1464740"/>
+          </a:xfrm>
+          <a:prstGeom prst="rect">
+            <a:avLst/>
+          </a:prstGeom>
+        </p:spPr>
+        <p:txBody>
+          <a:bodyPr vert="horz" lIns="91440" tIns="45720" rIns="91440" bIns="45720" rtlCol="0">
+            <a:normAutofit/>
+          </a:bodyPr>
+          <a:lstStyle>
+            <a:lvl1pPr marL="342900" indent="-342900" algn="l" defTabSz="457200" rtl="0" eaLnBrk="1" latinLnBrk="0" hangingPunct="1">
+              <a:spcBef>
+                <a:spcPts val="1000"/>
+              </a:spcBef>
+              <a:spcAft>
+                <a:spcPts val="0"/>
+              </a:spcAft>
+              <a:buClr>
+                <a:schemeClr val="accent1"/>
+              </a:buClr>
+              <a:buSzPct val="80000"/>
+              <a:buFont typeface="Wingdings 3" charset="2"/>
+              <a:buChar char=""/>
+              <a:defRPr sz="2000" b="0" i="0" kern="1200">
+                <a:solidFill>
+                  <a:schemeClr val="tx1"/>
+                </a:solidFill>
+                <a:latin typeface="+mj-lt"/>
+                <a:ea typeface="+mj-ea"/>
+                <a:cs typeface="+mj-cs"/>
+              </a:defRPr>
+            </a:lvl1pPr>
+            <a:lvl2pPr marL="742950" indent="-285750" algn="l" defTabSz="457200" rtl="0" eaLnBrk="1" latinLnBrk="0" hangingPunct="1">
+              <a:spcBef>
+                <a:spcPts val="1000"/>
+              </a:spcBef>
+              <a:spcAft>
+                <a:spcPts val="0"/>
+              </a:spcAft>
+              <a:buClr>
+                <a:schemeClr val="accent1"/>
+              </a:buClr>
+              <a:buSzPct val="80000"/>
+              <a:buFont typeface="Wingdings 3" charset="2"/>
+              <a:buChar char=""/>
+              <a:defRPr sz="1800" b="0" i="0" kern="1200">
+                <a:solidFill>
+                  <a:schemeClr val="tx1"/>
+                </a:solidFill>
+                <a:latin typeface="+mj-lt"/>
+                <a:ea typeface="+mj-ea"/>
+                <a:cs typeface="+mj-cs"/>
+              </a:defRPr>
+            </a:lvl2pPr>
+            <a:lvl3pPr marL="1143000" indent="-228600" algn="l" defTabSz="457200" rtl="0" eaLnBrk="1" latinLnBrk="0" hangingPunct="1">
+              <a:spcBef>
+                <a:spcPts val="1000"/>
+              </a:spcBef>
+              <a:spcAft>
+                <a:spcPts val="0"/>
+              </a:spcAft>
+              <a:buClr>
+                <a:schemeClr val="accent1"/>
+              </a:buClr>
+              <a:buSzPct val="80000"/>
+              <a:buFont typeface="Wingdings 3" charset="2"/>
+              <a:buChar char=""/>
+              <a:defRPr sz="1600" b="0" i="0" kern="1200">
+                <a:solidFill>
+                  <a:schemeClr val="tx1"/>
+                </a:solidFill>
+                <a:latin typeface="+mj-lt"/>
+                <a:ea typeface="+mj-ea"/>
+                <a:cs typeface="+mj-cs"/>
+              </a:defRPr>
+            </a:lvl3pPr>
+            <a:lvl4pPr marL="1600200" indent="-228600" algn="l" defTabSz="457200" rtl="0" eaLnBrk="1" latinLnBrk="0" hangingPunct="1">
+              <a:spcBef>
+                <a:spcPts val="1000"/>
+              </a:spcBef>
+              <a:spcAft>
+                <a:spcPts val="0"/>
+              </a:spcAft>
+              <a:buClr>
+                <a:schemeClr val="accent1"/>
+              </a:buClr>
+              <a:buSzPct val="80000"/>
+              <a:buFont typeface="Wingdings 3" charset="2"/>
+              <a:buChar char=""/>
+              <a:defRPr sz="1400" b="0" i="0" kern="1200">
+                <a:solidFill>
+                  <a:schemeClr val="tx1"/>
+                </a:solidFill>
+                <a:latin typeface="+mj-lt"/>
+                <a:ea typeface="+mj-ea"/>
+                <a:cs typeface="+mj-cs"/>
+              </a:defRPr>
+            </a:lvl4pPr>
+            <a:lvl5pPr marL="2057400" indent="-228600" algn="l" defTabSz="457200" rtl="0" eaLnBrk="1" latinLnBrk="0" hangingPunct="1">
+              <a:spcBef>
+                <a:spcPts val="1000"/>
+              </a:spcBef>
+              <a:spcAft>
+                <a:spcPts val="0"/>
+              </a:spcAft>
+              <a:buClr>
+                <a:schemeClr val="accent1"/>
+              </a:buClr>
+              <a:buSzPct val="80000"/>
+              <a:buFont typeface="Wingdings 3" charset="2"/>
+              <a:buChar char=""/>
+              <a:defRPr sz="1400" b="0" i="0" kern="1200">
+                <a:solidFill>
+                  <a:schemeClr val="tx1"/>
+                </a:solidFill>
+                <a:latin typeface="+mj-lt"/>
+                <a:ea typeface="+mj-ea"/>
+                <a:cs typeface="+mj-cs"/>
+              </a:defRPr>
+            </a:lvl5pPr>
+            <a:lvl6pPr marL="2514600" indent="-228600" algn="l" defTabSz="457200" rtl="0" eaLnBrk="1" latinLnBrk="0" hangingPunct="1">
+              <a:spcBef>
+                <a:spcPts val="1000"/>
+              </a:spcBef>
+              <a:spcAft>
+                <a:spcPts val="0"/>
+              </a:spcAft>
+              <a:buClr>
+                <a:schemeClr val="accent1"/>
+              </a:buClr>
+              <a:buSzPct val="80000"/>
+              <a:buFont typeface="Wingdings 3" charset="2"/>
+              <a:buChar char=""/>
+              <a:defRPr sz="1400" b="0" i="0" kern="1200">
+                <a:solidFill>
+                  <a:schemeClr val="tx1"/>
+                </a:solidFill>
+                <a:latin typeface="+mj-lt"/>
+                <a:ea typeface="+mj-ea"/>
+                <a:cs typeface="+mj-cs"/>
+              </a:defRPr>
+            </a:lvl6pPr>
+            <a:lvl7pPr marL="2971800" indent="-228600" algn="l" defTabSz="457200" rtl="0" eaLnBrk="1" latinLnBrk="0" hangingPunct="1">
+              <a:spcBef>
+                <a:spcPts val="1000"/>
+              </a:spcBef>
+              <a:spcAft>
+                <a:spcPts val="0"/>
+              </a:spcAft>
+              <a:buClr>
+                <a:schemeClr val="accent1"/>
+              </a:buClr>
+              <a:buSzPct val="80000"/>
+              <a:buFont typeface="Wingdings 3" charset="2"/>
+              <a:buChar char=""/>
+              <a:defRPr sz="1400" b="0" i="0" kern="1200">
+                <a:solidFill>
+                  <a:schemeClr val="tx1"/>
+                </a:solidFill>
+                <a:latin typeface="+mj-lt"/>
+                <a:ea typeface="+mj-ea"/>
+                <a:cs typeface="+mj-cs"/>
+              </a:defRPr>
+            </a:lvl7pPr>
+            <a:lvl8pPr marL="3429000" indent="-228600" algn="l" defTabSz="457200" rtl="0" eaLnBrk="1" latinLnBrk="0" hangingPunct="1">
+              <a:spcBef>
+                <a:spcPts val="1000"/>
+              </a:spcBef>
+              <a:spcAft>
+                <a:spcPts val="0"/>
+              </a:spcAft>
+              <a:buClr>
+                <a:schemeClr val="accent1"/>
+              </a:buClr>
+              <a:buSzPct val="80000"/>
+              <a:buFont typeface="Wingdings 3" charset="2"/>
+              <a:buChar char=""/>
+              <a:defRPr sz="1400" b="0" i="0" kern="1200">
+                <a:solidFill>
+                  <a:schemeClr val="tx1"/>
+                </a:solidFill>
+                <a:latin typeface="+mj-lt"/>
+                <a:ea typeface="+mj-ea"/>
+                <a:cs typeface="+mj-cs"/>
+              </a:defRPr>
+            </a:lvl8pPr>
+            <a:lvl9pPr marL="3886200" indent="-228600" algn="l" defTabSz="457200" rtl="0" eaLnBrk="1" latinLnBrk="0" hangingPunct="1">
+              <a:spcBef>
+                <a:spcPts val="1000"/>
+              </a:spcBef>
+              <a:spcAft>
+                <a:spcPts val="0"/>
+              </a:spcAft>
+              <a:buClr>
+                <a:schemeClr val="accent1"/>
+              </a:buClr>
+              <a:buSzPct val="80000"/>
+              <a:buFont typeface="Wingdings 3" charset="2"/>
+              <a:buChar char=""/>
+              <a:defRPr sz="1400" b="0" i="0" kern="1200">
+                <a:solidFill>
+                  <a:schemeClr val="tx1"/>
+                </a:solidFill>
+                <a:latin typeface="+mj-lt"/>
+                <a:ea typeface="+mj-ea"/>
+                <a:cs typeface="+mj-cs"/>
+              </a:defRPr>
+            </a:lvl9pPr>
+          </a:lstStyle>
+          <a:p>
+            <a:pPr lvl="1"/>
+            <a:endParaRPr lang="en-GB" dirty="0"/>
+          </a:p>
+        </p:txBody>
+      </p:sp>
+      <p:sp>
+        <p:nvSpPr>
+          <p:cNvPr id="6" name="Content Placeholder 2">
+            <a:extLst>
+              <a:ext uri="{FF2B5EF4-FFF2-40B4-BE49-F238E27FC236}">
+                <a16:creationId xmlns:a16="http://schemas.microsoft.com/office/drawing/2014/main" id="{AFB99B4B-1B8C-B8C8-54F1-95A78FEED0D4}"/>
+              </a:ext>
+            </a:extLst>
+          </p:cNvPr>
+          <p:cNvSpPr txBox="1">
+            <a:spLocks/>
+          </p:cNvSpPr>
+          <p:nvPr/>
+        </p:nvSpPr>
+        <p:spPr>
+          <a:xfrm>
+            <a:off x="644665" y="5024391"/>
+            <a:ext cx="10444628" cy="867590"/>
+          </a:xfrm>
+          <a:prstGeom prst="rect">
+            <a:avLst/>
+          </a:prstGeom>
+        </p:spPr>
+        <p:txBody>
+          <a:bodyPr vert="horz" lIns="91440" tIns="45720" rIns="91440" bIns="45720" rtlCol="0">
+            <a:normAutofit/>
+          </a:bodyPr>
+          <a:lstStyle>
+            <a:lvl1pPr marL="342900" indent="-342900" algn="l" defTabSz="457200" rtl="0" eaLnBrk="1" latinLnBrk="0" hangingPunct="1">
+              <a:spcBef>
+                <a:spcPts val="1000"/>
+              </a:spcBef>
+              <a:spcAft>
+                <a:spcPts val="0"/>
+              </a:spcAft>
+              <a:buClr>
+                <a:schemeClr val="accent1"/>
+              </a:buClr>
+              <a:buSzPct val="80000"/>
+              <a:buFont typeface="Wingdings 3" charset="2"/>
+              <a:buChar char=""/>
+              <a:defRPr sz="2000" b="0" i="0" kern="1200">
+                <a:solidFill>
+                  <a:schemeClr val="tx1"/>
+                </a:solidFill>
+                <a:latin typeface="+mj-lt"/>
+                <a:ea typeface="+mj-ea"/>
+                <a:cs typeface="+mj-cs"/>
+              </a:defRPr>
+            </a:lvl1pPr>
+            <a:lvl2pPr marL="742950" indent="-285750" algn="l" defTabSz="457200" rtl="0" eaLnBrk="1" latinLnBrk="0" hangingPunct="1">
+              <a:spcBef>
+                <a:spcPts val="1000"/>
+              </a:spcBef>
+              <a:spcAft>
+                <a:spcPts val="0"/>
+              </a:spcAft>
+              <a:buClr>
+                <a:schemeClr val="accent1"/>
+              </a:buClr>
+              <a:buSzPct val="80000"/>
+              <a:buFont typeface="Wingdings 3" charset="2"/>
+              <a:buChar char=""/>
+              <a:defRPr sz="1800" b="0" i="0" kern="1200">
+                <a:solidFill>
+                  <a:schemeClr val="tx1"/>
+                </a:solidFill>
+                <a:latin typeface="+mj-lt"/>
+                <a:ea typeface="+mj-ea"/>
+                <a:cs typeface="+mj-cs"/>
+              </a:defRPr>
+            </a:lvl2pPr>
+            <a:lvl3pPr marL="1143000" indent="-228600" algn="l" defTabSz="457200" rtl="0" eaLnBrk="1" latinLnBrk="0" hangingPunct="1">
+              <a:spcBef>
+                <a:spcPts val="1000"/>
+              </a:spcBef>
+              <a:spcAft>
+                <a:spcPts val="0"/>
+              </a:spcAft>
+              <a:buClr>
+                <a:schemeClr val="accent1"/>
+              </a:buClr>
+              <a:buSzPct val="80000"/>
+              <a:buFont typeface="Wingdings 3" charset="2"/>
+              <a:buChar char=""/>
+              <a:defRPr sz="1600" b="0" i="0" kern="1200">
+                <a:solidFill>
+                  <a:schemeClr val="tx1"/>
+                </a:solidFill>
+                <a:latin typeface="+mj-lt"/>
+                <a:ea typeface="+mj-ea"/>
+                <a:cs typeface="+mj-cs"/>
+              </a:defRPr>
+            </a:lvl3pPr>
+            <a:lvl4pPr marL="1600200" indent="-228600" algn="l" defTabSz="457200" rtl="0" eaLnBrk="1" latinLnBrk="0" hangingPunct="1">
+              <a:spcBef>
+                <a:spcPts val="1000"/>
+              </a:spcBef>
+              <a:spcAft>
+                <a:spcPts val="0"/>
+              </a:spcAft>
+              <a:buClr>
+                <a:schemeClr val="accent1"/>
+              </a:buClr>
+              <a:buSzPct val="80000"/>
+              <a:buFont typeface="Wingdings 3" charset="2"/>
+              <a:buChar char=""/>
+              <a:defRPr sz="1400" b="0" i="0" kern="1200">
+                <a:solidFill>
+                  <a:schemeClr val="tx1"/>
+                </a:solidFill>
+                <a:latin typeface="+mj-lt"/>
+                <a:ea typeface="+mj-ea"/>
+                <a:cs typeface="+mj-cs"/>
+              </a:defRPr>
+            </a:lvl4pPr>
+            <a:lvl5pPr marL="2057400" indent="-228600" algn="l" defTabSz="457200" rtl="0" eaLnBrk="1" latinLnBrk="0" hangingPunct="1">
+              <a:spcBef>
+                <a:spcPts val="1000"/>
+              </a:spcBef>
+              <a:spcAft>
+                <a:spcPts val="0"/>
+              </a:spcAft>
+              <a:buClr>
+                <a:schemeClr val="accent1"/>
+              </a:buClr>
+              <a:buSzPct val="80000"/>
+              <a:buFont typeface="Wingdings 3" charset="2"/>
+              <a:buChar char=""/>
+              <a:defRPr sz="1400" b="0" i="0" kern="1200">
+                <a:solidFill>
+                  <a:schemeClr val="tx1"/>
+                </a:solidFill>
+                <a:latin typeface="+mj-lt"/>
+                <a:ea typeface="+mj-ea"/>
+                <a:cs typeface="+mj-cs"/>
+              </a:defRPr>
+            </a:lvl5pPr>
+            <a:lvl6pPr marL="2514600" indent="-228600" algn="l" defTabSz="457200" rtl="0" eaLnBrk="1" latinLnBrk="0" hangingPunct="1">
+              <a:spcBef>
+                <a:spcPts val="1000"/>
+              </a:spcBef>
+              <a:spcAft>
+                <a:spcPts val="0"/>
+              </a:spcAft>
+              <a:buClr>
+                <a:schemeClr val="accent1"/>
+              </a:buClr>
+              <a:buSzPct val="80000"/>
+              <a:buFont typeface="Wingdings 3" charset="2"/>
+              <a:buChar char=""/>
+              <a:defRPr sz="1400" b="0" i="0" kern="1200">
+                <a:solidFill>
+                  <a:schemeClr val="tx1"/>
+                </a:solidFill>
+                <a:latin typeface="+mj-lt"/>
+                <a:ea typeface="+mj-ea"/>
+                <a:cs typeface="+mj-cs"/>
+              </a:defRPr>
+            </a:lvl6pPr>
+            <a:lvl7pPr marL="2971800" indent="-228600" algn="l" defTabSz="457200" rtl="0" eaLnBrk="1" latinLnBrk="0" hangingPunct="1">
+              <a:spcBef>
+                <a:spcPts val="1000"/>
+              </a:spcBef>
+              <a:spcAft>
+                <a:spcPts val="0"/>
+              </a:spcAft>
+              <a:buClr>
+                <a:schemeClr val="accent1"/>
+              </a:buClr>
+              <a:buSzPct val="80000"/>
+              <a:buFont typeface="Wingdings 3" charset="2"/>
+              <a:buChar char=""/>
+              <a:defRPr sz="1400" b="0" i="0" kern="1200">
+                <a:solidFill>
+                  <a:schemeClr val="tx1"/>
+                </a:solidFill>
+                <a:latin typeface="+mj-lt"/>
+                <a:ea typeface="+mj-ea"/>
+                <a:cs typeface="+mj-cs"/>
+              </a:defRPr>
+            </a:lvl7pPr>
+            <a:lvl8pPr marL="3429000" indent="-228600" algn="l" defTabSz="457200" rtl="0" eaLnBrk="1" latinLnBrk="0" hangingPunct="1">
+              <a:spcBef>
+                <a:spcPts val="1000"/>
+              </a:spcBef>
+              <a:spcAft>
+                <a:spcPts val="0"/>
+              </a:spcAft>
+              <a:buClr>
+                <a:schemeClr val="accent1"/>
+              </a:buClr>
+              <a:buSzPct val="80000"/>
+              <a:buFont typeface="Wingdings 3" charset="2"/>
+              <a:buChar char=""/>
+              <a:defRPr sz="1400" b="0" i="0" kern="1200">
+                <a:solidFill>
+                  <a:schemeClr val="tx1"/>
+                </a:solidFill>
+                <a:latin typeface="+mj-lt"/>
+                <a:ea typeface="+mj-ea"/>
+                <a:cs typeface="+mj-cs"/>
+              </a:defRPr>
+            </a:lvl8pPr>
+            <a:lvl9pPr marL="3886200" indent="-228600" algn="l" defTabSz="457200" rtl="0" eaLnBrk="1" latinLnBrk="0" hangingPunct="1">
+              <a:spcBef>
+                <a:spcPts val="1000"/>
+              </a:spcBef>
+              <a:spcAft>
+                <a:spcPts val="0"/>
+              </a:spcAft>
+              <a:buClr>
+                <a:schemeClr val="accent1"/>
+              </a:buClr>
+              <a:buSzPct val="80000"/>
+              <a:buFont typeface="Wingdings 3" charset="2"/>
+              <a:buChar char=""/>
+              <a:defRPr sz="1400" b="0" i="0" kern="1200">
+                <a:solidFill>
+                  <a:schemeClr val="tx1"/>
+                </a:solidFill>
+                <a:latin typeface="+mj-lt"/>
+                <a:ea typeface="+mj-ea"/>
+                <a:cs typeface="+mj-cs"/>
+              </a:defRPr>
+            </a:lvl9pPr>
+          </a:lstStyle>
+          <a:p>
+            <a:r>
+              <a:rPr lang="en-GB" dirty="0">
+                <a:latin typeface="Arial" panose="020B0604020202020204" pitchFamily="34" charset="0"/>
+                <a:ea typeface="Calibri" panose="020F0502020204030204" pitchFamily="34" charset="0"/>
+                <a:cs typeface="Times New Roman" panose="02020603050405020304" pitchFamily="18" charset="0"/>
+              </a:rPr>
+              <a:t>This application is a basis for future development by other groups</a:t>
+            </a:r>
+          </a:p>
+          <a:p>
+            <a:pPr marL="0" indent="0">
+              <a:buFont typeface="Wingdings 3" charset="2"/>
+              <a:buNone/>
+            </a:pPr>
+            <a:endParaRPr lang="en-GB" dirty="0">
               <a:latin typeface="Arial" panose="020B0604020202020204" pitchFamily="34" charset="0"/>
               <a:ea typeface="Calibri" panose="020F0502020204030204" pitchFamily="34" charset="0"/>
               <a:cs typeface="Times New Roman" panose="02020603050405020304" pitchFamily="18" charset="0"/>
@@ -19982,13 +21124,13 @@
   <p:clrMapOvr>
     <a:masterClrMapping/>
   </p:clrMapOvr>
-  <mc:AlternateContent xmlns:mc="http://schemas.openxmlformats.org/markup-compatibility/2006">
-    <mc:Choice xmlns:p14="http://schemas.microsoft.com/office/powerpoint/2010/main" Requires="p14">
+  <mc:AlternateContent xmlns:mc="http://schemas.openxmlformats.org/markup-compatibility/2006" xmlns:p14="http://schemas.microsoft.com/office/powerpoint/2010/main">
+    <mc:Choice Requires="p14">
       <p:transition spd="slow" p14:dur="4000">
         <p14:vortex dir="r"/>
       </p:transition>
     </mc:Choice>
-    <mc:Fallback>
+    <mc:Fallback xmlns="">
       <p:transition spd="slow">
         <p:fade/>
       </p:transition>
@@ -20451,13 +21593,13 @@
   <p:clrMapOvr>
     <a:masterClrMapping/>
   </p:clrMapOvr>
-  <mc:AlternateContent xmlns:mc="http://schemas.openxmlformats.org/markup-compatibility/2006">
-    <mc:Choice xmlns:p14="http://schemas.microsoft.com/office/powerpoint/2010/main" Requires="p14">
+  <mc:AlternateContent xmlns:mc="http://schemas.openxmlformats.org/markup-compatibility/2006" xmlns:p14="http://schemas.microsoft.com/office/powerpoint/2010/main">
+    <mc:Choice Requires="p14">
       <p:transition spd="slow" p14:dur="4000">
         <p14:vortex dir="r"/>
       </p:transition>
     </mc:Choice>
-    <mc:Fallback>
+    <mc:Fallback xmlns="">
       <p:transition spd="slow">
         <p:fade/>
       </p:transition>
@@ -20651,13 +21793,13 @@
   <p:clrMapOvr>
     <a:masterClrMapping/>
   </p:clrMapOvr>
-  <mc:AlternateContent xmlns:mc="http://schemas.openxmlformats.org/markup-compatibility/2006">
-    <mc:Choice xmlns:p14="http://schemas.microsoft.com/office/powerpoint/2010/main" Requires="p14">
+  <mc:AlternateContent xmlns:mc="http://schemas.openxmlformats.org/markup-compatibility/2006" xmlns:p14="http://schemas.microsoft.com/office/powerpoint/2010/main">
+    <mc:Choice Requires="p14">
       <p:transition spd="slow" p14:dur="4000">
         <p14:vortex dir="r"/>
       </p:transition>
     </mc:Choice>
-    <mc:Fallback>
+    <mc:Fallback xmlns="">
       <p:transition spd="slow">
         <p:fade/>
       </p:transition>
@@ -21522,12 +22664,12 @@
 </file>
 
 <file path=customXml/item1.xml><?xml version="1.0" encoding="utf-8"?>
-<?mso-contentType ?>
-<FormTemplates xmlns="http://schemas.microsoft.com/sharepoint/v3/contenttype/forms">
-  <Display>DocumentLibraryForm</Display>
-  <Edit>DocumentLibraryForm</Edit>
-  <New>DocumentLibraryForm</New>
-</FormTemplates>
+<p:properties xmlns:p="http://schemas.microsoft.com/office/2006/metadata/properties" xmlns:xsi="http://www.w3.org/2001/XMLSchema-instance" xmlns:pc="http://schemas.microsoft.com/office/infopath/2007/PartnerControls">
+  <documentManagement>
+    <Status xmlns="71af3243-3dd4-4a8d-8c0d-dd76da1f02a5">Not started</Status>
+    <MediaServiceKeyPoints xmlns="71af3243-3dd4-4a8d-8c0d-dd76da1f02a5" xsi:nil="true"/>
+  </documentManagement>
+</p:properties>
 </file>
 
 <file path=customXml/item2.xml><?xml version="1.0" encoding="utf-8"?>
@@ -21752,18 +22894,20 @@
 </file>
 
 <file path=customXml/item3.xml><?xml version="1.0" encoding="utf-8"?>
-<p:properties xmlns:p="http://schemas.microsoft.com/office/2006/metadata/properties" xmlns:xsi="http://www.w3.org/2001/XMLSchema-instance" xmlns:pc="http://schemas.microsoft.com/office/infopath/2007/PartnerControls">
-  <documentManagement>
-    <Status xmlns="71af3243-3dd4-4a8d-8c0d-dd76da1f02a5">Not started</Status>
-    <MediaServiceKeyPoints xmlns="71af3243-3dd4-4a8d-8c0d-dd76da1f02a5" xsi:nil="true"/>
-  </documentManagement>
-</p:properties>
+<?mso-contentType ?>
+<FormTemplates xmlns="http://schemas.microsoft.com/sharepoint/v3/contenttype/forms">
+  <Display>DocumentLibraryForm</Display>
+  <Edit>DocumentLibraryForm</Edit>
+  <New>DocumentLibraryForm</New>
+</FormTemplates>
 </file>
 
 <file path=customXml/itemProps1.xml><?xml version="1.0" encoding="utf-8"?>
-<ds:datastoreItem xmlns:ds="http://schemas.openxmlformats.org/officeDocument/2006/customXml" ds:itemID="{0D16958A-754B-4396-9457-FD7A427A37DD}">
+<ds:datastoreItem xmlns:ds="http://schemas.openxmlformats.org/officeDocument/2006/customXml" ds:itemID="{048C88F1-1664-415F-AFCE-F6CF45809817}">
   <ds:schemaRefs>
-    <ds:schemaRef ds:uri="http://schemas.microsoft.com/sharepoint/v3/contenttype/forms"/>
+    <ds:schemaRef ds:uri="http://schemas.microsoft.com/office/2006/metadata/properties"/>
+    <ds:schemaRef ds:uri="http://schemas.microsoft.com/office/infopath/2007/PartnerControls"/>
+    <ds:schemaRef ds:uri="71af3243-3dd4-4a8d-8c0d-dd76da1f02a5"/>
   </ds:schemaRefs>
 </ds:datastoreItem>
 </file>
@@ -21788,11 +22932,9 @@
 </file>
 
 <file path=customXml/itemProps3.xml><?xml version="1.0" encoding="utf-8"?>
-<ds:datastoreItem xmlns:ds="http://schemas.openxmlformats.org/officeDocument/2006/customXml" ds:itemID="{048C88F1-1664-415F-AFCE-F6CF45809817}">
+<ds:datastoreItem xmlns:ds="http://schemas.openxmlformats.org/officeDocument/2006/customXml" ds:itemID="{0D16958A-754B-4396-9457-FD7A427A37DD}">
   <ds:schemaRefs>
-    <ds:schemaRef ds:uri="http://schemas.microsoft.com/office/2006/metadata/properties"/>
-    <ds:schemaRef ds:uri="http://schemas.microsoft.com/office/infopath/2007/PartnerControls"/>
-    <ds:schemaRef ds:uri="71af3243-3dd4-4a8d-8c0d-dd76da1f02a5"/>
+    <ds:schemaRef ds:uri="http://schemas.microsoft.com/sharepoint/v3/contenttype/forms"/>
   </ds:schemaRefs>
 </ds:datastoreItem>
 </file>